--- a/SpringSecurity BaselOne.pptx
+++ b/SpringSecurity BaselOne.pptx
@@ -5,10 +5,10 @@
     <p:sldMasterId id="2147483648" r:id="rId12"/>
   </p:sldMasterIdLst>
   <p:notesMasterIdLst>
-    <p:notesMasterId r:id="rId33"/>
+    <p:notesMasterId r:id="rId32"/>
   </p:notesMasterIdLst>
   <p:handoutMasterIdLst>
-    <p:handoutMasterId r:id="rId34"/>
+    <p:handoutMasterId r:id="rId33"/>
   </p:handoutMasterIdLst>
   <p:sldIdLst>
     <p:sldId id="256" r:id="rId13"/>
@@ -30,7 +30,6 @@
     <p:sldId id="4392" r:id="rId29"/>
     <p:sldId id="4393" r:id="rId30"/>
     <p:sldId id="4398" r:id="rId31"/>
-    <p:sldId id="4399" r:id="rId32"/>
   </p:sldIdLst>
   <p:sldSz cx="12192000" cy="6858000"/>
   <p:notesSz cx="6858000" cy="9144000"/>
@@ -226,7 +225,7 @@
               <a:rPr lang="de-DE" sz="800" smtClean="0">
                 <a:latin typeface="AA Zuehlke" panose="02000503060000020004" pitchFamily="2" charset="0"/>
               </a:rPr>
-              <a:t>10.10.2022</a:t>
+              <a:t>17.10.2022</a:t>
             </a:fld>
             <a:endParaRPr lang="de-DE" sz="800" dirty="0">
               <a:latin typeface="AA Zuehlke" panose="02000503060000020004" pitchFamily="2" charset="0"/>
@@ -540,7 +539,7 @@
             <a:fld id="{5320D358-F853-4E66-A71E-3A9A01236113}" type="datetimeFigureOut">
               <a:rPr lang="de-DE" smtClean="0"/>
               <a:pPr/>
-              <a:t>10.10.2022</a:t>
+              <a:t>17.10.2022</a:t>
             </a:fld>
             <a:endParaRPr lang="de-DE" dirty="0"/>
           </a:p>
@@ -1062,7 +1061,12 @@
             <p:ph type="sldImg"/>
           </p:nvPr>
         </p:nvSpPr>
-        <p:spPr/>
+        <p:spPr>
+          <a:xfrm>
+            <a:off x="476250" y="611188"/>
+            <a:ext cx="5903913" cy="3321050"/>
+          </a:xfrm>
+        </p:spPr>
       </p:sp>
       <p:sp>
         <p:nvSpPr>
@@ -1079,7 +1083,27 @@
           <a:bodyPr/>
           <a:lstStyle/>
           <a:p>
-            <a:endParaRPr lang="en-CH" dirty="0"/>
+            <a:r>
+              <a:rPr lang="en-US" dirty="0"/>
+              <a:t>* CSRF </a:t>
+            </a:r>
+            <a:r>
+              <a:rPr lang="en-US" dirty="0" err="1"/>
+              <a:t>zeigen</a:t>
+            </a:r>
+            <a:r>
+              <a:rPr lang="en-US" dirty="0"/>
+              <a:t> </a:t>
+            </a:r>
+            <a:r>
+              <a:rPr lang="en-US" dirty="0" err="1"/>
+              <a:t>im</a:t>
+            </a:r>
+            <a:r>
+              <a:rPr lang="en-US" dirty="0"/>
+              <a:t> Code</a:t>
+            </a:r>
+            <a:endParaRPr lang="de-CH" dirty="0"/>
           </a:p>
         </p:txBody>
       </p:sp>
@@ -1101,7 +1125,7 @@
             <a:fld id="{E5BBCCF6-F8A8-4C49-BF3D-CA1AA74CA975}" type="slidenum">
               <a:rPr lang="de-DE" smtClean="0"/>
               <a:pPr/>
-              <a:t>19</a:t>
+              <a:t>16</a:t>
             </a:fld>
             <a:endParaRPr lang="de-DE" dirty="0"/>
           </a:p>
@@ -1110,7 +1134,7 @@
     </p:spTree>
     <p:extLst>
       <p:ext uri="{BB962C8B-B14F-4D97-AF65-F5344CB8AC3E}">
-        <p14:creationId xmlns:p14="http://schemas.microsoft.com/office/powerpoint/2010/main" val="4151717574"/>
+        <p14:creationId xmlns:p14="http://schemas.microsoft.com/office/powerpoint/2010/main" val="1214440211"/>
       </p:ext>
     </p:extLst>
   </p:cSld>
@@ -1169,6 +1193,43 @@
           <a:bodyPr/>
           <a:lstStyle/>
           <a:p>
+            <a:pPr marL="0" marR="0" lvl="0" indent="0" algn="l" defTabSz="914400" rtl="0" eaLnBrk="1" fontAlgn="auto" latinLnBrk="0" hangingPunct="1">
+              <a:lnSpc>
+                <a:spcPct val="120000"/>
+              </a:lnSpc>
+              <a:spcBef>
+                <a:spcPts val="1200"/>
+              </a:spcBef>
+              <a:spcAft>
+                <a:spcPts val="200"/>
+              </a:spcAft>
+              <a:buClrTx/>
+              <a:buSzTx/>
+              <a:buFontTx/>
+              <a:buNone/>
+              <a:tabLst/>
+              <a:defRPr/>
+            </a:pPr>
+            <a:r>
+              <a:rPr lang="de-CH" dirty="0"/>
+              <a:t>Verschiedene </a:t>
+            </a:r>
+            <a:r>
+              <a:rPr lang="de-CH" dirty="0" err="1"/>
+              <a:t>Authentisierungsflow</a:t>
+            </a:r>
+            <a:r>
+              <a:rPr lang="de-CH" dirty="0"/>
+              <a:t>, meist wird </a:t>
+            </a:r>
+            <a:r>
+              <a:rPr lang="de-CH" dirty="0" err="1"/>
+              <a:t>CodeFlow</a:t>
+            </a:r>
+            <a:r>
+              <a:rPr lang="de-CH" dirty="0"/>
+              <a:t> verwendet</a:t>
+            </a:r>
             <a:endParaRPr lang="en-CH" dirty="0"/>
           </a:p>
         </p:txBody>
@@ -1191,7 +1252,7 @@
             <a:fld id="{E5BBCCF6-F8A8-4C49-BF3D-CA1AA74CA975}" type="slidenum">
               <a:rPr lang="de-DE" smtClean="0"/>
               <a:pPr/>
-              <a:t>20</a:t>
+              <a:t>18</a:t>
             </a:fld>
             <a:endParaRPr lang="de-DE" dirty="0"/>
           </a:p>
@@ -1200,7 +1261,157 @@
     </p:spTree>
     <p:extLst>
       <p:ext uri="{BB962C8B-B14F-4D97-AF65-F5344CB8AC3E}">
-        <p14:creationId xmlns:p14="http://schemas.microsoft.com/office/powerpoint/2010/main" val="598548592"/>
+        <p14:creationId xmlns:p14="http://schemas.microsoft.com/office/powerpoint/2010/main" val="2165804048"/>
+      </p:ext>
+    </p:extLst>
+  </p:cSld>
+  <p:clrMapOvr>
+    <a:masterClrMapping/>
+  </p:clrMapOvr>
+</p:notes>
+</file>
+
+<file path=ppt/notesSlides/notesSlide12.xml><?xml version="1.0" encoding="utf-8"?>
+<p:notes xmlns:a="http://schemas.openxmlformats.org/drawingml/2006/main" xmlns:r="http://schemas.openxmlformats.org/officeDocument/2006/relationships" xmlns:p="http://schemas.openxmlformats.org/presentationml/2006/main">
+  <p:cSld>
+    <p:spTree>
+      <p:nvGrpSpPr>
+        <p:cNvPr id="1" name=""/>
+        <p:cNvGrpSpPr/>
+        <p:nvPr/>
+      </p:nvGrpSpPr>
+      <p:grpSpPr>
+        <a:xfrm>
+          <a:off x="0" y="0"/>
+          <a:ext cx="0" cy="0"/>
+          <a:chOff x="0" y="0"/>
+          <a:chExt cx="0" cy="0"/>
+        </a:xfrm>
+      </p:grpSpPr>
+      <p:sp>
+        <p:nvSpPr>
+          <p:cNvPr id="2" name="Slide Image Placeholder 1"/>
+          <p:cNvSpPr>
+            <a:spLocks noGrp="1" noRot="1" noChangeAspect="1"/>
+          </p:cNvSpPr>
+          <p:nvPr>
+            <p:ph type="sldImg"/>
+          </p:nvPr>
+        </p:nvSpPr>
+        <p:spPr>
+          <a:xfrm>
+            <a:off x="476250" y="611188"/>
+            <a:ext cx="5903913" cy="3321050"/>
+          </a:xfrm>
+        </p:spPr>
+      </p:sp>
+      <p:sp>
+        <p:nvSpPr>
+          <p:cNvPr id="3" name="Notes Placeholder 2"/>
+          <p:cNvSpPr>
+            <a:spLocks noGrp="1"/>
+          </p:cNvSpPr>
+          <p:nvPr>
+            <p:ph type="body" idx="1"/>
+          </p:nvPr>
+        </p:nvSpPr>
+        <p:spPr/>
+        <p:txBody>
+          <a:bodyPr/>
+          <a:lstStyle/>
+          <a:p>
+            <a:pPr marL="0" indent="0">
+              <a:buNone/>
+            </a:pPr>
+            <a:r>
+              <a:rPr lang="en-US" dirty="0"/>
+              <a:t>* </a:t>
+            </a:r>
+            <a:r>
+              <a:rPr lang="en-US" dirty="0" err="1"/>
+              <a:t>Andere</a:t>
+            </a:r>
+            <a:r>
+              <a:rPr lang="en-US" dirty="0"/>
+              <a:t> Flows </a:t>
+            </a:r>
+            <a:r>
+              <a:rPr lang="en-US" dirty="0" err="1"/>
+              <a:t>unsicher</a:t>
+            </a:r>
+            <a:r>
+              <a:rPr lang="en-US" dirty="0"/>
+              <a:t> (implicit) </a:t>
+            </a:r>
+            <a:r>
+              <a:rPr lang="en-US" dirty="0" err="1"/>
+              <a:t>oder</a:t>
+            </a:r>
+            <a:r>
+              <a:rPr lang="en-US" dirty="0"/>
+              <a:t> </a:t>
+            </a:r>
+            <a:r>
+              <a:rPr lang="en-US" dirty="0" err="1"/>
+              <a:t>selten</a:t>
+            </a:r>
+            <a:r>
+              <a:rPr lang="en-US" dirty="0"/>
+              <a:t> </a:t>
+            </a:r>
+            <a:r>
+              <a:rPr lang="en-US" dirty="0" err="1"/>
+              <a:t>gebraucht</a:t>
+            </a:r>
+            <a:r>
+              <a:rPr lang="en-US" dirty="0"/>
+              <a:t> (Credentials)</a:t>
+            </a:r>
+          </a:p>
+          <a:p>
+            <a:pPr marL="0" indent="0">
+              <a:buNone/>
+            </a:pPr>
+            <a:r>
+              <a:rPr lang="en-US" dirty="0"/>
+              <a:t>* Examples </a:t>
+            </a:r>
+            <a:r>
+              <a:rPr lang="en-US"/>
+              <a:t>zeigen</a:t>
+            </a:r>
+            <a:endParaRPr lang="en-CH" dirty="0"/>
+          </a:p>
+        </p:txBody>
+      </p:sp>
+      <p:sp>
+        <p:nvSpPr>
+          <p:cNvPr id="4" name="Slide Number Placeholder 3"/>
+          <p:cNvSpPr>
+            <a:spLocks noGrp="1"/>
+          </p:cNvSpPr>
+          <p:nvPr>
+            <p:ph type="sldNum" sz="quarter" idx="5"/>
+          </p:nvPr>
+        </p:nvSpPr>
+        <p:spPr/>
+        <p:txBody>
+          <a:bodyPr/>
+          <a:lstStyle/>
+          <a:p>
+            <a:fld id="{E5BBCCF6-F8A8-4C49-BF3D-CA1AA74CA975}" type="slidenum">
+              <a:rPr lang="de-DE" smtClean="0"/>
+              <a:pPr/>
+              <a:t>19</a:t>
+            </a:fld>
+            <a:endParaRPr lang="de-DE" dirty="0"/>
+          </a:p>
+        </p:txBody>
+      </p:sp>
+    </p:spTree>
+    <p:extLst>
+      <p:ext uri="{BB962C8B-B14F-4D97-AF65-F5344CB8AC3E}">
+        <p14:creationId xmlns:p14="http://schemas.microsoft.com/office/powerpoint/2010/main" val="4151717574"/>
       </p:ext>
     </p:extLst>
   </p:cSld>
@@ -3541,7 +3752,82 @@
               <a:rPr lang="en-US" dirty="0" err="1"/>
               <a:t>AuthenticationManger</a:t>
             </a:r>
-            <a:endParaRPr lang="en-US" dirty="0"/>
+            <a:r>
+              <a:rPr lang="en-US" dirty="0"/>
+              <a:t>. </a:t>
+            </a:r>
+            <a:r>
+              <a:rPr lang="en-US" dirty="0" err="1"/>
+              <a:t>Reihenfolge</a:t>
+            </a:r>
+            <a:r>
+              <a:rPr lang="en-US" dirty="0"/>
+              <a:t> </a:t>
+            </a:r>
+            <a:r>
+              <a:rPr lang="en-US" dirty="0" err="1"/>
+              <a:t>wichtig</a:t>
+            </a:r>
+            <a:r>
+              <a:rPr lang="en-US" dirty="0"/>
+              <a:t>!</a:t>
+            </a:r>
+          </a:p>
+          <a:p>
+            <a:pPr marL="171450" indent="-171450">
+              <a:buFont typeface="Arial" panose="020B0604020202020204" pitchFamily="34" charset="0"/>
+              <a:buChar char="•"/>
+            </a:pPr>
+            <a:r>
+              <a:rPr lang="en-US" dirty="0"/>
+              <a:t>Pre/Post Authorize</a:t>
+            </a:r>
+          </a:p>
+          <a:p>
+            <a:pPr marL="171450" indent="-171450">
+              <a:buFont typeface="Arial" panose="020B0604020202020204" pitchFamily="34" charset="0"/>
+              <a:buChar char="•"/>
+            </a:pPr>
+            <a:r>
+              <a:rPr lang="en-US" dirty="0"/>
+              <a:t>Pre/Post-Filter</a:t>
+            </a:r>
+          </a:p>
+          <a:p>
+            <a:pPr marL="171450" indent="-171450">
+              <a:buFont typeface="Arial" panose="020B0604020202020204" pitchFamily="34" charset="0"/>
+              <a:buChar char="•"/>
+            </a:pPr>
+            <a:r>
+              <a:rPr lang="en-US" dirty="0"/>
+              <a:t>Logic</a:t>
+            </a:r>
+          </a:p>
+          <a:p>
+            <a:pPr marL="171450" indent="-171450">
+              <a:buFont typeface="Arial" panose="020B0604020202020204" pitchFamily="34" charset="0"/>
+              <a:buChar char="•"/>
+            </a:pPr>
+            <a:r>
+              <a:rPr lang="en-US" dirty="0"/>
+              <a:t>Role: </a:t>
+            </a:r>
+            <a:r>
+              <a:rPr lang="en-US" dirty="0" err="1"/>
+              <a:t>Authrority</a:t>
+            </a:r>
+            <a:r>
+              <a:rPr lang="en-US" dirty="0"/>
+              <a:t> </a:t>
+            </a:r>
+            <a:r>
+              <a:rPr lang="en-US" dirty="0" err="1"/>
+              <a:t>mit</a:t>
+            </a:r>
+            <a:r>
+              <a:rPr lang="en-US" dirty="0"/>
+              <a:t> Prefix “ROLE_”</a:t>
+            </a:r>
           </a:p>
           <a:p>
             <a:pPr marL="171450" indent="-171450">
@@ -3871,7 +4157,7 @@
             <a:fld id="{F5AF8155-3039-49A4-930E-EDBA4ED207DB}" type="datetime1">
               <a:rPr lang="de-CH" smtClean="0"/>
               <a:pPr/>
-              <a:t>10.10.2022</a:t>
+              <a:t>17.10.2022</a:t>
             </a:fld>
             <a:r>
               <a:rPr lang="de-CH" dirty="0"/>
@@ -4844,7 +5130,7 @@
           <a:p>
             <a:fld id="{4AD2CB6A-76A7-4388-B029-4B2D0D794F3F}" type="datetime1">
               <a:rPr lang="de-CH" smtClean="0"/>
-              <a:t>10.10.2022</a:t>
+              <a:t>17.10.2022</a:t>
             </a:fld>
             <a:endParaRPr lang="de-CH"/>
           </a:p>
@@ -5551,7 +5837,7 @@
           <a:p>
             <a:fld id="{FE38E3FA-3808-499B-97C9-3B578306123F}" type="datetime1">
               <a:rPr lang="de-CH" smtClean="0"/>
-              <a:t>10.10.2022</a:t>
+              <a:t>17.10.2022</a:t>
             </a:fld>
             <a:endParaRPr lang="de-CH"/>
           </a:p>
@@ -6464,7 +6750,7 @@
           <a:p>
             <a:fld id="{B3BB7989-415D-4FB3-830E-9C0C6D18965B}" type="datetime1">
               <a:rPr lang="de-CH" smtClean="0"/>
-              <a:t>10.10.2022</a:t>
+              <a:t>17.10.2022</a:t>
             </a:fld>
             <a:endParaRPr lang="de-CH"/>
           </a:p>
@@ -7260,7 +7546,7 @@
           <a:p>
             <a:fld id="{2682061F-750C-4A14-9093-5356E4EE424E}" type="datetime1">
               <a:rPr lang="de-CH" smtClean="0"/>
-              <a:t>10.10.2022</a:t>
+              <a:t>17.10.2022</a:t>
             </a:fld>
             <a:endParaRPr lang="de-CH"/>
           </a:p>
@@ -7957,7 +8243,7 @@
           <a:p>
             <a:fld id="{DA9F6F28-C085-4334-BF73-3322389433C2}" type="datetime1">
               <a:rPr lang="de-CH" smtClean="0"/>
-              <a:t>10.10.2022</a:t>
+              <a:t>17.10.2022</a:t>
             </a:fld>
             <a:endParaRPr lang="de-CH"/>
           </a:p>
@@ -8960,7 +9246,7 @@
           <a:p>
             <a:fld id="{A863A40B-7AB6-4686-914D-2DA365AD613B}" type="datetime1">
               <a:rPr lang="de-CH" smtClean="0"/>
-              <a:t>10.10.2022</a:t>
+              <a:t>17.10.2022</a:t>
             </a:fld>
             <a:endParaRPr lang="de-CH"/>
           </a:p>
@@ -9654,7 +9940,7 @@
           <a:p>
             <a:fld id="{7CD64DD4-5661-4C48-BECC-E11753962CD6}" type="datetime1">
               <a:rPr lang="de-CH" smtClean="0"/>
-              <a:t>10.10.2022</a:t>
+              <a:t>17.10.2022</a:t>
             </a:fld>
             <a:endParaRPr lang="de-CH"/>
           </a:p>
@@ -10223,7 +10509,7 @@
           <a:p>
             <a:fld id="{F330D1EC-0554-40AF-B4E0-5AAA868B91B3}" type="datetime1">
               <a:rPr lang="de-CH" smtClean="0"/>
-              <a:t>10.10.2022</a:t>
+              <a:t>17.10.2022</a:t>
             </a:fld>
             <a:endParaRPr lang="de-CH"/>
           </a:p>
@@ -10784,7 +11070,7 @@
           <a:p>
             <a:fld id="{05E4EF4D-FCF1-4A22-A98E-342774EE5279}" type="datetime1">
               <a:rPr lang="de-CH" smtClean="0"/>
-              <a:t>10.10.2022</a:t>
+              <a:t>17.10.2022</a:t>
             </a:fld>
             <a:endParaRPr lang="de-CH"/>
           </a:p>
@@ -11318,7 +11604,7 @@
           <a:p>
             <a:fld id="{3E1644BE-265C-4875-A62D-DECE5766704C}" type="datetime1">
               <a:rPr lang="de-CH" smtClean="0"/>
-              <a:t>10.10.2022</a:t>
+              <a:t>17.10.2022</a:t>
             </a:fld>
             <a:endParaRPr lang="de-CH"/>
           </a:p>
@@ -12317,7 +12603,7 @@
           <a:p>
             <a:fld id="{3C531DEE-7039-4DDE-B44B-885BEE83EB8D}" type="datetime1">
               <a:rPr lang="de-CH" smtClean="0"/>
-              <a:t>10.10.2022</a:t>
+              <a:t>17.10.2022</a:t>
             </a:fld>
             <a:endParaRPr lang="de-CH"/>
           </a:p>
@@ -12461,7 +12747,7 @@
           <a:p>
             <a:fld id="{673379A2-3F01-412E-A9F3-3938FBC44BEA}" type="datetime1">
               <a:rPr lang="de-CH" smtClean="0"/>
-              <a:t>10.10.2022</a:t>
+              <a:t>17.10.2022</a:t>
             </a:fld>
             <a:endParaRPr lang="de-CH"/>
           </a:p>
@@ -13815,7 +14101,7 @@
           <a:p>
             <a:fld id="{674AAF8B-7C50-429A-B675-ED803D9B63CE}" type="datetime1">
               <a:rPr lang="de-CH" smtClean="0"/>
-              <a:t>10.10.2022</a:t>
+              <a:t>17.10.2022</a:t>
             </a:fld>
             <a:endParaRPr lang="de-CH"/>
           </a:p>
@@ -15034,7 +15320,7 @@
           <a:p>
             <a:fld id="{55567B56-7C66-49F7-9006-8C19649F08FA}" type="datetime1">
               <a:rPr lang="de-CH" smtClean="0"/>
-              <a:t>10.10.2022</a:t>
+              <a:t>17.10.2022</a:t>
             </a:fld>
             <a:endParaRPr lang="de-CH"/>
           </a:p>
@@ -15767,7 +16053,7 @@
           <a:p>
             <a:fld id="{7FA2049C-2CBB-4FBB-97AD-7AAE45FC2912}" type="datetime1">
               <a:rPr lang="de-CH" smtClean="0"/>
-              <a:t>10.10.2022</a:t>
+              <a:t>17.10.2022</a:t>
             </a:fld>
             <a:endParaRPr lang="de-CH"/>
           </a:p>
@@ -16858,7 +17144,7 @@
           <a:p>
             <a:fld id="{E0DB3DAD-DD0E-4CC4-929D-703E06D39F9D}" type="datetime1">
               <a:rPr lang="de-CH" smtClean="0"/>
-              <a:t>10.10.2022</a:t>
+              <a:t>17.10.2022</a:t>
             </a:fld>
             <a:endParaRPr lang="de-CH"/>
           </a:p>
@@ -17895,7 +18181,7 @@
           <a:p>
             <a:fld id="{B39A1271-19FD-475A-B3B4-BA92018FD132}" type="datetime1">
               <a:rPr lang="de-CH" smtClean="0"/>
-              <a:t>10.10.2022</a:t>
+              <a:t>17.10.2022</a:t>
             </a:fld>
             <a:endParaRPr lang="de-CH"/>
           </a:p>
@@ -18950,7 +19236,7 @@
           <a:p>
             <a:fld id="{B585C50B-0B78-42FB-A51D-B419185071D4}" type="datetime1">
               <a:rPr lang="de-CH" smtClean="0"/>
-              <a:t>10.10.2022</a:t>
+              <a:t>17.10.2022</a:t>
             </a:fld>
             <a:endParaRPr lang="de-CH"/>
           </a:p>
@@ -19868,7 +20154,7 @@
           <a:p>
             <a:fld id="{0EDFE9A9-703F-4954-8606-0CA852E2E4C7}" type="datetime1">
               <a:rPr lang="de-CH" smtClean="0"/>
-              <a:t>10.10.2022</a:t>
+              <a:t>17.10.2022</a:t>
             </a:fld>
             <a:endParaRPr lang="de-CH"/>
           </a:p>
@@ -20587,7 +20873,7 @@
           <a:p>
             <a:fld id="{74C11F21-6096-4A64-B487-7ED934E37665}" type="datetime1">
               <a:rPr lang="de-CH" smtClean="0"/>
-              <a:t>10.10.2022</a:t>
+              <a:t>17.10.2022</a:t>
             </a:fld>
             <a:endParaRPr lang="de-CH"/>
           </a:p>
@@ -21316,7 +21602,7 @@
           <a:p>
             <a:fld id="{FC898A56-491B-49D0-9BEA-BA50BE717309}" type="datetime1">
               <a:rPr lang="de-CH" smtClean="0"/>
-              <a:t>10.10.2022</a:t>
+              <a:t>17.10.2022</a:t>
             </a:fld>
             <a:endParaRPr lang="de-CH"/>
           </a:p>
@@ -22050,7 +22336,7 @@
           <a:p>
             <a:fld id="{B4233E95-3011-4C51-8009-29BB7ED4FEA5}" type="datetime1">
               <a:rPr lang="de-CH" smtClean="0"/>
-              <a:t>10.10.2022</a:t>
+              <a:t>17.10.2022</a:t>
             </a:fld>
             <a:endParaRPr lang="de-CH"/>
           </a:p>
@@ -22879,7 +23165,7 @@
           <a:p>
             <a:fld id="{639778C9-6C7C-417F-A310-065DA76928D1}" type="datetime1">
               <a:rPr lang="de-CH" smtClean="0"/>
-              <a:t>10.10.2022</a:t>
+              <a:t>17.10.2022</a:t>
             </a:fld>
             <a:endParaRPr lang="de-CH"/>
           </a:p>
@@ -25859,7 +26145,7 @@
             <a:fld id="{F7589BDE-D275-48E5-9926-0260C2129B60}" type="datetime1">
               <a:rPr lang="de-CH" smtClean="0"/>
               <a:pPr/>
-              <a:t>10.10.2022</a:t>
+              <a:t>17.10.2022</a:t>
             </a:fld>
             <a:endParaRPr lang="de-CH"/>
           </a:p>
@@ -26297,7 +26583,7 @@
             <a:fld id="{23A38026-B889-4D2B-87ED-95514B502A91}" type="datetime1">
               <a:rPr lang="de-CH" smtClean="0"/>
               <a:pPr/>
-              <a:t>10.10.2022</a:t>
+              <a:t>17.10.2022</a:t>
             </a:fld>
             <a:endParaRPr lang="de-CH"/>
           </a:p>
@@ -26464,7 +26750,7 @@
           <a:p>
             <a:fld id="{74C11F21-6096-4A64-B487-7ED934E37665}" type="datetime1">
               <a:rPr lang="de-CH" smtClean="0"/>
-              <a:t>10.10.2022</a:t>
+              <a:t>17.10.2022</a:t>
             </a:fld>
             <a:endParaRPr lang="de-CH"/>
           </a:p>
@@ -26751,7 +27037,7 @@
           <a:p>
             <a:fld id="{74C11F21-6096-4A64-B487-7ED934E37665}" type="datetime1">
               <a:rPr lang="de-CH" smtClean="0"/>
-              <a:t>10.10.2022</a:t>
+              <a:t>17.10.2022</a:t>
             </a:fld>
             <a:endParaRPr lang="de-CH"/>
           </a:p>
@@ -26976,7 +27262,7 @@
           <a:p>
             <a:fld id="{74C11F21-6096-4A64-B487-7ED934E37665}" type="datetime1">
               <a:rPr lang="de-CH" smtClean="0"/>
-              <a:t>10.10.2022</a:t>
+              <a:t>17.10.2022</a:t>
             </a:fld>
             <a:endParaRPr lang="de-CH"/>
           </a:p>
@@ -27203,7 +27489,7 @@
           <a:p>
             <a:fld id="{74C11F21-6096-4A64-B487-7ED934E37665}" type="datetime1">
               <a:rPr lang="de-CH" smtClean="0"/>
-              <a:t>10.10.2022</a:t>
+              <a:t>17.10.2022</a:t>
             </a:fld>
             <a:endParaRPr lang="de-CH"/>
           </a:p>
@@ -27497,7 +27783,7 @@
           <a:p>
             <a:fld id="{74C11F21-6096-4A64-B487-7ED934E37665}" type="datetime1">
               <a:rPr lang="de-CH" smtClean="0"/>
-              <a:t>10.10.2022</a:t>
+              <a:t>17.10.2022</a:t>
             </a:fld>
             <a:endParaRPr lang="de-CH"/>
           </a:p>
@@ -27671,41 +27957,6 @@
           </a:p>
         </p:txBody>
       </p:sp>
-      <p:pic>
-        <p:nvPicPr>
-          <p:cNvPr id="11" name="Content Placeholder 10">
-            <a:extLst>
-              <a:ext uri="{FF2B5EF4-FFF2-40B4-BE49-F238E27FC236}">
-                <a16:creationId xmlns:a16="http://schemas.microsoft.com/office/drawing/2014/main" id="{8725D660-0094-33E7-8E8E-07D9AA30B00A}"/>
-              </a:ext>
-            </a:extLst>
-          </p:cNvPr>
-          <p:cNvPicPr>
-            <a:picLocks noGrp="1" noChangeAspect="1"/>
-          </p:cNvPicPr>
-          <p:nvPr>
-            <p:ph idx="1"/>
-          </p:nvPr>
-        </p:nvPicPr>
-        <p:blipFill>
-          <a:blip r:embed="rId3">
-            <a:extLst>
-              <a:ext uri="{28A0092B-C50C-407E-A947-70E740481C1C}">
-                <a14:useLocalDpi xmlns:a14="http://schemas.microsoft.com/office/drawing/2010/main" val="0"/>
-              </a:ext>
-            </a:extLst>
-          </a:blip>
-          <a:stretch>
-            <a:fillRect/>
-          </a:stretch>
-        </p:blipFill>
-        <p:spPr>
-          <a:xfrm>
-            <a:off x="4727848" y="1383727"/>
-            <a:ext cx="1656184" cy="4489491"/>
-          </a:xfrm>
-        </p:spPr>
-      </p:pic>
       <p:sp>
         <p:nvSpPr>
           <p:cNvPr id="6" name="Date Placeholder 5">
@@ -27729,7 +27980,7 @@
           <a:p>
             <a:fld id="{74C11F21-6096-4A64-B487-7ED934E37665}" type="datetime1">
               <a:rPr lang="de-CH" smtClean="0"/>
-              <a:t>10.10.2022</a:t>
+              <a:t>17.10.2022</a:t>
             </a:fld>
             <a:endParaRPr lang="de-CH"/>
           </a:p>
@@ -27794,6 +28045,40 @@
           </a:p>
         </p:txBody>
       </p:sp>
+      <p:pic>
+        <p:nvPicPr>
+          <p:cNvPr id="12" name="Content Placeholder 11">
+            <a:extLst>
+              <a:ext uri="{FF2B5EF4-FFF2-40B4-BE49-F238E27FC236}">
+                <a16:creationId xmlns:a16="http://schemas.microsoft.com/office/drawing/2014/main" id="{752795A7-7DBD-9BD0-67E1-9EAC2D63BCED}"/>
+              </a:ext>
+            </a:extLst>
+          </p:cNvPr>
+          <p:cNvPicPr>
+            <a:picLocks noGrp="1" noChangeAspect="1"/>
+          </p:cNvPicPr>
+          <p:nvPr>
+            <p:ph idx="1"/>
+          </p:nvPr>
+        </p:nvPicPr>
+        <p:blipFill>
+          <a:blip r:embed="rId3">
+            <a:extLst>
+              <a:ext uri="{28A0092B-C50C-407E-A947-70E740481C1C}">
+                <a14:useLocalDpi xmlns:a14="http://schemas.microsoft.com/office/drawing/2010/main" val="0"/>
+              </a:ext>
+            </a:extLst>
+          </a:blip>
+          <a:srcRect/>
+          <a:stretch/>
+        </p:blipFill>
+        <p:spPr>
+          <a:xfrm>
+            <a:off x="636176" y="1793818"/>
+            <a:ext cx="9996328" cy="3014058"/>
+          </a:xfrm>
+        </p:spPr>
+      </p:pic>
     </p:spTree>
     <p:extLst>
       <p:ext uri="{BB962C8B-B14F-4D97-AF65-F5344CB8AC3E}">
@@ -27826,10 +28111,10 @@
       </p:grpSpPr>
       <p:sp>
         <p:nvSpPr>
-          <p:cNvPr id="2" name="Text Placeholder 1">
+          <p:cNvPr id="12" name="Text Placeholder 11">
             <a:extLst>
               <a:ext uri="{FF2B5EF4-FFF2-40B4-BE49-F238E27FC236}">
-                <a16:creationId xmlns:a16="http://schemas.microsoft.com/office/drawing/2014/main" id="{E626BE9E-851C-24AB-40A6-B0C49F347B9E}"/>
+                <a16:creationId xmlns:a16="http://schemas.microsoft.com/office/drawing/2014/main" id="{591EE96E-7F40-5CBC-9274-B1FF962C2D0D}"/>
               </a:ext>
             </a:extLst>
           </p:cNvPr>
@@ -27845,7 +28130,7 @@
           <a:bodyPr/>
           <a:lstStyle/>
           <a:p>
-            <a:endParaRPr lang="en-CH"/>
+            <a:endParaRPr lang="de-CH"/>
           </a:p>
         </p:txBody>
       </p:sp>
@@ -27880,10 +28165,10 @@
       </p:sp>
       <p:sp>
         <p:nvSpPr>
-          <p:cNvPr id="4" name="Subtitle 3">
+          <p:cNvPr id="13" name="Subtitle 12">
             <a:extLst>
               <a:ext uri="{FF2B5EF4-FFF2-40B4-BE49-F238E27FC236}">
-                <a16:creationId xmlns:a16="http://schemas.microsoft.com/office/drawing/2014/main" id="{82CAB37B-C71C-FDB4-C021-59F962CBC7D7}"/>
+                <a16:creationId xmlns:a16="http://schemas.microsoft.com/office/drawing/2014/main" id="{D7B22245-0F54-00B2-1A26-047B801E39C0}"/>
               </a:ext>
             </a:extLst>
           </p:cNvPr>
@@ -27899,16 +28184,51 @@
           <a:bodyPr/>
           <a:lstStyle/>
           <a:p>
-            <a:endParaRPr lang="en-CH"/>
+            <a:endParaRPr lang="de-CH"/>
           </a:p>
         </p:txBody>
       </p:sp>
+      <p:pic>
+        <p:nvPicPr>
+          <p:cNvPr id="15" name="Content Placeholder 14" descr="Graphical user interface&#10;&#10;Description automatically generated with medium confidence">
+            <a:extLst>
+              <a:ext uri="{FF2B5EF4-FFF2-40B4-BE49-F238E27FC236}">
+                <a16:creationId xmlns:a16="http://schemas.microsoft.com/office/drawing/2014/main" id="{8063562B-C099-E886-FCE3-A9E8AB859BD7}"/>
+              </a:ext>
+            </a:extLst>
+          </p:cNvPr>
+          <p:cNvPicPr>
+            <a:picLocks noGrp="1" noChangeAspect="1"/>
+          </p:cNvPicPr>
+          <p:nvPr>
+            <p:ph sz="half" idx="1"/>
+          </p:nvPr>
+        </p:nvPicPr>
+        <p:blipFill>
+          <a:blip r:embed="rId3">
+            <a:extLst>
+              <a:ext uri="{28A0092B-C50C-407E-A947-70E740481C1C}">
+                <a14:useLocalDpi xmlns:a14="http://schemas.microsoft.com/office/drawing/2010/main" val="0"/>
+              </a:ext>
+            </a:extLst>
+          </a:blip>
+          <a:stretch>
+            <a:fillRect/>
+          </a:stretch>
+        </p:blipFill>
+        <p:spPr>
+          <a:xfrm>
+            <a:off x="1558925" y="2272506"/>
+            <a:ext cx="3457575" cy="3248025"/>
+          </a:xfrm>
+        </p:spPr>
+      </p:pic>
       <p:sp>
         <p:nvSpPr>
-          <p:cNvPr id="5" name="Content Placeholder 4">
+          <p:cNvPr id="11" name="Content Placeholder 10">
             <a:extLst>
               <a:ext uri="{FF2B5EF4-FFF2-40B4-BE49-F238E27FC236}">
-                <a16:creationId xmlns:a16="http://schemas.microsoft.com/office/drawing/2014/main" id="{EE6F632A-7FF2-1D3F-B191-EFC2C54CC862}"/>
+                <a16:creationId xmlns:a16="http://schemas.microsoft.com/office/drawing/2014/main" id="{497398B9-E023-DBF4-A666-B7B59EE4604C}"/>
               </a:ext>
             </a:extLst>
           </p:cNvPr>
@@ -27916,7 +28236,7 @@
             <a:spLocks noGrp="1"/>
           </p:cNvSpPr>
           <p:nvPr>
-            <p:ph idx="1"/>
+            <p:ph sz="half" idx="2"/>
           </p:nvPr>
         </p:nvSpPr>
         <p:spPr/>
@@ -27924,7 +28244,108 @@
           <a:bodyPr/>
           <a:lstStyle/>
           <a:p>
-            <a:endParaRPr lang="en-CH"/>
+            <a:pPr marL="285750" indent="-285750">
+              <a:buFont typeface="Arial" panose="020B0604020202020204" pitchFamily="34" charset="0"/>
+              <a:buChar char="•"/>
+            </a:pPr>
+            <a:r>
+              <a:rPr lang="en-US" dirty="0" err="1"/>
+              <a:t>Wenn</a:t>
+            </a:r>
+            <a:r>
+              <a:rPr lang="en-US" dirty="0"/>
+              <a:t> </a:t>
+            </a:r>
+            <a:r>
+              <a:rPr lang="en-US" dirty="0" err="1"/>
+              <a:t>nur</a:t>
+            </a:r>
+            <a:r>
+              <a:rPr lang="en-US" dirty="0"/>
+              <a:t> Cookies </a:t>
+            </a:r>
+            <a:r>
+              <a:rPr lang="en-US" dirty="0" err="1"/>
+              <a:t>verwendet</a:t>
+            </a:r>
+            <a:r>
+              <a:rPr lang="en-US" dirty="0"/>
+              <a:t> </a:t>
+            </a:r>
+            <a:r>
+              <a:rPr lang="en-US" dirty="0" err="1"/>
+              <a:t>ist</a:t>
+            </a:r>
+            <a:r>
+              <a:rPr lang="en-US" dirty="0"/>
+              <a:t> </a:t>
+            </a:r>
+            <a:r>
+              <a:rPr lang="en-US" dirty="0" err="1"/>
+              <a:t>eine</a:t>
+            </a:r>
+            <a:r>
+              <a:rPr lang="en-US" dirty="0"/>
+              <a:t> </a:t>
+            </a:r>
+            <a:r>
+              <a:rPr lang="en-US" dirty="0" err="1"/>
+              <a:t>Applikation</a:t>
+            </a:r>
+            <a:r>
+              <a:rPr lang="en-US" dirty="0"/>
+              <a:t> für </a:t>
+            </a:r>
+            <a:r>
+              <a:rPr lang="de-CH" dirty="0"/>
+              <a:t>Cross-Site-Request-</a:t>
+            </a:r>
+            <a:r>
+              <a:rPr lang="de-CH" dirty="0" err="1"/>
+              <a:t>Forgery</a:t>
+            </a:r>
+            <a:r>
+              <a:rPr lang="de-CH" dirty="0"/>
+              <a:t> (CSRF) Angriffe verwundbar, da der Browser die Cookies immer automatisch mitschickt</a:t>
+            </a:r>
+          </a:p>
+          <a:p>
+            <a:pPr marL="285750" indent="-285750">
+              <a:buFont typeface="Arial" panose="020B0604020202020204" pitchFamily="34" charset="0"/>
+              <a:buChar char="•"/>
+            </a:pPr>
+            <a:r>
+              <a:rPr lang="de-CH" dirty="0"/>
+              <a:t>Wird verhindert durch mitschicken eines zusätzlichen Tokens der beide Wege über Cookies übertragen wird</a:t>
+            </a:r>
+          </a:p>
+          <a:p>
+            <a:pPr marL="285750" indent="-285750">
+              <a:buFont typeface="Arial" panose="020B0604020202020204" pitchFamily="34" charset="0"/>
+              <a:buChar char="•"/>
+            </a:pPr>
+            <a:r>
+              <a:rPr lang="de-CH" dirty="0"/>
+              <a:t>Token kann in Session oder in einem JS-Cookie gespeichert werden</a:t>
+            </a:r>
+          </a:p>
+          <a:p>
+            <a:pPr marL="285750" indent="-285750">
+              <a:buFont typeface="Arial" panose="020B0604020202020204" pitchFamily="34" charset="0"/>
+              <a:buChar char="•"/>
+            </a:pPr>
+            <a:r>
+              <a:rPr lang="de-CH" dirty="0"/>
+              <a:t>Frontend muss CSRF-</a:t>
+            </a:r>
+            <a:r>
+              <a:rPr lang="de-CH" dirty="0" err="1"/>
+              <a:t>Protection</a:t>
+            </a:r>
+            <a:r>
+              <a:rPr lang="de-CH" dirty="0"/>
+              <a:t> unterstützten</a:t>
+            </a:r>
           </a:p>
         </p:txBody>
       </p:sp>
@@ -27951,7 +28372,7 @@
           <a:p>
             <a:fld id="{74C11F21-6096-4A64-B487-7ED934E37665}" type="datetime1">
               <a:rPr lang="de-CH" smtClean="0"/>
-              <a:t>10.10.2022</a:t>
+              <a:t>17.10.2022</a:t>
             </a:fld>
             <a:endParaRPr lang="de-CH"/>
           </a:p>
@@ -28013,74 +28434,6 @@
               <a:t>16</a:t>
             </a:fld>
             <a:endParaRPr lang="de-CH" dirty="0"/>
-          </a:p>
-        </p:txBody>
-      </p:sp>
-      <p:sp>
-        <p:nvSpPr>
-          <p:cNvPr id="9" name="Rectangle 8">
-            <a:extLst>
-              <a:ext uri="{FF2B5EF4-FFF2-40B4-BE49-F238E27FC236}">
-                <a16:creationId xmlns:a16="http://schemas.microsoft.com/office/drawing/2014/main" id="{D9CCB5FA-C444-60A6-C605-F9EEF4526CA8}"/>
-              </a:ext>
-            </a:extLst>
-          </p:cNvPr>
-          <p:cNvSpPr/>
-          <p:nvPr/>
-        </p:nvSpPr>
-        <p:spPr bwMode="gray">
-          <a:xfrm>
-            <a:off x="3827748" y="2528900"/>
-            <a:ext cx="4536504" cy="1800200"/>
-          </a:xfrm>
-          <a:prstGeom prst="rect">
-            <a:avLst/>
-          </a:prstGeom>
-          <a:solidFill>
-            <a:schemeClr val="accent1"/>
-          </a:solidFill>
-          <a:ln w="6350">
-            <a:noFill/>
-          </a:ln>
-        </p:spPr>
-        <p:style>
-          <a:lnRef idx="2">
-            <a:schemeClr val="accent1">
-              <a:shade val="50000"/>
-            </a:schemeClr>
-          </a:lnRef>
-          <a:fillRef idx="1">
-            <a:schemeClr val="accent1"/>
-          </a:fillRef>
-          <a:effectRef idx="0">
-            <a:schemeClr val="accent1"/>
-          </a:effectRef>
-          <a:fontRef idx="minor">
-            <a:schemeClr val="lt1"/>
-          </a:fontRef>
-        </p:style>
-        <p:txBody>
-          <a:bodyPr lIns="0" tIns="0" rIns="0" bIns="0" rtlCol="0" anchor="ctr"/>
-          <a:lstStyle/>
-          <a:p>
-            <a:pPr algn="ctr">
-              <a:lnSpc>
-                <a:spcPct val="120000"/>
-              </a:lnSpc>
-            </a:pPr>
-            <a:r>
-              <a:rPr lang="en-US" sz="1600" spc="20" dirty="0">
-                <a:solidFill>
-                  <a:schemeClr val="bg1"/>
-                </a:solidFill>
-              </a:rPr>
-              <a:t>TODO</a:t>
-            </a:r>
-            <a:endParaRPr lang="en-CH" sz="1600" spc="20" dirty="0" err="1">
-              <a:solidFill>
-                <a:schemeClr val="bg1"/>
-              </a:solidFill>
-            </a:endParaRPr>
           </a:p>
         </p:txBody>
       </p:sp>
@@ -28214,7 +28567,130 @@
           <a:bodyPr/>
           <a:lstStyle/>
           <a:p>
-            <a:endParaRPr lang="en-CH"/>
+            <a:pPr marL="285750" indent="-285750">
+              <a:buFont typeface="Arial" panose="020B0604020202020204" pitchFamily="34" charset="0"/>
+              <a:buChar char="•"/>
+            </a:pPr>
+            <a:r>
+              <a:rPr lang="en-US" dirty="0" err="1"/>
+              <a:t>Standartmässig</a:t>
+            </a:r>
+            <a:r>
+              <a:rPr lang="en-US" dirty="0"/>
+              <a:t> </a:t>
+            </a:r>
+            <a:r>
+              <a:rPr lang="en-US" dirty="0" err="1"/>
+              <a:t>darf</a:t>
+            </a:r>
+            <a:r>
+              <a:rPr lang="en-US" dirty="0"/>
+              <a:t> </a:t>
+            </a:r>
+            <a:r>
+              <a:rPr lang="en-US" dirty="0" err="1"/>
+              <a:t>eine</a:t>
+            </a:r>
+            <a:r>
+              <a:rPr lang="en-US" dirty="0"/>
+              <a:t> </a:t>
+            </a:r>
+            <a:r>
+              <a:rPr lang="en-US" dirty="0" err="1"/>
+              <a:t>Applikation</a:t>
+            </a:r>
+            <a:r>
+              <a:rPr lang="en-US" dirty="0"/>
+              <a:t> </a:t>
+            </a:r>
+            <a:r>
+              <a:rPr lang="en-US" dirty="0" err="1"/>
+              <a:t>nicht</a:t>
+            </a:r>
+            <a:r>
+              <a:rPr lang="en-US" dirty="0"/>
+              <a:t> auf </a:t>
+            </a:r>
+            <a:r>
+              <a:rPr lang="en-US" dirty="0" err="1"/>
+              <a:t>Resourcen</a:t>
+            </a:r>
+            <a:r>
+              <a:rPr lang="en-US" dirty="0"/>
+              <a:t> </a:t>
+            </a:r>
+            <a:r>
+              <a:rPr lang="en-US" dirty="0" err="1"/>
+              <a:t>einer</a:t>
+            </a:r>
+            <a:r>
+              <a:rPr lang="en-US" dirty="0"/>
+              <a:t> </a:t>
+            </a:r>
+            <a:r>
+              <a:rPr lang="en-US" dirty="0" err="1"/>
+              <a:t>anderen</a:t>
+            </a:r>
+            <a:r>
+              <a:rPr lang="en-US" dirty="0"/>
+              <a:t> “</a:t>
+            </a:r>
+            <a:r>
+              <a:rPr lang="en-US" dirty="0" err="1"/>
+              <a:t>Orign</a:t>
+            </a:r>
+            <a:r>
+              <a:rPr lang="en-US" dirty="0"/>
+              <a:t>” </a:t>
+            </a:r>
+            <a:r>
+              <a:rPr lang="en-US" dirty="0" err="1"/>
+              <a:t>zugreifen</a:t>
+            </a:r>
+            <a:endParaRPr lang="en-US" dirty="0"/>
+          </a:p>
+          <a:p>
+            <a:pPr marL="285750" indent="-285750">
+              <a:buFont typeface="Arial" panose="020B0604020202020204" pitchFamily="34" charset="0"/>
+              <a:buChar char="•"/>
+            </a:pPr>
+            <a:r>
+              <a:rPr lang="en-US" dirty="0" err="1"/>
+              <a:t>Kann</a:t>
+            </a:r>
+            <a:r>
+              <a:rPr lang="en-US" dirty="0"/>
+              <a:t> </a:t>
+            </a:r>
+            <a:r>
+              <a:rPr lang="en-US" dirty="0" err="1"/>
+              <a:t>mittels</a:t>
+            </a:r>
+            <a:r>
+              <a:rPr lang="en-US" dirty="0"/>
+              <a:t> </a:t>
+            </a:r>
+            <a:r>
+              <a:rPr lang="en-US" dirty="0" err="1"/>
+              <a:t>zusätzlichen</a:t>
+            </a:r>
+            <a:r>
+              <a:rPr lang="en-US" dirty="0"/>
+              <a:t> Response-Headers </a:t>
+            </a:r>
+            <a:r>
+              <a:rPr lang="en-US" dirty="0" err="1"/>
+              <a:t>gesteuert</a:t>
+            </a:r>
+            <a:r>
+              <a:rPr lang="en-US" dirty="0"/>
+              <a:t> </a:t>
+            </a:r>
+            <a:r>
+              <a:rPr lang="en-US" dirty="0" err="1"/>
+              <a:t>werden</a:t>
+            </a:r>
+            <a:endParaRPr lang="en-CH" dirty="0"/>
           </a:p>
         </p:txBody>
       </p:sp>
@@ -28241,7 +28717,7 @@
           <a:p>
             <a:fld id="{74C11F21-6096-4A64-B487-7ED934E37665}" type="datetime1">
               <a:rPr lang="de-CH" smtClean="0"/>
-              <a:t>10.10.2022</a:t>
+              <a:t>17.10.2022</a:t>
             </a:fld>
             <a:endParaRPr lang="de-CH"/>
           </a:p>
@@ -28303,74 +28779,6 @@
               <a:t>17</a:t>
             </a:fld>
             <a:endParaRPr lang="de-CH" dirty="0"/>
-          </a:p>
-        </p:txBody>
-      </p:sp>
-      <p:sp>
-        <p:nvSpPr>
-          <p:cNvPr id="9" name="Rectangle 8">
-            <a:extLst>
-              <a:ext uri="{FF2B5EF4-FFF2-40B4-BE49-F238E27FC236}">
-                <a16:creationId xmlns:a16="http://schemas.microsoft.com/office/drawing/2014/main" id="{D9CCB5FA-C444-60A6-C605-F9EEF4526CA8}"/>
-              </a:ext>
-            </a:extLst>
-          </p:cNvPr>
-          <p:cNvSpPr/>
-          <p:nvPr/>
-        </p:nvSpPr>
-        <p:spPr bwMode="gray">
-          <a:xfrm>
-            <a:off x="3827748" y="2528900"/>
-            <a:ext cx="4536504" cy="1800200"/>
-          </a:xfrm>
-          <a:prstGeom prst="rect">
-            <a:avLst/>
-          </a:prstGeom>
-          <a:solidFill>
-            <a:schemeClr val="accent1"/>
-          </a:solidFill>
-          <a:ln w="6350">
-            <a:noFill/>
-          </a:ln>
-        </p:spPr>
-        <p:style>
-          <a:lnRef idx="2">
-            <a:schemeClr val="accent1">
-              <a:shade val="50000"/>
-            </a:schemeClr>
-          </a:lnRef>
-          <a:fillRef idx="1">
-            <a:schemeClr val="accent1"/>
-          </a:fillRef>
-          <a:effectRef idx="0">
-            <a:schemeClr val="accent1"/>
-          </a:effectRef>
-          <a:fontRef idx="minor">
-            <a:schemeClr val="lt1"/>
-          </a:fontRef>
-        </p:style>
-        <p:txBody>
-          <a:bodyPr lIns="0" tIns="0" rIns="0" bIns="0" rtlCol="0" anchor="ctr"/>
-          <a:lstStyle/>
-          <a:p>
-            <a:pPr algn="ctr">
-              <a:lnSpc>
-                <a:spcPct val="120000"/>
-              </a:lnSpc>
-            </a:pPr>
-            <a:r>
-              <a:rPr lang="en-US" sz="1600" spc="20" dirty="0">
-                <a:solidFill>
-                  <a:schemeClr val="bg1"/>
-                </a:solidFill>
-              </a:rPr>
-              <a:t>TODO</a:t>
-            </a:r>
-            <a:endParaRPr lang="en-CH" sz="1600" spc="20" dirty="0" err="1">
-              <a:solidFill>
-                <a:schemeClr val="bg1"/>
-              </a:solidFill>
-            </a:endParaRPr>
           </a:p>
         </p:txBody>
       </p:sp>
@@ -28483,31 +28891,44 @@
           </a:p>
         </p:txBody>
       </p:sp>
-      <p:sp>
-        <p:nvSpPr>
-          <p:cNvPr id="5" name="Content Placeholder 4">
+      <p:pic>
+        <p:nvPicPr>
+          <p:cNvPr id="19" name="Content Placeholder 18" descr="User with solid fill">
             <a:extLst>
               <a:ext uri="{FF2B5EF4-FFF2-40B4-BE49-F238E27FC236}">
-                <a16:creationId xmlns:a16="http://schemas.microsoft.com/office/drawing/2014/main" id="{EE6F632A-7FF2-1D3F-B191-EFC2C54CC862}"/>
+                <a16:creationId xmlns:a16="http://schemas.microsoft.com/office/drawing/2014/main" id="{58D0D228-E218-6D7E-BBBA-8E3A11B45FD5}"/>
               </a:ext>
             </a:extLst>
           </p:cNvPr>
-          <p:cNvSpPr>
-            <a:spLocks noGrp="1"/>
-          </p:cNvSpPr>
+          <p:cNvPicPr>
+            <a:picLocks noGrp="1" noChangeAspect="1"/>
+          </p:cNvPicPr>
           <p:nvPr>
             <p:ph idx="1"/>
           </p:nvPr>
-        </p:nvSpPr>
-        <p:spPr/>
-        <p:txBody>
-          <a:bodyPr/>
-          <a:lstStyle/>
-          <a:p>
-            <a:endParaRPr lang="en-CH"/>
-          </a:p>
-        </p:txBody>
-      </p:sp>
+        </p:nvPicPr>
+        <p:blipFill>
+          <a:blip r:embed="rId3">
+            <a:extLst>
+              <a:ext uri="{28A0092B-C50C-407E-A947-70E740481C1C}">
+                <a14:useLocalDpi xmlns:a14="http://schemas.microsoft.com/office/drawing/2010/main" val="0"/>
+              </a:ext>
+              <a:ext uri="{96DAC541-7B7A-43D3-8B79-37D633B846F1}">
+                <asvg:svgBlip xmlns:asvg="http://schemas.microsoft.com/office/drawing/2016/SVG/main" r:embed="rId4"/>
+              </a:ext>
+            </a:extLst>
+          </a:blip>
+          <a:stretch>
+            <a:fillRect/>
+          </a:stretch>
+        </p:blipFill>
+        <p:spPr>
+          <a:xfrm>
+            <a:off x="6646912" y="3418426"/>
+            <a:ext cx="914400" cy="914400"/>
+          </a:xfrm>
+        </p:spPr>
+      </p:pic>
       <p:sp>
         <p:nvSpPr>
           <p:cNvPr id="6" name="Date Placeholder 5">
@@ -28531,7 +28952,7 @@
           <a:p>
             <a:fld id="{74C11F21-6096-4A64-B487-7ED934E37665}" type="datetime1">
               <a:rPr lang="de-CH" smtClean="0"/>
-              <a:t>10.10.2022</a:t>
+              <a:t>17.10.2022</a:t>
             </a:fld>
             <a:endParaRPr lang="de-CH"/>
           </a:p>
@@ -28598,10 +29019,10 @@
       </p:sp>
       <p:sp>
         <p:nvSpPr>
-          <p:cNvPr id="9" name="Rectangle 8">
+          <p:cNvPr id="10" name="Rectangle: Rounded Corners 9">
             <a:extLst>
               <a:ext uri="{FF2B5EF4-FFF2-40B4-BE49-F238E27FC236}">
-                <a16:creationId xmlns:a16="http://schemas.microsoft.com/office/drawing/2014/main" id="{D9CCB5FA-C444-60A6-C605-F9EEF4526CA8}"/>
+                <a16:creationId xmlns:a16="http://schemas.microsoft.com/office/drawing/2014/main" id="{C5AEC600-C6EB-5119-9D79-61EE815DCA99}"/>
               </a:ext>
             </a:extLst>
           </p:cNvPr>
@@ -28610,10 +29031,10 @@
         </p:nvSpPr>
         <p:spPr bwMode="gray">
           <a:xfrm>
-            <a:off x="3827748" y="2528900"/>
-            <a:ext cx="4536504" cy="1800200"/>
+            <a:off x="9040360" y="1771488"/>
+            <a:ext cx="1728192" cy="936104"/>
           </a:xfrm>
-          <a:prstGeom prst="rect">
+          <a:prstGeom prst="roundRect">
             <a:avLst/>
           </a:prstGeom>
           <a:solidFill>
@@ -28649,58 +29070,769 @@
               </a:lnSpc>
             </a:pPr>
             <a:r>
-              <a:rPr lang="en-US" sz="1600" spc="20" dirty="0">
-                <a:solidFill>
-                  <a:schemeClr val="bg1"/>
-                </a:solidFill>
-              </a:rPr>
-              <a:t>TODO: Basics, </a:t>
-            </a:r>
-            <a:r>
-              <a:rPr lang="en-US" sz="1600" spc="20" dirty="0" err="1">
-                <a:solidFill>
-                  <a:schemeClr val="bg1"/>
-                </a:solidFill>
-              </a:rPr>
-              <a:t>Abläufe</a:t>
-            </a:r>
-            <a:r>
-              <a:rPr lang="en-US" sz="1600" spc="20" dirty="0">
-                <a:solidFill>
-                  <a:schemeClr val="bg1"/>
-                </a:solidFill>
-              </a:rPr>
-              <a:t>, </a:t>
-            </a:r>
-            <a:r>
-              <a:rPr lang="en-US" sz="1600" spc="20" dirty="0" err="1">
-                <a:solidFill>
-                  <a:schemeClr val="bg1"/>
-                </a:solidFill>
-              </a:rPr>
-              <a:t>Vor</a:t>
-            </a:r>
-            <a:r>
-              <a:rPr lang="en-US" sz="1600" spc="20" dirty="0">
-                <a:solidFill>
-                  <a:schemeClr val="bg1"/>
-                </a:solidFill>
-              </a:rPr>
-              <a:t>/ </a:t>
-            </a:r>
-            <a:r>
-              <a:rPr lang="en-US" sz="1600" spc="20" dirty="0" err="1">
-                <a:solidFill>
-                  <a:schemeClr val="bg1"/>
-                </a:solidFill>
-              </a:rPr>
-              <a:t>Nachteile</a:t>
-            </a:r>
-            <a:endParaRPr lang="en-CH" sz="1600" spc="20" dirty="0" err="1">
+              <a:rPr lang="de-CH" sz="1600" dirty="0" err="1"/>
+              <a:t>Authorization</a:t>
+            </a:r>
+            <a:r>
+              <a:rPr lang="de-CH" sz="1600" dirty="0"/>
+              <a:t> Server (OIDC Provider) </a:t>
+            </a:r>
+            <a:endParaRPr lang="de-CH" sz="1600" spc="20" dirty="0">
               <a:solidFill>
                 <a:schemeClr val="bg1"/>
               </a:solidFill>
             </a:endParaRPr>
+          </a:p>
+        </p:txBody>
+      </p:sp>
+      <p:sp>
+        <p:nvSpPr>
+          <p:cNvPr id="11" name="Rectangle: Rounded Corners 10">
+            <a:extLst>
+              <a:ext uri="{FF2B5EF4-FFF2-40B4-BE49-F238E27FC236}">
+                <a16:creationId xmlns:a16="http://schemas.microsoft.com/office/drawing/2014/main" id="{2C890A22-A847-77E2-8D83-F1D9992CA5DF}"/>
+              </a:ext>
+            </a:extLst>
+          </p:cNvPr>
+          <p:cNvSpPr/>
+          <p:nvPr/>
+        </p:nvSpPr>
+        <p:spPr bwMode="gray">
+          <a:xfrm>
+            <a:off x="9040360" y="3355672"/>
+            <a:ext cx="1728192" cy="936104"/>
+          </a:xfrm>
+          <a:prstGeom prst="roundRect">
+            <a:avLst/>
+          </a:prstGeom>
+          <a:solidFill>
+            <a:schemeClr val="accent1"/>
+          </a:solidFill>
+          <a:ln w="6350">
+            <a:noFill/>
+          </a:ln>
+        </p:spPr>
+        <p:style>
+          <a:lnRef idx="2">
+            <a:schemeClr val="accent1">
+              <a:shade val="50000"/>
+            </a:schemeClr>
+          </a:lnRef>
+          <a:fillRef idx="1">
+            <a:schemeClr val="accent1"/>
+          </a:fillRef>
+          <a:effectRef idx="0">
+            <a:schemeClr val="accent1"/>
+          </a:effectRef>
+          <a:fontRef idx="minor">
+            <a:schemeClr val="lt1"/>
+          </a:fontRef>
+        </p:style>
+        <p:txBody>
+          <a:bodyPr lIns="0" tIns="0" rIns="0" bIns="0" rtlCol="0" anchor="ctr"/>
+          <a:lstStyle/>
+          <a:p>
+            <a:pPr algn="ctr">
+              <a:lnSpc>
+                <a:spcPct val="120000"/>
+              </a:lnSpc>
+            </a:pPr>
+            <a:r>
+              <a:rPr lang="de-CH" sz="1600" dirty="0"/>
+              <a:t>User-Agent </a:t>
+            </a:r>
+            <a:endParaRPr lang="de-CH" sz="1600" spc="20" dirty="0">
+              <a:solidFill>
+                <a:schemeClr val="bg1"/>
+              </a:solidFill>
+            </a:endParaRPr>
+          </a:p>
+        </p:txBody>
+      </p:sp>
+      <p:sp>
+        <p:nvSpPr>
+          <p:cNvPr id="12" name="Rectangle: Rounded Corners 11">
+            <a:extLst>
+              <a:ext uri="{FF2B5EF4-FFF2-40B4-BE49-F238E27FC236}">
+                <a16:creationId xmlns:a16="http://schemas.microsoft.com/office/drawing/2014/main" id="{A0CACA27-B96C-88ED-C948-0E2DF57D595E}"/>
+              </a:ext>
+            </a:extLst>
+          </p:cNvPr>
+          <p:cNvSpPr/>
+          <p:nvPr/>
+        </p:nvSpPr>
+        <p:spPr bwMode="gray">
+          <a:xfrm>
+            <a:off x="9040360" y="4939704"/>
+            <a:ext cx="1728192" cy="936104"/>
+          </a:xfrm>
+          <a:prstGeom prst="roundRect">
+            <a:avLst/>
+          </a:prstGeom>
+          <a:solidFill>
+            <a:schemeClr val="accent1"/>
+          </a:solidFill>
+          <a:ln w="6350">
+            <a:noFill/>
+          </a:ln>
+        </p:spPr>
+        <p:style>
+          <a:lnRef idx="2">
+            <a:schemeClr val="accent1">
+              <a:shade val="50000"/>
+            </a:schemeClr>
+          </a:lnRef>
+          <a:fillRef idx="1">
+            <a:schemeClr val="accent1"/>
+          </a:fillRef>
+          <a:effectRef idx="0">
+            <a:schemeClr val="accent1"/>
+          </a:effectRef>
+          <a:fontRef idx="minor">
+            <a:schemeClr val="lt1"/>
+          </a:fontRef>
+        </p:style>
+        <p:txBody>
+          <a:bodyPr lIns="0" tIns="0" rIns="0" bIns="0" rtlCol="0" anchor="ctr"/>
+          <a:lstStyle/>
+          <a:p>
+            <a:pPr algn="ctr">
+              <a:lnSpc>
+                <a:spcPct val="120000"/>
+              </a:lnSpc>
+            </a:pPr>
+            <a:r>
+              <a:rPr lang="de-CH" sz="1600" dirty="0"/>
+              <a:t>Client (</a:t>
+            </a:r>
+            <a:r>
+              <a:rPr lang="de-CH" sz="1600" dirty="0" err="1"/>
+              <a:t>Relying</a:t>
+            </a:r>
+            <a:r>
+              <a:rPr lang="de-CH" sz="1600" dirty="0"/>
+              <a:t> Party) </a:t>
+            </a:r>
+            <a:endParaRPr lang="de-CH" sz="1600" spc="20" dirty="0">
+              <a:solidFill>
+                <a:schemeClr val="bg1"/>
+              </a:solidFill>
+            </a:endParaRPr>
+          </a:p>
+        </p:txBody>
+      </p:sp>
+      <p:sp>
+        <p:nvSpPr>
+          <p:cNvPr id="13" name="Rectangle: Rounded Corners 12">
+            <a:extLst>
+              <a:ext uri="{FF2B5EF4-FFF2-40B4-BE49-F238E27FC236}">
+                <a16:creationId xmlns:a16="http://schemas.microsoft.com/office/drawing/2014/main" id="{CD888157-8249-2FF7-D654-1BB5A9BE9694}"/>
+              </a:ext>
+            </a:extLst>
+          </p:cNvPr>
+          <p:cNvSpPr/>
+          <p:nvPr/>
+        </p:nvSpPr>
+        <p:spPr bwMode="gray">
+          <a:xfrm>
+            <a:off x="6240016" y="4939200"/>
+            <a:ext cx="1728192" cy="936104"/>
+          </a:xfrm>
+          <a:prstGeom prst="roundRect">
+            <a:avLst/>
+          </a:prstGeom>
+          <a:solidFill>
+            <a:schemeClr val="accent1"/>
+          </a:solidFill>
+          <a:ln w="6350">
+            <a:noFill/>
+          </a:ln>
+        </p:spPr>
+        <p:style>
+          <a:lnRef idx="2">
+            <a:schemeClr val="accent1">
+              <a:shade val="50000"/>
+            </a:schemeClr>
+          </a:lnRef>
+          <a:fillRef idx="1">
+            <a:schemeClr val="accent1"/>
+          </a:fillRef>
+          <a:effectRef idx="0">
+            <a:schemeClr val="accent1"/>
+          </a:effectRef>
+          <a:fontRef idx="minor">
+            <a:schemeClr val="lt1"/>
+          </a:fontRef>
+        </p:style>
+        <p:txBody>
+          <a:bodyPr lIns="0" tIns="0" rIns="0" bIns="0" rtlCol="0" anchor="ctr"/>
+          <a:lstStyle/>
+          <a:p>
+            <a:pPr algn="ctr">
+              <a:lnSpc>
+                <a:spcPct val="120000"/>
+              </a:lnSpc>
+            </a:pPr>
+            <a:r>
+              <a:rPr lang="de-CH" sz="1600" dirty="0" err="1"/>
+              <a:t>Resource</a:t>
+            </a:r>
+            <a:r>
+              <a:rPr lang="de-CH" sz="1600" dirty="0"/>
+              <a:t> Server</a:t>
+            </a:r>
+            <a:endParaRPr lang="de-CH" sz="1600" spc="20" dirty="0">
+              <a:solidFill>
+                <a:schemeClr val="bg1"/>
+              </a:solidFill>
+            </a:endParaRPr>
+          </a:p>
+        </p:txBody>
+      </p:sp>
+      <p:sp>
+        <p:nvSpPr>
+          <p:cNvPr id="14" name="Arrow: Left-Right 13">
+            <a:extLst>
+              <a:ext uri="{FF2B5EF4-FFF2-40B4-BE49-F238E27FC236}">
+                <a16:creationId xmlns:a16="http://schemas.microsoft.com/office/drawing/2014/main" id="{AE6E6468-FC06-E27E-4B8B-9B9767205300}"/>
+              </a:ext>
+            </a:extLst>
+          </p:cNvPr>
+          <p:cNvSpPr/>
+          <p:nvPr/>
+        </p:nvSpPr>
+        <p:spPr bwMode="gray">
+          <a:xfrm>
+            <a:off x="8067156" y="5299240"/>
+            <a:ext cx="864096" cy="216024"/>
+          </a:xfrm>
+          <a:prstGeom prst="leftRightArrow">
+            <a:avLst/>
+          </a:prstGeom>
+          <a:solidFill>
+            <a:schemeClr val="accent1"/>
+          </a:solidFill>
+          <a:ln w="6350">
+            <a:noFill/>
+          </a:ln>
+        </p:spPr>
+        <p:style>
+          <a:lnRef idx="2">
+            <a:schemeClr val="accent1">
+              <a:shade val="50000"/>
+            </a:schemeClr>
+          </a:lnRef>
+          <a:fillRef idx="1">
+            <a:schemeClr val="accent1"/>
+          </a:fillRef>
+          <a:effectRef idx="0">
+            <a:schemeClr val="accent1"/>
+          </a:effectRef>
+          <a:fontRef idx="minor">
+            <a:schemeClr val="lt1"/>
+          </a:fontRef>
+        </p:style>
+        <p:txBody>
+          <a:bodyPr lIns="0" tIns="0" rIns="0" bIns="0" rtlCol="0" anchor="ctr"/>
+          <a:lstStyle/>
+          <a:p>
+            <a:pPr algn="ctr">
+              <a:lnSpc>
+                <a:spcPct val="120000"/>
+              </a:lnSpc>
+            </a:pPr>
+            <a:endParaRPr lang="de-CH" sz="1600" spc="20" dirty="0" err="1">
+              <a:solidFill>
+                <a:schemeClr val="bg1"/>
+              </a:solidFill>
+            </a:endParaRPr>
+          </a:p>
+        </p:txBody>
+      </p:sp>
+      <p:sp>
+        <p:nvSpPr>
+          <p:cNvPr id="16" name="Arrow: Left-Right 15">
+            <a:extLst>
+              <a:ext uri="{FF2B5EF4-FFF2-40B4-BE49-F238E27FC236}">
+                <a16:creationId xmlns:a16="http://schemas.microsoft.com/office/drawing/2014/main" id="{DD602CE3-3CB5-78F4-82B6-4FCC815F13AE}"/>
+              </a:ext>
+            </a:extLst>
+          </p:cNvPr>
+          <p:cNvSpPr/>
+          <p:nvPr/>
+        </p:nvSpPr>
+        <p:spPr bwMode="gray">
+          <a:xfrm rot="16200000">
+            <a:off x="9638438" y="2932682"/>
+            <a:ext cx="532036" cy="197900"/>
+          </a:xfrm>
+          <a:prstGeom prst="leftRightArrow">
+            <a:avLst/>
+          </a:prstGeom>
+          <a:solidFill>
+            <a:schemeClr val="accent1"/>
+          </a:solidFill>
+          <a:ln w="6350">
+            <a:noFill/>
+          </a:ln>
+        </p:spPr>
+        <p:style>
+          <a:lnRef idx="2">
+            <a:schemeClr val="accent1">
+              <a:shade val="50000"/>
+            </a:schemeClr>
+          </a:lnRef>
+          <a:fillRef idx="1">
+            <a:schemeClr val="accent1"/>
+          </a:fillRef>
+          <a:effectRef idx="0">
+            <a:schemeClr val="accent1"/>
+          </a:effectRef>
+          <a:fontRef idx="minor">
+            <a:schemeClr val="lt1"/>
+          </a:fontRef>
+        </p:style>
+        <p:txBody>
+          <a:bodyPr lIns="0" tIns="0" rIns="0" bIns="0" rtlCol="0" anchor="ctr"/>
+          <a:lstStyle/>
+          <a:p>
+            <a:pPr algn="ctr">
+              <a:lnSpc>
+                <a:spcPct val="120000"/>
+              </a:lnSpc>
+            </a:pPr>
+            <a:endParaRPr lang="de-CH" sz="1600" spc="20" dirty="0" err="1">
+              <a:solidFill>
+                <a:schemeClr val="bg1"/>
+              </a:solidFill>
+            </a:endParaRPr>
+          </a:p>
+        </p:txBody>
+      </p:sp>
+      <p:sp>
+        <p:nvSpPr>
+          <p:cNvPr id="17" name="Arrow: Left-Right 16">
+            <a:extLst>
+              <a:ext uri="{FF2B5EF4-FFF2-40B4-BE49-F238E27FC236}">
+                <a16:creationId xmlns:a16="http://schemas.microsoft.com/office/drawing/2014/main" id="{E337843E-3699-47C7-CFF1-AC3022B8EF3E}"/>
+              </a:ext>
+            </a:extLst>
+          </p:cNvPr>
+          <p:cNvSpPr/>
+          <p:nvPr/>
+        </p:nvSpPr>
+        <p:spPr bwMode="gray">
+          <a:xfrm rot="16200000">
+            <a:off x="9650176" y="4499894"/>
+            <a:ext cx="532036" cy="197900"/>
+          </a:xfrm>
+          <a:prstGeom prst="leftRightArrow">
+            <a:avLst/>
+          </a:prstGeom>
+          <a:solidFill>
+            <a:schemeClr val="accent1"/>
+          </a:solidFill>
+          <a:ln w="6350">
+            <a:noFill/>
+          </a:ln>
+        </p:spPr>
+        <p:style>
+          <a:lnRef idx="2">
+            <a:schemeClr val="accent1">
+              <a:shade val="50000"/>
+            </a:schemeClr>
+          </a:lnRef>
+          <a:fillRef idx="1">
+            <a:schemeClr val="accent1"/>
+          </a:fillRef>
+          <a:effectRef idx="0">
+            <a:schemeClr val="accent1"/>
+          </a:effectRef>
+          <a:fontRef idx="minor">
+            <a:schemeClr val="lt1"/>
+          </a:fontRef>
+        </p:style>
+        <p:txBody>
+          <a:bodyPr lIns="0" tIns="0" rIns="0" bIns="0" rtlCol="0" anchor="ctr"/>
+          <a:lstStyle/>
+          <a:p>
+            <a:pPr algn="ctr">
+              <a:lnSpc>
+                <a:spcPct val="120000"/>
+              </a:lnSpc>
+            </a:pPr>
+            <a:endParaRPr lang="de-CH" sz="1600" spc="20" dirty="0" err="1">
+              <a:solidFill>
+                <a:schemeClr val="bg1"/>
+              </a:solidFill>
+            </a:endParaRPr>
+          </a:p>
+        </p:txBody>
+      </p:sp>
+      <p:sp>
+        <p:nvSpPr>
+          <p:cNvPr id="20" name="Arrow: Left-Right 19">
+            <a:extLst>
+              <a:ext uri="{FF2B5EF4-FFF2-40B4-BE49-F238E27FC236}">
+                <a16:creationId xmlns:a16="http://schemas.microsoft.com/office/drawing/2014/main" id="{A3E7C6EC-4616-7B78-B4A5-1B7C9D0CF5CC}"/>
+              </a:ext>
+            </a:extLst>
+          </p:cNvPr>
+          <p:cNvSpPr/>
+          <p:nvPr/>
+        </p:nvSpPr>
+        <p:spPr bwMode="gray">
+          <a:xfrm rot="10800000">
+            <a:off x="7749312" y="3718202"/>
+            <a:ext cx="864096" cy="219726"/>
+          </a:xfrm>
+          <a:prstGeom prst="leftRightArrow">
+            <a:avLst/>
+          </a:prstGeom>
+          <a:solidFill>
+            <a:schemeClr val="accent1"/>
+          </a:solidFill>
+          <a:ln w="6350">
+            <a:noFill/>
+          </a:ln>
+        </p:spPr>
+        <p:style>
+          <a:lnRef idx="2">
+            <a:schemeClr val="accent1">
+              <a:shade val="50000"/>
+            </a:schemeClr>
+          </a:lnRef>
+          <a:fillRef idx="1">
+            <a:schemeClr val="accent1"/>
+          </a:fillRef>
+          <a:effectRef idx="0">
+            <a:schemeClr val="accent1"/>
+          </a:effectRef>
+          <a:fontRef idx="minor">
+            <a:schemeClr val="lt1"/>
+          </a:fontRef>
+        </p:style>
+        <p:txBody>
+          <a:bodyPr lIns="0" tIns="0" rIns="0" bIns="0" rtlCol="0" anchor="ctr"/>
+          <a:lstStyle/>
+          <a:p>
+            <a:pPr algn="ctr">
+              <a:lnSpc>
+                <a:spcPct val="120000"/>
+              </a:lnSpc>
+            </a:pPr>
+            <a:endParaRPr lang="de-CH" sz="1600" spc="20" dirty="0" err="1">
+              <a:solidFill>
+                <a:schemeClr val="bg1"/>
+              </a:solidFill>
+            </a:endParaRPr>
+          </a:p>
+        </p:txBody>
+      </p:sp>
+      <p:sp>
+        <p:nvSpPr>
+          <p:cNvPr id="21" name="Content Placeholder 4">
+            <a:extLst>
+              <a:ext uri="{FF2B5EF4-FFF2-40B4-BE49-F238E27FC236}">
+                <a16:creationId xmlns:a16="http://schemas.microsoft.com/office/drawing/2014/main" id="{DCDEBAB3-4BF5-A792-4C3E-66E1695F2329}"/>
+              </a:ext>
+            </a:extLst>
+          </p:cNvPr>
+          <p:cNvSpPr txBox="1">
+            <a:spLocks/>
+          </p:cNvSpPr>
+          <p:nvPr/>
+        </p:nvSpPr>
+        <p:spPr bwMode="gray">
+          <a:xfrm>
+            <a:off x="619304" y="1628800"/>
+            <a:ext cx="5476696" cy="4536000"/>
+          </a:xfrm>
+          <a:prstGeom prst="rect">
+            <a:avLst/>
+          </a:prstGeom>
+        </p:spPr>
+        <p:txBody>
+          <a:bodyPr vert="horz" lIns="0" tIns="0" rIns="0" bIns="0" rtlCol="0">
+            <a:noAutofit/>
+          </a:bodyPr>
+          <a:lstStyle>
+            <a:lvl1pPr marL="0" indent="0" algn="l" defTabSz="914400" rtl="0" eaLnBrk="1" latinLnBrk="0" hangingPunct="1">
+              <a:lnSpc>
+                <a:spcPct val="120000"/>
+              </a:lnSpc>
+              <a:spcBef>
+                <a:spcPts val="200"/>
+              </a:spcBef>
+              <a:spcAft>
+                <a:spcPts val="300"/>
+              </a:spcAft>
+              <a:buFont typeface="Arial" panose="020B0604020202020204" pitchFamily="34" charset="0"/>
+              <a:buNone/>
+              <a:defRPr sz="1600" b="0" kern="1200" spc="20" baseline="0">
+                <a:solidFill>
+                  <a:schemeClr val="tx1"/>
+                </a:solidFill>
+                <a:latin typeface="+mn-lt"/>
+                <a:ea typeface="+mn-ea"/>
+                <a:cs typeface="+mn-cs"/>
+              </a:defRPr>
+            </a:lvl1pPr>
+            <a:lvl2pPr marL="0" indent="0" algn="l" defTabSz="914400" rtl="0" eaLnBrk="1" latinLnBrk="0" hangingPunct="1">
+              <a:lnSpc>
+                <a:spcPct val="120000"/>
+              </a:lnSpc>
+              <a:spcBef>
+                <a:spcPts val="1600"/>
+              </a:spcBef>
+              <a:spcAft>
+                <a:spcPts val="300"/>
+              </a:spcAft>
+              <a:buFont typeface="Arial" panose="020B0604020202020204" pitchFamily="34" charset="0"/>
+              <a:buNone/>
+              <a:defRPr sz="1600" kern="1200" spc="20" baseline="0">
+                <a:solidFill>
+                  <a:schemeClr val="tx1"/>
+                </a:solidFill>
+                <a:latin typeface="+mj-lt"/>
+                <a:ea typeface="+mn-ea"/>
+                <a:cs typeface="+mn-cs"/>
+              </a:defRPr>
+            </a:lvl2pPr>
+            <a:lvl3pPr marL="216000" indent="-216000" algn="l" defTabSz="914400" rtl="0" eaLnBrk="1" latinLnBrk="0" hangingPunct="1">
+              <a:lnSpc>
+                <a:spcPct val="120000"/>
+              </a:lnSpc>
+              <a:spcBef>
+                <a:spcPts val="200"/>
+              </a:spcBef>
+              <a:spcAft>
+                <a:spcPts val="300"/>
+              </a:spcAft>
+              <a:buFont typeface="Wingdings 2" panose="05020102010507070707" pitchFamily="18" charset="2"/>
+              <a:buChar char=""/>
+              <a:defRPr sz="1600" kern="1200" spc="20" baseline="0">
+                <a:solidFill>
+                  <a:schemeClr val="tx1"/>
+                </a:solidFill>
+                <a:latin typeface="+mn-lt"/>
+                <a:ea typeface="+mn-ea"/>
+                <a:cs typeface="+mn-cs"/>
+              </a:defRPr>
+            </a:lvl3pPr>
+            <a:lvl4pPr marL="432000" indent="-216000" algn="l" defTabSz="914400" rtl="0" eaLnBrk="1" latinLnBrk="0" hangingPunct="1">
+              <a:lnSpc>
+                <a:spcPct val="120000"/>
+              </a:lnSpc>
+              <a:spcBef>
+                <a:spcPts val="200"/>
+              </a:spcBef>
+              <a:spcAft>
+                <a:spcPts val="300"/>
+              </a:spcAft>
+              <a:buFont typeface="Symbol" panose="05050102010706020507" pitchFamily="18" charset="2"/>
+              <a:buChar char="-"/>
+              <a:defRPr sz="1600" kern="1200" spc="20" baseline="0">
+                <a:solidFill>
+                  <a:schemeClr val="tx1"/>
+                </a:solidFill>
+                <a:latin typeface="+mn-lt"/>
+                <a:ea typeface="+mn-ea"/>
+                <a:cs typeface="+mn-cs"/>
+              </a:defRPr>
+            </a:lvl4pPr>
+            <a:lvl5pPr marL="648000" indent="-216000" algn="l" defTabSz="914400" rtl="0" eaLnBrk="1" latinLnBrk="0" hangingPunct="1">
+              <a:lnSpc>
+                <a:spcPct val="120000"/>
+              </a:lnSpc>
+              <a:spcBef>
+                <a:spcPts val="200"/>
+              </a:spcBef>
+              <a:spcAft>
+                <a:spcPts val="300"/>
+              </a:spcAft>
+              <a:buFont typeface="Symbol" panose="05050102010706020507" pitchFamily="18" charset="2"/>
+              <a:buChar char="-"/>
+              <a:defRPr sz="1600" kern="1200" spc="20" baseline="0">
+                <a:solidFill>
+                  <a:schemeClr val="tx1"/>
+                </a:solidFill>
+                <a:latin typeface="+mn-lt"/>
+                <a:ea typeface="+mn-ea"/>
+                <a:cs typeface="+mn-cs"/>
+              </a:defRPr>
+            </a:lvl5pPr>
+            <a:lvl6pPr marL="648000" indent="-216000" algn="l" defTabSz="914400" rtl="0" eaLnBrk="1" latinLnBrk="0" hangingPunct="1">
+              <a:lnSpc>
+                <a:spcPct val="120000"/>
+              </a:lnSpc>
+              <a:spcBef>
+                <a:spcPts val="200"/>
+              </a:spcBef>
+              <a:spcAft>
+                <a:spcPts val="300"/>
+              </a:spcAft>
+              <a:buFont typeface="Symbol" panose="05050102010706020507" pitchFamily="18" charset="2"/>
+              <a:buChar char="-"/>
+              <a:defRPr sz="1600" kern="1200" spc="20" baseline="0">
+                <a:solidFill>
+                  <a:schemeClr val="tx1"/>
+                </a:solidFill>
+                <a:latin typeface="+mn-lt"/>
+                <a:ea typeface="+mn-ea"/>
+                <a:cs typeface="+mn-cs"/>
+              </a:defRPr>
+            </a:lvl6pPr>
+            <a:lvl7pPr marL="648000" indent="-216000" algn="l" defTabSz="914400" rtl="0" eaLnBrk="1" latinLnBrk="0" hangingPunct="1">
+              <a:lnSpc>
+                <a:spcPct val="120000"/>
+              </a:lnSpc>
+              <a:spcBef>
+                <a:spcPts val="200"/>
+              </a:spcBef>
+              <a:spcAft>
+                <a:spcPts val="300"/>
+              </a:spcAft>
+              <a:buFont typeface="Symbol" panose="05050102010706020507" pitchFamily="18" charset="2"/>
+              <a:buChar char="-"/>
+              <a:defRPr sz="1600" kern="1200" spc="20" baseline="0">
+                <a:solidFill>
+                  <a:schemeClr val="tx1"/>
+                </a:solidFill>
+                <a:latin typeface="+mn-lt"/>
+                <a:ea typeface="+mn-ea"/>
+                <a:cs typeface="+mn-cs"/>
+              </a:defRPr>
+            </a:lvl7pPr>
+            <a:lvl8pPr marL="648000" indent="-216000" algn="l" defTabSz="914400" rtl="0" eaLnBrk="1" latinLnBrk="0" hangingPunct="1">
+              <a:lnSpc>
+                <a:spcPct val="120000"/>
+              </a:lnSpc>
+              <a:spcBef>
+                <a:spcPts val="200"/>
+              </a:spcBef>
+              <a:spcAft>
+                <a:spcPts val="300"/>
+              </a:spcAft>
+              <a:buFont typeface="Symbol" panose="05050102010706020507" pitchFamily="18" charset="2"/>
+              <a:buChar char="-"/>
+              <a:defRPr sz="1600" kern="1200" spc="20" baseline="0">
+                <a:solidFill>
+                  <a:schemeClr val="tx1"/>
+                </a:solidFill>
+                <a:latin typeface="+mn-lt"/>
+                <a:ea typeface="+mn-ea"/>
+                <a:cs typeface="+mn-cs"/>
+              </a:defRPr>
+            </a:lvl8pPr>
+            <a:lvl9pPr marL="648000" indent="-216000" algn="l" defTabSz="914400" rtl="0" eaLnBrk="1" latinLnBrk="0" hangingPunct="1">
+              <a:lnSpc>
+                <a:spcPct val="120000"/>
+              </a:lnSpc>
+              <a:spcBef>
+                <a:spcPts val="200"/>
+              </a:spcBef>
+              <a:spcAft>
+                <a:spcPts val="300"/>
+              </a:spcAft>
+              <a:buFont typeface="Symbol" panose="05050102010706020507" pitchFamily="18" charset="2"/>
+              <a:buChar char="-"/>
+              <a:defRPr sz="1600" kern="1200" spc="20" baseline="0">
+                <a:solidFill>
+                  <a:schemeClr val="tx1"/>
+                </a:solidFill>
+                <a:latin typeface="+mn-lt"/>
+                <a:ea typeface="+mn-ea"/>
+                <a:cs typeface="+mn-cs"/>
+              </a:defRPr>
+            </a:lvl9pPr>
+          </a:lstStyle>
+          <a:p>
+            <a:pPr marL="285750" indent="-285750">
+              <a:buFont typeface="Arial" panose="020B0604020202020204" pitchFamily="34" charset="0"/>
+              <a:buChar char="•"/>
+            </a:pPr>
+            <a:r>
+              <a:rPr lang="de-CH" b="1" dirty="0" err="1"/>
+              <a:t>Resource</a:t>
+            </a:r>
+            <a:r>
+              <a:rPr lang="de-CH" b="1" dirty="0"/>
+              <a:t> </a:t>
+            </a:r>
+            <a:r>
+              <a:rPr lang="de-CH" b="1" dirty="0" err="1"/>
+              <a:t>Owner</a:t>
+            </a:r>
+            <a:r>
+              <a:rPr lang="de-CH" dirty="0"/>
+              <a:t>: Benutzer User-Agent: Browser, kann aber auch Teil einer Applikation sein (z.B. </a:t>
+            </a:r>
+            <a:r>
+              <a:rPr lang="de-CH" dirty="0" err="1"/>
+              <a:t>FatClient</a:t>
+            </a:r>
+            <a:r>
+              <a:rPr lang="de-CH" dirty="0"/>
+              <a:t>, Mobile-App)</a:t>
+            </a:r>
+          </a:p>
+          <a:p>
+            <a:pPr marL="285750" indent="-285750">
+              <a:buFont typeface="Arial" panose="020B0604020202020204" pitchFamily="34" charset="0"/>
+              <a:buChar char="•"/>
+            </a:pPr>
+            <a:r>
+              <a:rPr lang="de-CH" b="1" dirty="0"/>
+              <a:t>Client</a:t>
+            </a:r>
+            <a:r>
+              <a:rPr lang="de-CH" dirty="0"/>
+              <a:t>: Eine Applikation, kann eine SPA (läuft Lokal im Browser) oder eine Web-Applikation sein</a:t>
+            </a:r>
+          </a:p>
+          <a:p>
+            <a:pPr marL="285750" indent="-285750">
+              <a:buFont typeface="Arial" panose="020B0604020202020204" pitchFamily="34" charset="0"/>
+              <a:buChar char="•"/>
+            </a:pPr>
+            <a:r>
+              <a:rPr lang="de-CH" b="1" dirty="0" err="1"/>
+              <a:t>Resource</a:t>
+            </a:r>
+            <a:r>
+              <a:rPr lang="de-CH" b="1" dirty="0"/>
+              <a:t> Server</a:t>
+            </a:r>
+            <a:r>
+              <a:rPr lang="de-CH" dirty="0"/>
+              <a:t>: Service auf den der Client zugreifen will (z.B. ein Microservice)</a:t>
+            </a:r>
+          </a:p>
+          <a:p>
+            <a:pPr marL="285750" indent="-285750">
+              <a:buFont typeface="Arial" panose="020B0604020202020204" pitchFamily="34" charset="0"/>
+              <a:buChar char="•"/>
+            </a:pPr>
+            <a:r>
+              <a:rPr lang="de-CH" b="1" dirty="0" err="1"/>
+              <a:t>Authorization</a:t>
+            </a:r>
+            <a:r>
+              <a:rPr lang="de-CH" b="1" dirty="0"/>
+              <a:t> Server</a:t>
+            </a:r>
+            <a:r>
+              <a:rPr lang="de-CH" dirty="0"/>
+              <a:t>: Service der Benutzer authentisieren kann </a:t>
+            </a:r>
+          </a:p>
+          <a:p>
+            <a:pPr marL="285750" indent="-285750">
+              <a:buFont typeface="Arial" panose="020B0604020202020204" pitchFamily="34" charset="0"/>
+              <a:buChar char="•"/>
+            </a:pPr>
+            <a:endParaRPr lang="de-CH" dirty="0"/>
           </a:p>
         </p:txBody>
       </p:sp>
@@ -28782,7 +29914,11 @@
           <a:p>
             <a:r>
               <a:rPr lang="en-US" dirty="0"/>
-              <a:t>OpenID Connect - Spring Security Client</a:t>
+              <a:t>OpenID Connect - </a:t>
+            </a:r>
+            <a:r>
+              <a:rPr lang="de-CH" dirty="0" err="1"/>
+              <a:t>CodeFlow</a:t>
             </a:r>
             <a:endParaRPr lang="en-CH" dirty="0"/>
           </a:p>
@@ -28829,12 +29965,197 @@
             <p:ph idx="1"/>
           </p:nvPr>
         </p:nvSpPr>
-        <p:spPr/>
+        <p:spPr>
+          <a:xfrm>
+            <a:off x="619304" y="1628800"/>
+            <a:ext cx="5432712" cy="4536000"/>
+          </a:xfrm>
+        </p:spPr>
         <p:txBody>
           <a:bodyPr/>
           <a:lstStyle/>
           <a:p>
-            <a:endParaRPr lang="en-CH"/>
+            <a:pPr marL="342900" indent="-342900">
+              <a:buAutoNum type="arabicPeriod"/>
+            </a:pPr>
+            <a:r>
+              <a:rPr lang="de-CH" b="0" i="0" dirty="0">
+                <a:solidFill>
+                  <a:srgbClr val="000000"/>
+                </a:solidFill>
+                <a:effectLst/>
+              </a:rPr>
+              <a:t>Client will Zugriff auf eine Ressource und schickt einen </a:t>
+            </a:r>
+            <a:r>
+              <a:rPr lang="de-CH" b="1" i="0" dirty="0" err="1">
+                <a:solidFill>
+                  <a:srgbClr val="000000"/>
+                </a:solidFill>
+                <a:effectLst/>
+              </a:rPr>
+              <a:t>AuthenticationRequest</a:t>
+            </a:r>
+            <a:r>
+              <a:rPr lang="de-CH" b="1" i="0" dirty="0">
+                <a:solidFill>
+                  <a:srgbClr val="000000"/>
+                </a:solidFill>
+                <a:effectLst/>
+              </a:rPr>
+              <a:t> </a:t>
+            </a:r>
+            <a:r>
+              <a:rPr lang="de-CH" b="0" i="0" dirty="0">
+                <a:solidFill>
+                  <a:srgbClr val="000000"/>
+                </a:solidFill>
+                <a:effectLst/>
+              </a:rPr>
+              <a:t>über User-Agent an </a:t>
+            </a:r>
+            <a:r>
+              <a:rPr lang="de-CH" b="0" i="0" dirty="0" err="1">
+                <a:solidFill>
+                  <a:srgbClr val="000000"/>
+                </a:solidFill>
+                <a:effectLst/>
+              </a:rPr>
+              <a:t>Authorization</a:t>
+            </a:r>
+            <a:r>
+              <a:rPr lang="de-CH" b="0" i="0" dirty="0">
+                <a:solidFill>
+                  <a:srgbClr val="000000"/>
+                </a:solidFill>
+                <a:effectLst/>
+              </a:rPr>
+              <a:t> Server</a:t>
+            </a:r>
+          </a:p>
+          <a:p>
+            <a:pPr marL="342900" indent="-342900">
+              <a:buAutoNum type="arabicPeriod"/>
+            </a:pPr>
+            <a:r>
+              <a:rPr lang="de-CH" b="0" i="0" dirty="0">
+                <a:solidFill>
+                  <a:srgbClr val="000000"/>
+                </a:solidFill>
+                <a:effectLst/>
+              </a:rPr>
+              <a:t>Benutzer authentisiert sich beim </a:t>
+            </a:r>
+            <a:r>
+              <a:rPr lang="de-CH" b="0" i="0" dirty="0" err="1">
+                <a:solidFill>
+                  <a:srgbClr val="000000"/>
+                </a:solidFill>
+                <a:effectLst/>
+              </a:rPr>
+              <a:t>Authorization</a:t>
+            </a:r>
+            <a:r>
+              <a:rPr lang="de-CH" b="0" i="0" dirty="0">
+                <a:solidFill>
+                  <a:srgbClr val="000000"/>
+                </a:solidFill>
+                <a:effectLst/>
+              </a:rPr>
+              <a:t> Server (falls notwendig)</a:t>
+            </a:r>
+            <a:endParaRPr lang="de-CH" dirty="0">
+              <a:solidFill>
+                <a:srgbClr val="000000"/>
+              </a:solidFill>
+            </a:endParaRPr>
+          </a:p>
+          <a:p>
+            <a:pPr marL="342900" indent="-342900">
+              <a:buAutoNum type="arabicPeriod"/>
+            </a:pPr>
+            <a:r>
+              <a:rPr lang="de-CH" b="0" i="0" dirty="0" err="1">
+                <a:solidFill>
+                  <a:srgbClr val="000000"/>
+                </a:solidFill>
+                <a:effectLst/>
+              </a:rPr>
+              <a:t>Authorization</a:t>
+            </a:r>
+            <a:r>
+              <a:rPr lang="de-CH" b="0" i="0" dirty="0">
+                <a:solidFill>
+                  <a:srgbClr val="000000"/>
+                </a:solidFill>
+                <a:effectLst/>
+              </a:rPr>
+              <a:t> Server schickt eine </a:t>
+            </a:r>
+            <a:r>
+              <a:rPr lang="de-CH" b="1" i="0" dirty="0">
+                <a:solidFill>
+                  <a:srgbClr val="000000"/>
+                </a:solidFill>
+                <a:effectLst/>
+              </a:rPr>
+              <a:t>Code-Response </a:t>
+            </a:r>
+            <a:r>
+              <a:rPr lang="de-CH" b="0" i="0" dirty="0">
+                <a:solidFill>
+                  <a:srgbClr val="000000"/>
+                </a:solidFill>
+                <a:effectLst/>
+              </a:rPr>
+              <a:t>an den Client</a:t>
+            </a:r>
+            <a:endParaRPr lang="de-CH" dirty="0">
+              <a:solidFill>
+                <a:srgbClr val="000000"/>
+              </a:solidFill>
+            </a:endParaRPr>
+          </a:p>
+          <a:p>
+            <a:pPr marL="342900" indent="-342900">
+              <a:buAutoNum type="arabicPeriod"/>
+            </a:pPr>
+            <a:r>
+              <a:rPr lang="de-CH" b="0" i="0" dirty="0">
+                <a:solidFill>
+                  <a:srgbClr val="000000"/>
+                </a:solidFill>
+                <a:effectLst/>
+              </a:rPr>
+              <a:t>Client kann sich mit Code einen Token holen</a:t>
+            </a:r>
+            <a:endParaRPr lang="de-CH" dirty="0">
+              <a:solidFill>
+                <a:srgbClr val="000000"/>
+              </a:solidFill>
+            </a:endParaRPr>
+          </a:p>
+          <a:p>
+            <a:pPr marL="342900" indent="-342900">
+              <a:buAutoNum type="arabicPeriod"/>
+            </a:pPr>
+            <a:r>
+              <a:rPr lang="de-CH" b="0" i="0" dirty="0">
+                <a:solidFill>
+                  <a:srgbClr val="000000"/>
+                </a:solidFill>
+                <a:effectLst/>
+              </a:rPr>
+              <a:t>Client kann mit Token auf Ressource zugreifen</a:t>
+            </a:r>
+            <a:r>
+              <a:rPr lang="de-CH" dirty="0"/>
+              <a:t> </a:t>
+            </a:r>
+            <a:br>
+              <a:rPr lang="de-CH" dirty="0"/>
+            </a:br>
+            <a:endParaRPr lang="en-CH" dirty="0"/>
           </a:p>
         </p:txBody>
       </p:sp>
@@ -28861,7 +30182,7 @@
           <a:p>
             <a:fld id="{74C11F21-6096-4A64-B487-7ED934E37665}" type="datetime1">
               <a:rPr lang="de-CH" smtClean="0"/>
-              <a:t>10.10.2022</a:t>
+              <a:t>17.10.2022</a:t>
             </a:fld>
             <a:endParaRPr lang="de-CH"/>
           </a:p>
@@ -28926,12 +30247,185 @@
           </a:p>
         </p:txBody>
       </p:sp>
+      <p:pic>
+        <p:nvPicPr>
+          <p:cNvPr id="10" name="Content Placeholder 18" descr="User with solid fill">
+            <a:extLst>
+              <a:ext uri="{FF2B5EF4-FFF2-40B4-BE49-F238E27FC236}">
+                <a16:creationId xmlns:a16="http://schemas.microsoft.com/office/drawing/2014/main" id="{CD2A6370-509E-469F-AF39-3B8F8D3B6378}"/>
+              </a:ext>
+            </a:extLst>
+          </p:cNvPr>
+          <p:cNvPicPr>
+            <a:picLocks noChangeAspect="1"/>
+          </p:cNvPicPr>
+          <p:nvPr/>
+        </p:nvPicPr>
+        <p:blipFill>
+          <a:blip r:embed="rId3">
+            <a:extLst>
+              <a:ext uri="{28A0092B-C50C-407E-A947-70E740481C1C}">
+                <a14:useLocalDpi xmlns:a14="http://schemas.microsoft.com/office/drawing/2010/main" val="0"/>
+              </a:ext>
+              <a:ext uri="{96DAC541-7B7A-43D3-8B79-37D633B846F1}">
+                <asvg:svgBlip xmlns:asvg="http://schemas.microsoft.com/office/drawing/2016/SVG/main" r:embed="rId4"/>
+              </a:ext>
+            </a:extLst>
+          </a:blip>
+          <a:stretch>
+            <a:fillRect/>
+          </a:stretch>
+        </p:blipFill>
+        <p:spPr bwMode="gray">
+          <a:xfrm>
+            <a:off x="6646912" y="3418426"/>
+            <a:ext cx="914400" cy="914400"/>
+          </a:xfrm>
+          <a:prstGeom prst="rect">
+            <a:avLst/>
+          </a:prstGeom>
+        </p:spPr>
+      </p:pic>
       <p:sp>
         <p:nvSpPr>
-          <p:cNvPr id="9" name="Rectangle 8">
+          <p:cNvPr id="11" name="Slide Number Placeholder 7">
             <a:extLst>
               <a:ext uri="{FF2B5EF4-FFF2-40B4-BE49-F238E27FC236}">
-                <a16:creationId xmlns:a16="http://schemas.microsoft.com/office/drawing/2014/main" id="{D9CCB5FA-C444-60A6-C605-F9EEF4526CA8}"/>
+                <a16:creationId xmlns:a16="http://schemas.microsoft.com/office/drawing/2014/main" id="{BA54BF1C-BABE-1816-EA5B-64CBBD0EAC0C}"/>
+              </a:ext>
+            </a:extLst>
+          </p:cNvPr>
+          <p:cNvSpPr txBox="1">
+            <a:spLocks/>
+          </p:cNvSpPr>
+          <p:nvPr/>
+        </p:nvSpPr>
+        <p:spPr>
+          <a:xfrm>
+            <a:off x="11178000" y="6382800"/>
+            <a:ext cx="392400" cy="144000"/>
+          </a:xfrm>
+          <a:prstGeom prst="rect">
+            <a:avLst/>
+          </a:prstGeom>
+        </p:spPr>
+        <p:txBody>
+          <a:bodyPr vert="horz" wrap="square" lIns="0" tIns="0" rIns="0" bIns="0" rtlCol="0" anchor="ctr"/>
+          <a:lstStyle>
+            <a:defPPr>
+              <a:defRPr lang="de-DE"/>
+            </a:defPPr>
+            <a:lvl1pPr marL="0" algn="r" defTabSz="914400" rtl="0" eaLnBrk="1" latinLnBrk="0" hangingPunct="1">
+              <a:defRPr sz="800" kern="1200">
+                <a:solidFill>
+                  <a:schemeClr val="tx1"/>
+                </a:solidFill>
+                <a:latin typeface="+mn-lt"/>
+                <a:ea typeface="+mn-ea"/>
+                <a:cs typeface="+mn-cs"/>
+              </a:defRPr>
+            </a:lvl1pPr>
+            <a:lvl2pPr marL="457200" algn="l" defTabSz="914400" rtl="0" eaLnBrk="1" latinLnBrk="0" hangingPunct="1">
+              <a:defRPr sz="1800" kern="1200">
+                <a:solidFill>
+                  <a:schemeClr val="tx1"/>
+                </a:solidFill>
+                <a:latin typeface="+mn-lt"/>
+                <a:ea typeface="+mn-ea"/>
+                <a:cs typeface="+mn-cs"/>
+              </a:defRPr>
+            </a:lvl2pPr>
+            <a:lvl3pPr marL="914400" algn="l" defTabSz="914400" rtl="0" eaLnBrk="1" latinLnBrk="0" hangingPunct="1">
+              <a:defRPr sz="1800" kern="1200">
+                <a:solidFill>
+                  <a:schemeClr val="tx1"/>
+                </a:solidFill>
+                <a:latin typeface="+mn-lt"/>
+                <a:ea typeface="+mn-ea"/>
+                <a:cs typeface="+mn-cs"/>
+              </a:defRPr>
+            </a:lvl3pPr>
+            <a:lvl4pPr marL="1371600" algn="l" defTabSz="914400" rtl="0" eaLnBrk="1" latinLnBrk="0" hangingPunct="1">
+              <a:defRPr sz="1800" kern="1200">
+                <a:solidFill>
+                  <a:schemeClr val="tx1"/>
+                </a:solidFill>
+                <a:latin typeface="+mn-lt"/>
+                <a:ea typeface="+mn-ea"/>
+                <a:cs typeface="+mn-cs"/>
+              </a:defRPr>
+            </a:lvl4pPr>
+            <a:lvl5pPr marL="1828800" algn="l" defTabSz="914400" rtl="0" eaLnBrk="1" latinLnBrk="0" hangingPunct="1">
+              <a:defRPr sz="1800" kern="1200">
+                <a:solidFill>
+                  <a:schemeClr val="tx1"/>
+                </a:solidFill>
+                <a:latin typeface="+mn-lt"/>
+                <a:ea typeface="+mn-ea"/>
+                <a:cs typeface="+mn-cs"/>
+              </a:defRPr>
+            </a:lvl5pPr>
+            <a:lvl6pPr marL="2286000" algn="l" defTabSz="914400" rtl="0" eaLnBrk="1" latinLnBrk="0" hangingPunct="1">
+              <a:defRPr sz="1800" kern="1200">
+                <a:solidFill>
+                  <a:schemeClr val="tx1"/>
+                </a:solidFill>
+                <a:latin typeface="+mn-lt"/>
+                <a:ea typeface="+mn-ea"/>
+                <a:cs typeface="+mn-cs"/>
+              </a:defRPr>
+            </a:lvl6pPr>
+            <a:lvl7pPr marL="2743200" algn="l" defTabSz="914400" rtl="0" eaLnBrk="1" latinLnBrk="0" hangingPunct="1">
+              <a:defRPr sz="1800" kern="1200">
+                <a:solidFill>
+                  <a:schemeClr val="tx1"/>
+                </a:solidFill>
+                <a:latin typeface="+mn-lt"/>
+                <a:ea typeface="+mn-ea"/>
+                <a:cs typeface="+mn-cs"/>
+              </a:defRPr>
+            </a:lvl7pPr>
+            <a:lvl8pPr marL="3200400" algn="l" defTabSz="914400" rtl="0" eaLnBrk="1" latinLnBrk="0" hangingPunct="1">
+              <a:defRPr sz="1800" kern="1200">
+                <a:solidFill>
+                  <a:schemeClr val="tx1"/>
+                </a:solidFill>
+                <a:latin typeface="+mn-lt"/>
+                <a:ea typeface="+mn-ea"/>
+                <a:cs typeface="+mn-cs"/>
+              </a:defRPr>
+            </a:lvl8pPr>
+            <a:lvl9pPr marL="3657600" algn="l" defTabSz="914400" rtl="0" eaLnBrk="1" latinLnBrk="0" hangingPunct="1">
+              <a:defRPr sz="1800" kern="1200">
+                <a:solidFill>
+                  <a:schemeClr val="tx1"/>
+                </a:solidFill>
+                <a:latin typeface="+mn-lt"/>
+                <a:ea typeface="+mn-ea"/>
+                <a:cs typeface="+mn-cs"/>
+              </a:defRPr>
+            </a:lvl9pPr>
+          </a:lstStyle>
+          <a:p>
+            <a:r>
+              <a:rPr lang="de-CH"/>
+              <a:t>| </a:t>
+            </a:r>
+            <a:fld id="{8CF9DE7D-F270-4E16-BA04-5BCA8969A2EA}" type="slidenum">
+              <a:rPr lang="de-CH" smtClean="0"/>
+              <a:pPr/>
+              <a:t>19</a:t>
+            </a:fld>
+            <a:endParaRPr lang="de-CH" dirty="0"/>
+          </a:p>
+        </p:txBody>
+      </p:sp>
+      <p:sp>
+        <p:nvSpPr>
+          <p:cNvPr id="12" name="Rectangle: Rounded Corners 11">
+            <a:extLst>
+              <a:ext uri="{FF2B5EF4-FFF2-40B4-BE49-F238E27FC236}">
+                <a16:creationId xmlns:a16="http://schemas.microsoft.com/office/drawing/2014/main" id="{6E9CE671-5336-3741-6730-8543F88EB36B}"/>
               </a:ext>
             </a:extLst>
           </p:cNvPr>
@@ -28940,10 +30434,10 @@
         </p:nvSpPr>
         <p:spPr bwMode="gray">
           <a:xfrm>
-            <a:off x="3827748" y="2528900"/>
-            <a:ext cx="4536504" cy="1800200"/>
+            <a:off x="9040360" y="1771488"/>
+            <a:ext cx="1728192" cy="936104"/>
           </a:xfrm>
-          <a:prstGeom prst="rect">
+          <a:prstGeom prst="roundRect">
             <a:avLst/>
           </a:prstGeom>
           <a:solidFill>
@@ -28979,54 +30473,778 @@
               </a:lnSpc>
             </a:pPr>
             <a:r>
+              <a:rPr lang="de-CH" sz="1600" dirty="0" err="1"/>
+              <a:t>Authorization</a:t>
+            </a:r>
+            <a:r>
+              <a:rPr lang="de-CH" sz="1600" dirty="0"/>
+              <a:t> Server (OIDC Provider) </a:t>
+            </a:r>
+            <a:endParaRPr lang="de-CH" sz="1600" spc="20" dirty="0">
+              <a:solidFill>
+                <a:schemeClr val="bg1"/>
+              </a:solidFill>
+            </a:endParaRPr>
+          </a:p>
+        </p:txBody>
+      </p:sp>
+      <p:sp>
+        <p:nvSpPr>
+          <p:cNvPr id="13" name="Rectangle: Rounded Corners 12">
+            <a:extLst>
+              <a:ext uri="{FF2B5EF4-FFF2-40B4-BE49-F238E27FC236}">
+                <a16:creationId xmlns:a16="http://schemas.microsoft.com/office/drawing/2014/main" id="{0C13439B-3579-EDF6-EBE6-5B3CC05CF1ED}"/>
+              </a:ext>
+            </a:extLst>
+          </p:cNvPr>
+          <p:cNvSpPr/>
+          <p:nvPr/>
+        </p:nvSpPr>
+        <p:spPr bwMode="gray">
+          <a:xfrm>
+            <a:off x="9040360" y="3355672"/>
+            <a:ext cx="1728192" cy="936104"/>
+          </a:xfrm>
+          <a:prstGeom prst="roundRect">
+            <a:avLst/>
+          </a:prstGeom>
+          <a:solidFill>
+            <a:schemeClr val="accent1"/>
+          </a:solidFill>
+          <a:ln w="6350">
+            <a:noFill/>
+          </a:ln>
+        </p:spPr>
+        <p:style>
+          <a:lnRef idx="2">
+            <a:schemeClr val="accent1">
+              <a:shade val="50000"/>
+            </a:schemeClr>
+          </a:lnRef>
+          <a:fillRef idx="1">
+            <a:schemeClr val="accent1"/>
+          </a:fillRef>
+          <a:effectRef idx="0">
+            <a:schemeClr val="accent1"/>
+          </a:effectRef>
+          <a:fontRef idx="minor">
+            <a:schemeClr val="lt1"/>
+          </a:fontRef>
+        </p:style>
+        <p:txBody>
+          <a:bodyPr lIns="0" tIns="0" rIns="0" bIns="0" rtlCol="0" anchor="ctr"/>
+          <a:lstStyle/>
+          <a:p>
+            <a:pPr algn="ctr">
+              <a:lnSpc>
+                <a:spcPct val="120000"/>
+              </a:lnSpc>
+            </a:pPr>
+            <a:r>
+              <a:rPr lang="de-CH" sz="1600" dirty="0"/>
+              <a:t>User-Agent </a:t>
+            </a:r>
+            <a:endParaRPr lang="de-CH" sz="1600" spc="20" dirty="0">
+              <a:solidFill>
+                <a:schemeClr val="bg1"/>
+              </a:solidFill>
+            </a:endParaRPr>
+          </a:p>
+        </p:txBody>
+      </p:sp>
+      <p:sp>
+        <p:nvSpPr>
+          <p:cNvPr id="14" name="Rectangle: Rounded Corners 13">
+            <a:extLst>
+              <a:ext uri="{FF2B5EF4-FFF2-40B4-BE49-F238E27FC236}">
+                <a16:creationId xmlns:a16="http://schemas.microsoft.com/office/drawing/2014/main" id="{AE92A402-F022-48EF-102D-DF4D34F6006E}"/>
+              </a:ext>
+            </a:extLst>
+          </p:cNvPr>
+          <p:cNvSpPr/>
+          <p:nvPr/>
+        </p:nvSpPr>
+        <p:spPr bwMode="gray">
+          <a:xfrm>
+            <a:off x="9040360" y="4939704"/>
+            <a:ext cx="1728192" cy="936104"/>
+          </a:xfrm>
+          <a:prstGeom prst="roundRect">
+            <a:avLst/>
+          </a:prstGeom>
+          <a:solidFill>
+            <a:schemeClr val="accent1"/>
+          </a:solidFill>
+          <a:ln w="6350">
+            <a:noFill/>
+          </a:ln>
+        </p:spPr>
+        <p:style>
+          <a:lnRef idx="2">
+            <a:schemeClr val="accent1">
+              <a:shade val="50000"/>
+            </a:schemeClr>
+          </a:lnRef>
+          <a:fillRef idx="1">
+            <a:schemeClr val="accent1"/>
+          </a:fillRef>
+          <a:effectRef idx="0">
+            <a:schemeClr val="accent1"/>
+          </a:effectRef>
+          <a:fontRef idx="minor">
+            <a:schemeClr val="lt1"/>
+          </a:fontRef>
+        </p:style>
+        <p:txBody>
+          <a:bodyPr lIns="0" tIns="0" rIns="0" bIns="0" rtlCol="0" anchor="ctr"/>
+          <a:lstStyle/>
+          <a:p>
+            <a:pPr algn="ctr">
+              <a:lnSpc>
+                <a:spcPct val="120000"/>
+              </a:lnSpc>
+            </a:pPr>
+            <a:r>
+              <a:rPr lang="de-CH" sz="1600" dirty="0"/>
+              <a:t>Client (</a:t>
+            </a:r>
+            <a:r>
+              <a:rPr lang="de-CH" sz="1600" dirty="0" err="1"/>
+              <a:t>Relying</a:t>
+            </a:r>
+            <a:r>
+              <a:rPr lang="de-CH" sz="1600" dirty="0"/>
+              <a:t> Party) </a:t>
+            </a:r>
+            <a:endParaRPr lang="de-CH" sz="1600" spc="20" dirty="0">
+              <a:solidFill>
+                <a:schemeClr val="bg1"/>
+              </a:solidFill>
+            </a:endParaRPr>
+          </a:p>
+        </p:txBody>
+      </p:sp>
+      <p:sp>
+        <p:nvSpPr>
+          <p:cNvPr id="15" name="Rectangle: Rounded Corners 14">
+            <a:extLst>
+              <a:ext uri="{FF2B5EF4-FFF2-40B4-BE49-F238E27FC236}">
+                <a16:creationId xmlns:a16="http://schemas.microsoft.com/office/drawing/2014/main" id="{B44E4995-222E-4AC0-BA22-31CABFFA57F3}"/>
+              </a:ext>
+            </a:extLst>
+          </p:cNvPr>
+          <p:cNvSpPr/>
+          <p:nvPr/>
+        </p:nvSpPr>
+        <p:spPr bwMode="gray">
+          <a:xfrm>
+            <a:off x="6240016" y="4939200"/>
+            <a:ext cx="1728192" cy="936104"/>
+          </a:xfrm>
+          <a:prstGeom prst="roundRect">
+            <a:avLst/>
+          </a:prstGeom>
+          <a:solidFill>
+            <a:schemeClr val="accent1"/>
+          </a:solidFill>
+          <a:ln w="6350">
+            <a:noFill/>
+          </a:ln>
+        </p:spPr>
+        <p:style>
+          <a:lnRef idx="2">
+            <a:schemeClr val="accent1">
+              <a:shade val="50000"/>
+            </a:schemeClr>
+          </a:lnRef>
+          <a:fillRef idx="1">
+            <a:schemeClr val="accent1"/>
+          </a:fillRef>
+          <a:effectRef idx="0">
+            <a:schemeClr val="accent1"/>
+          </a:effectRef>
+          <a:fontRef idx="minor">
+            <a:schemeClr val="lt1"/>
+          </a:fontRef>
+        </p:style>
+        <p:txBody>
+          <a:bodyPr lIns="0" tIns="0" rIns="0" bIns="0" rtlCol="0" anchor="ctr"/>
+          <a:lstStyle/>
+          <a:p>
+            <a:pPr algn="ctr">
+              <a:lnSpc>
+                <a:spcPct val="120000"/>
+              </a:lnSpc>
+            </a:pPr>
+            <a:r>
+              <a:rPr lang="de-CH" sz="1600" dirty="0" err="1"/>
+              <a:t>Resource</a:t>
+            </a:r>
+            <a:r>
+              <a:rPr lang="de-CH" sz="1600" dirty="0"/>
+              <a:t> Server</a:t>
+            </a:r>
+            <a:endParaRPr lang="de-CH" sz="1600" spc="20" dirty="0">
+              <a:solidFill>
+                <a:schemeClr val="bg1"/>
+              </a:solidFill>
+            </a:endParaRPr>
+          </a:p>
+        </p:txBody>
+      </p:sp>
+      <p:sp>
+        <p:nvSpPr>
+          <p:cNvPr id="19" name="Arrow: Left-Right 18">
+            <a:extLst>
+              <a:ext uri="{FF2B5EF4-FFF2-40B4-BE49-F238E27FC236}">
+                <a16:creationId xmlns:a16="http://schemas.microsoft.com/office/drawing/2014/main" id="{FB98B902-817B-B665-5BB3-815D776F9E8A}"/>
+              </a:ext>
+            </a:extLst>
+          </p:cNvPr>
+          <p:cNvSpPr/>
+          <p:nvPr/>
+        </p:nvSpPr>
+        <p:spPr bwMode="gray">
+          <a:xfrm>
+            <a:off x="7608168" y="3646089"/>
+            <a:ext cx="1152128" cy="355270"/>
+          </a:xfrm>
+          <a:prstGeom prst="leftRightArrow">
+            <a:avLst/>
+          </a:prstGeom>
+          <a:solidFill>
+            <a:schemeClr val="accent1"/>
+          </a:solidFill>
+          <a:ln w="6350">
+            <a:noFill/>
+          </a:ln>
+        </p:spPr>
+        <p:style>
+          <a:lnRef idx="2">
+            <a:schemeClr val="accent1">
+              <a:shade val="50000"/>
+            </a:schemeClr>
+          </a:lnRef>
+          <a:fillRef idx="1">
+            <a:schemeClr val="accent1"/>
+          </a:fillRef>
+          <a:effectRef idx="0">
+            <a:schemeClr val="accent1"/>
+          </a:effectRef>
+          <a:fontRef idx="minor">
+            <a:schemeClr val="lt1"/>
+          </a:fontRef>
+        </p:style>
+        <p:txBody>
+          <a:bodyPr lIns="0" tIns="0" rIns="0" bIns="0" rtlCol="0" anchor="ctr"/>
+          <a:lstStyle/>
+          <a:p>
+            <a:pPr algn="ctr">
+              <a:lnSpc>
+                <a:spcPct val="120000"/>
+              </a:lnSpc>
+            </a:pPr>
+            <a:r>
+              <a:rPr lang="en-US" sz="1400" spc="20" dirty="0">
+                <a:solidFill>
+                  <a:schemeClr val="bg1"/>
+                </a:solidFill>
+              </a:rPr>
+              <a:t>2</a:t>
+            </a:r>
+            <a:endParaRPr lang="de-CH" sz="1400" spc="20" dirty="0" err="1">
+              <a:solidFill>
+                <a:schemeClr val="bg1"/>
+              </a:solidFill>
+            </a:endParaRPr>
+          </a:p>
+        </p:txBody>
+      </p:sp>
+      <p:sp>
+        <p:nvSpPr>
+          <p:cNvPr id="22" name="Arrow: Right 21">
+            <a:extLst>
+              <a:ext uri="{FF2B5EF4-FFF2-40B4-BE49-F238E27FC236}">
+                <a16:creationId xmlns:a16="http://schemas.microsoft.com/office/drawing/2014/main" id="{B5CA9CEB-2008-19FB-0741-BFBEE432DE91}"/>
+              </a:ext>
+            </a:extLst>
+          </p:cNvPr>
+          <p:cNvSpPr/>
+          <p:nvPr/>
+        </p:nvSpPr>
+        <p:spPr bwMode="gray">
+          <a:xfrm rot="16200000">
+            <a:off x="9175971" y="2844451"/>
+            <a:ext cx="532036" cy="355274"/>
+          </a:xfrm>
+          <a:prstGeom prst="rightArrow">
+            <a:avLst>
+              <a:gd name="adj1" fmla="val 50000"/>
+              <a:gd name="adj2" fmla="val 49320"/>
+            </a:avLst>
+          </a:prstGeom>
+          <a:solidFill>
+            <a:schemeClr val="accent1"/>
+          </a:solidFill>
+          <a:ln w="6350">
+            <a:noFill/>
+          </a:ln>
+        </p:spPr>
+        <p:style>
+          <a:lnRef idx="2">
+            <a:schemeClr val="accent1">
+              <a:shade val="50000"/>
+            </a:schemeClr>
+          </a:lnRef>
+          <a:fillRef idx="1">
+            <a:schemeClr val="accent1"/>
+          </a:fillRef>
+          <a:effectRef idx="0">
+            <a:schemeClr val="accent1"/>
+          </a:effectRef>
+          <a:fontRef idx="minor">
+            <a:schemeClr val="lt1"/>
+          </a:fontRef>
+        </p:style>
+        <p:txBody>
+          <a:bodyPr vert="vert" lIns="0" tIns="0" rIns="0" bIns="0" rtlCol="0" anchor="ctr"/>
+          <a:lstStyle/>
+          <a:p>
+            <a:pPr algn="ctr">
+              <a:lnSpc>
+                <a:spcPct val="120000"/>
+              </a:lnSpc>
+            </a:pPr>
+            <a:r>
               <a:rPr lang="en-US" sz="1600" spc="20" dirty="0">
                 <a:solidFill>
                   <a:schemeClr val="bg1"/>
                 </a:solidFill>
               </a:rPr>
-              <a:t>TODO: Basics, </a:t>
-            </a:r>
-            <a:r>
-              <a:rPr lang="en-US" sz="1600" spc="20" dirty="0" err="1">
+              <a:t>1</a:t>
+            </a:r>
+            <a:endParaRPr lang="de-CH" sz="1600" spc="20" dirty="0" err="1">
+              <a:solidFill>
+                <a:schemeClr val="bg1"/>
+              </a:solidFill>
+            </a:endParaRPr>
+          </a:p>
+        </p:txBody>
+      </p:sp>
+      <p:sp>
+        <p:nvSpPr>
+          <p:cNvPr id="27" name="Arrow: Left-Right 26">
+            <a:extLst>
+              <a:ext uri="{FF2B5EF4-FFF2-40B4-BE49-F238E27FC236}">
+                <a16:creationId xmlns:a16="http://schemas.microsoft.com/office/drawing/2014/main" id="{E3BEBD79-26FB-448C-FD6C-2C04C20F58A6}"/>
+              </a:ext>
+            </a:extLst>
+          </p:cNvPr>
+          <p:cNvSpPr/>
+          <p:nvPr/>
+        </p:nvSpPr>
+        <p:spPr bwMode="gray">
+          <a:xfrm>
+            <a:off x="8072236" y="5229200"/>
+            <a:ext cx="864096" cy="355270"/>
+          </a:xfrm>
+          <a:prstGeom prst="leftRightArrow">
+            <a:avLst/>
+          </a:prstGeom>
+          <a:solidFill>
+            <a:schemeClr val="accent1"/>
+          </a:solidFill>
+          <a:ln w="6350">
+            <a:noFill/>
+          </a:ln>
+        </p:spPr>
+        <p:style>
+          <a:lnRef idx="2">
+            <a:schemeClr val="accent1">
+              <a:shade val="50000"/>
+            </a:schemeClr>
+          </a:lnRef>
+          <a:fillRef idx="1">
+            <a:schemeClr val="accent1"/>
+          </a:fillRef>
+          <a:effectRef idx="0">
+            <a:schemeClr val="accent1"/>
+          </a:effectRef>
+          <a:fontRef idx="minor">
+            <a:schemeClr val="lt1"/>
+          </a:fontRef>
+        </p:style>
+        <p:txBody>
+          <a:bodyPr lIns="0" tIns="0" rIns="0" bIns="0" rtlCol="0" anchor="ctr"/>
+          <a:lstStyle/>
+          <a:p>
+            <a:pPr algn="ctr">
+              <a:lnSpc>
+                <a:spcPct val="120000"/>
+              </a:lnSpc>
+            </a:pPr>
+            <a:r>
+              <a:rPr lang="en-US" sz="1400" spc="20" dirty="0">
                 <a:solidFill>
                   <a:schemeClr val="bg1"/>
                 </a:solidFill>
               </a:rPr>
-              <a:t>Abläufe</a:t>
-            </a:r>
+              <a:t>5</a:t>
+            </a:r>
+            <a:endParaRPr lang="de-CH" sz="1400" spc="20" dirty="0" err="1">
+              <a:solidFill>
+                <a:schemeClr val="bg1"/>
+              </a:solidFill>
+            </a:endParaRPr>
+          </a:p>
+        </p:txBody>
+      </p:sp>
+      <p:sp>
+        <p:nvSpPr>
+          <p:cNvPr id="28" name="Arrow: Left-Right 27">
+            <a:extLst>
+              <a:ext uri="{FF2B5EF4-FFF2-40B4-BE49-F238E27FC236}">
+                <a16:creationId xmlns:a16="http://schemas.microsoft.com/office/drawing/2014/main" id="{A66EC7A6-28CE-AB2A-C73F-A95D1FC04EC9}"/>
+              </a:ext>
+            </a:extLst>
+          </p:cNvPr>
+          <p:cNvSpPr/>
+          <p:nvPr/>
+        </p:nvSpPr>
+        <p:spPr bwMode="gray">
+          <a:xfrm rot="5400000">
+            <a:off x="9624735" y="2857115"/>
+            <a:ext cx="559441" cy="355270"/>
+          </a:xfrm>
+          <a:prstGeom prst="leftRightArrow">
+            <a:avLst/>
+          </a:prstGeom>
+          <a:solidFill>
+            <a:schemeClr val="accent1"/>
+          </a:solidFill>
+          <a:ln w="6350">
+            <a:noFill/>
+          </a:ln>
+        </p:spPr>
+        <p:style>
+          <a:lnRef idx="2">
+            <a:schemeClr val="accent1">
+              <a:shade val="50000"/>
+            </a:schemeClr>
+          </a:lnRef>
+          <a:fillRef idx="1">
+            <a:schemeClr val="accent1"/>
+          </a:fillRef>
+          <a:effectRef idx="0">
+            <a:schemeClr val="accent1"/>
+          </a:effectRef>
+          <a:fontRef idx="minor">
+            <a:schemeClr val="lt1"/>
+          </a:fontRef>
+        </p:style>
+        <p:txBody>
+          <a:bodyPr vert="vert270" lIns="0" tIns="0" rIns="0" bIns="0" rtlCol="0" anchor="ctr"/>
+          <a:lstStyle/>
+          <a:p>
+            <a:pPr algn="ctr">
+              <a:lnSpc>
+                <a:spcPct val="120000"/>
+              </a:lnSpc>
+            </a:pPr>
+            <a:r>
+              <a:rPr lang="en-US" sz="1400" spc="20" dirty="0">
+                <a:solidFill>
+                  <a:schemeClr val="bg1"/>
+                </a:solidFill>
+              </a:rPr>
+              <a:t>2</a:t>
+            </a:r>
+            <a:endParaRPr lang="de-CH" sz="1400" spc="20" dirty="0" err="1">
+              <a:solidFill>
+                <a:schemeClr val="bg1"/>
+              </a:solidFill>
+            </a:endParaRPr>
+          </a:p>
+        </p:txBody>
+      </p:sp>
+      <p:sp>
+        <p:nvSpPr>
+          <p:cNvPr id="29" name="Arrow: Right 28">
+            <a:extLst>
+              <a:ext uri="{FF2B5EF4-FFF2-40B4-BE49-F238E27FC236}">
+                <a16:creationId xmlns:a16="http://schemas.microsoft.com/office/drawing/2014/main" id="{0D18879F-877D-5395-A46A-F2828DBA5E3C}"/>
+              </a:ext>
+            </a:extLst>
+          </p:cNvPr>
+          <p:cNvSpPr/>
+          <p:nvPr/>
+        </p:nvSpPr>
+        <p:spPr bwMode="gray">
+          <a:xfrm rot="5400000">
+            <a:off x="10100904" y="2857113"/>
+            <a:ext cx="532036" cy="355274"/>
+          </a:xfrm>
+          <a:prstGeom prst="rightArrow">
+            <a:avLst>
+              <a:gd name="adj1" fmla="val 50000"/>
+              <a:gd name="adj2" fmla="val 49320"/>
+            </a:avLst>
+          </a:prstGeom>
+          <a:solidFill>
+            <a:schemeClr val="accent1"/>
+          </a:solidFill>
+          <a:ln w="6350">
+            <a:noFill/>
+          </a:ln>
+        </p:spPr>
+        <p:style>
+          <a:lnRef idx="2">
+            <a:schemeClr val="accent1">
+              <a:shade val="50000"/>
+            </a:schemeClr>
+          </a:lnRef>
+          <a:fillRef idx="1">
+            <a:schemeClr val="accent1"/>
+          </a:fillRef>
+          <a:effectRef idx="0">
+            <a:schemeClr val="accent1"/>
+          </a:effectRef>
+          <a:fontRef idx="minor">
+            <a:schemeClr val="lt1"/>
+          </a:fontRef>
+        </p:style>
+        <p:txBody>
+          <a:bodyPr vert="vert270" lIns="0" tIns="0" rIns="0" bIns="0" rtlCol="0" anchor="ctr"/>
+          <a:lstStyle/>
+          <a:p>
+            <a:pPr algn="ctr">
+              <a:lnSpc>
+                <a:spcPct val="120000"/>
+              </a:lnSpc>
+            </a:pPr>
             <a:r>
               <a:rPr lang="en-US" sz="1600" spc="20" dirty="0">
                 <a:solidFill>
                   <a:schemeClr val="bg1"/>
                 </a:solidFill>
               </a:rPr>
-              <a:t>, </a:t>
-            </a:r>
-            <a:r>
-              <a:rPr lang="en-US" sz="1600" spc="20" dirty="0" err="1">
-                <a:solidFill>
-                  <a:schemeClr val="bg1"/>
-                </a:solidFill>
-              </a:rPr>
-              <a:t>Vor</a:t>
-            </a:r>
+              <a:t>3</a:t>
+            </a:r>
+            <a:endParaRPr lang="de-CH" sz="1600" spc="20" dirty="0" err="1">
+              <a:solidFill>
+                <a:schemeClr val="bg1"/>
+              </a:solidFill>
+            </a:endParaRPr>
+          </a:p>
+        </p:txBody>
+      </p:sp>
+      <p:sp>
+        <p:nvSpPr>
+          <p:cNvPr id="30" name="Arrow: Right 29">
+            <a:extLst>
+              <a:ext uri="{FF2B5EF4-FFF2-40B4-BE49-F238E27FC236}">
+                <a16:creationId xmlns:a16="http://schemas.microsoft.com/office/drawing/2014/main" id="{F6DEAB8C-A721-AA09-F532-A62C1FBBBBBA}"/>
+              </a:ext>
+            </a:extLst>
+          </p:cNvPr>
+          <p:cNvSpPr/>
+          <p:nvPr/>
+        </p:nvSpPr>
+        <p:spPr bwMode="gray">
+          <a:xfrm rot="16200000">
+            <a:off x="9175971" y="4429521"/>
+            <a:ext cx="532036" cy="355274"/>
+          </a:xfrm>
+          <a:prstGeom prst="rightArrow">
+            <a:avLst>
+              <a:gd name="adj1" fmla="val 50000"/>
+              <a:gd name="adj2" fmla="val 49320"/>
+            </a:avLst>
+          </a:prstGeom>
+          <a:solidFill>
+            <a:schemeClr val="accent1"/>
+          </a:solidFill>
+          <a:ln w="6350">
+            <a:noFill/>
+          </a:ln>
+        </p:spPr>
+        <p:style>
+          <a:lnRef idx="2">
+            <a:schemeClr val="accent1">
+              <a:shade val="50000"/>
+            </a:schemeClr>
+          </a:lnRef>
+          <a:fillRef idx="1">
+            <a:schemeClr val="accent1"/>
+          </a:fillRef>
+          <a:effectRef idx="0">
+            <a:schemeClr val="accent1"/>
+          </a:effectRef>
+          <a:fontRef idx="minor">
+            <a:schemeClr val="lt1"/>
+          </a:fontRef>
+        </p:style>
+        <p:txBody>
+          <a:bodyPr vert="vert" lIns="0" tIns="0" rIns="0" bIns="0" rtlCol="0" anchor="ctr"/>
+          <a:lstStyle/>
+          <a:p>
+            <a:pPr algn="ctr">
+              <a:lnSpc>
+                <a:spcPct val="120000"/>
+              </a:lnSpc>
+            </a:pPr>
             <a:r>
               <a:rPr lang="en-US" sz="1600" spc="20" dirty="0">
                 <a:solidFill>
                   <a:schemeClr val="bg1"/>
                 </a:solidFill>
               </a:rPr>
-              <a:t>/ </a:t>
-            </a:r>
-            <a:r>
-              <a:rPr lang="en-US" sz="1600" spc="20" dirty="0" err="1">
+              <a:t>1</a:t>
+            </a:r>
+            <a:endParaRPr lang="de-CH" sz="1600" spc="20" dirty="0" err="1">
+              <a:solidFill>
+                <a:schemeClr val="bg1"/>
+              </a:solidFill>
+            </a:endParaRPr>
+          </a:p>
+        </p:txBody>
+      </p:sp>
+      <p:sp>
+        <p:nvSpPr>
+          <p:cNvPr id="31" name="Arrow: Right 30">
+            <a:extLst>
+              <a:ext uri="{FF2B5EF4-FFF2-40B4-BE49-F238E27FC236}">
+                <a16:creationId xmlns:a16="http://schemas.microsoft.com/office/drawing/2014/main" id="{EAF94452-8210-B8FD-39BE-137B5813B248}"/>
+              </a:ext>
+            </a:extLst>
+          </p:cNvPr>
+          <p:cNvSpPr/>
+          <p:nvPr/>
+        </p:nvSpPr>
+        <p:spPr bwMode="gray">
+          <a:xfrm rot="5400000">
+            <a:off x="10100904" y="4442183"/>
+            <a:ext cx="532036" cy="355274"/>
+          </a:xfrm>
+          <a:prstGeom prst="rightArrow">
+            <a:avLst>
+              <a:gd name="adj1" fmla="val 50000"/>
+              <a:gd name="adj2" fmla="val 49320"/>
+            </a:avLst>
+          </a:prstGeom>
+          <a:solidFill>
+            <a:schemeClr val="accent1"/>
+          </a:solidFill>
+          <a:ln w="6350">
+            <a:noFill/>
+          </a:ln>
+        </p:spPr>
+        <p:style>
+          <a:lnRef idx="2">
+            <a:schemeClr val="accent1">
+              <a:shade val="50000"/>
+            </a:schemeClr>
+          </a:lnRef>
+          <a:fillRef idx="1">
+            <a:schemeClr val="accent1"/>
+          </a:fillRef>
+          <a:effectRef idx="0">
+            <a:schemeClr val="accent1"/>
+          </a:effectRef>
+          <a:fontRef idx="minor">
+            <a:schemeClr val="lt1"/>
+          </a:fontRef>
+        </p:style>
+        <p:txBody>
+          <a:bodyPr vert="vert270" lIns="0" tIns="0" rIns="0" bIns="0" rtlCol="0" anchor="ctr"/>
+          <a:lstStyle/>
+          <a:p>
+            <a:pPr algn="ctr">
+              <a:lnSpc>
+                <a:spcPct val="120000"/>
+              </a:lnSpc>
+            </a:pPr>
+            <a:r>
+              <a:rPr lang="en-US" sz="1600" spc="20" dirty="0">
                 <a:solidFill>
                   <a:schemeClr val="bg1"/>
                 </a:solidFill>
               </a:rPr>
-              <a:t>Nachteile</a:t>
-            </a:r>
-            <a:endParaRPr lang="en-CH" sz="1600" spc="20" dirty="0" err="1">
+              <a:t>3</a:t>
+            </a:r>
+            <a:endParaRPr lang="de-CH" sz="1600" spc="20" dirty="0" err="1">
+              <a:solidFill>
+                <a:schemeClr val="bg1"/>
+              </a:solidFill>
+            </a:endParaRPr>
+          </a:p>
+        </p:txBody>
+      </p:sp>
+      <p:sp>
+        <p:nvSpPr>
+          <p:cNvPr id="32" name="Arrow: Left-Up 31">
+            <a:extLst>
+              <a:ext uri="{FF2B5EF4-FFF2-40B4-BE49-F238E27FC236}">
+                <a16:creationId xmlns:a16="http://schemas.microsoft.com/office/drawing/2014/main" id="{BCF7E872-2FE3-8EA7-3D12-E627D25E0C73}"/>
+              </a:ext>
+            </a:extLst>
+          </p:cNvPr>
+          <p:cNvSpPr/>
+          <p:nvPr/>
+        </p:nvSpPr>
+        <p:spPr bwMode="gray">
+          <a:xfrm rot="18845241">
+            <a:off x="9991189" y="2898996"/>
+            <a:ext cx="1930726" cy="1910931"/>
+          </a:xfrm>
+          <a:prstGeom prst="leftUpArrow">
+            <a:avLst>
+              <a:gd name="adj1" fmla="val 9251"/>
+              <a:gd name="adj2" fmla="val 9943"/>
+              <a:gd name="adj3" fmla="val 9463"/>
+            </a:avLst>
+          </a:prstGeom>
+          <a:solidFill>
+            <a:schemeClr val="accent1"/>
+          </a:solidFill>
+          <a:ln w="6350">
+            <a:noFill/>
+          </a:ln>
+        </p:spPr>
+        <p:style>
+          <a:lnRef idx="2">
+            <a:schemeClr val="accent1">
+              <a:shade val="50000"/>
+            </a:schemeClr>
+          </a:lnRef>
+          <a:fillRef idx="1">
+            <a:schemeClr val="accent1"/>
+          </a:fillRef>
+          <a:effectRef idx="0">
+            <a:schemeClr val="accent1"/>
+          </a:effectRef>
+          <a:fontRef idx="minor">
+            <a:schemeClr val="lt1"/>
+          </a:fontRef>
+        </p:style>
+        <p:txBody>
+          <a:bodyPr lIns="0" tIns="0" rIns="0" bIns="0" rtlCol="0" anchor="ctr"/>
+          <a:lstStyle/>
+          <a:p>
+            <a:pPr algn="ctr">
+              <a:lnSpc>
+                <a:spcPct val="120000"/>
+              </a:lnSpc>
+            </a:pPr>
+            <a:r>
+              <a:rPr lang="en-US" sz="1600" spc="20" dirty="0">
+                <a:solidFill>
+                  <a:schemeClr val="bg1"/>
+                </a:solidFill>
+              </a:rPr>
+              <a:t>4</a:t>
+            </a:r>
+            <a:endParaRPr lang="de-CH" sz="1600" spc="20" dirty="0" err="1">
               <a:solidFill>
                 <a:schemeClr val="bg1"/>
               </a:solidFill>
@@ -29116,7 +31334,7 @@
           <a:p>
             <a:fld id="{B39A1271-19FD-475A-B3B4-BA92018FD132}" type="datetime1">
               <a:rPr lang="de-CH" smtClean="0"/>
-              <a:t>10.10.2022</a:t>
+              <a:t>17.10.2022</a:t>
             </a:fld>
             <a:endParaRPr lang="de-CH"/>
           </a:p>
@@ -29288,336 +31506,6 @@
 </p:sld>
 </file>
 
-<file path=ppt/slides/slide20.xml><?xml version="1.0" encoding="utf-8"?>
-<p:sld xmlns:a="http://schemas.openxmlformats.org/drawingml/2006/main" xmlns:r="http://schemas.openxmlformats.org/officeDocument/2006/relationships" xmlns:p="http://schemas.openxmlformats.org/presentationml/2006/main">
-  <p:cSld>
-    <p:spTree>
-      <p:nvGrpSpPr>
-        <p:cNvPr id="1" name=""/>
-        <p:cNvGrpSpPr/>
-        <p:nvPr/>
-      </p:nvGrpSpPr>
-      <p:grpSpPr>
-        <a:xfrm>
-          <a:off x="0" y="0"/>
-          <a:ext cx="0" cy="0"/>
-          <a:chOff x="0" y="0"/>
-          <a:chExt cx="0" cy="0"/>
-        </a:xfrm>
-      </p:grpSpPr>
-      <p:sp>
-        <p:nvSpPr>
-          <p:cNvPr id="2" name="Text Placeholder 1">
-            <a:extLst>
-              <a:ext uri="{FF2B5EF4-FFF2-40B4-BE49-F238E27FC236}">
-                <a16:creationId xmlns:a16="http://schemas.microsoft.com/office/drawing/2014/main" id="{E626BE9E-851C-24AB-40A6-B0C49F347B9E}"/>
-              </a:ext>
-            </a:extLst>
-          </p:cNvPr>
-          <p:cNvSpPr>
-            <a:spLocks noGrp="1"/>
-          </p:cNvSpPr>
-          <p:nvPr>
-            <p:ph type="body" sz="quarter" idx="15"/>
-          </p:nvPr>
-        </p:nvSpPr>
-        <p:spPr/>
-        <p:txBody>
-          <a:bodyPr/>
-          <a:lstStyle/>
-          <a:p>
-            <a:endParaRPr lang="en-CH"/>
-          </a:p>
-        </p:txBody>
-      </p:sp>
-      <p:sp>
-        <p:nvSpPr>
-          <p:cNvPr id="3" name="Title 2">
-            <a:extLst>
-              <a:ext uri="{FF2B5EF4-FFF2-40B4-BE49-F238E27FC236}">
-                <a16:creationId xmlns:a16="http://schemas.microsoft.com/office/drawing/2014/main" id="{21151AD3-678D-3A5A-4B3B-AC22A03DA8A4}"/>
-              </a:ext>
-            </a:extLst>
-          </p:cNvPr>
-          <p:cNvSpPr>
-            <a:spLocks noGrp="1"/>
-          </p:cNvSpPr>
-          <p:nvPr>
-            <p:ph type="title"/>
-          </p:nvPr>
-        </p:nvSpPr>
-        <p:spPr/>
-        <p:txBody>
-          <a:bodyPr/>
-          <a:lstStyle/>
-          <a:p>
-            <a:r>
-              <a:rPr lang="en-US" dirty="0"/>
-              <a:t>OpenID Connect - Spring Security Resource</a:t>
-            </a:r>
-            <a:endParaRPr lang="en-CH" dirty="0"/>
-          </a:p>
-        </p:txBody>
-      </p:sp>
-      <p:sp>
-        <p:nvSpPr>
-          <p:cNvPr id="4" name="Subtitle 3">
-            <a:extLst>
-              <a:ext uri="{FF2B5EF4-FFF2-40B4-BE49-F238E27FC236}">
-                <a16:creationId xmlns:a16="http://schemas.microsoft.com/office/drawing/2014/main" id="{82CAB37B-C71C-FDB4-C021-59F962CBC7D7}"/>
-              </a:ext>
-            </a:extLst>
-          </p:cNvPr>
-          <p:cNvSpPr>
-            <a:spLocks noGrp="1"/>
-          </p:cNvSpPr>
-          <p:nvPr>
-            <p:ph type="subTitle" idx="17"/>
-          </p:nvPr>
-        </p:nvSpPr>
-        <p:spPr/>
-        <p:txBody>
-          <a:bodyPr/>
-          <a:lstStyle/>
-          <a:p>
-            <a:endParaRPr lang="en-CH"/>
-          </a:p>
-        </p:txBody>
-      </p:sp>
-      <p:sp>
-        <p:nvSpPr>
-          <p:cNvPr id="5" name="Content Placeholder 4">
-            <a:extLst>
-              <a:ext uri="{FF2B5EF4-FFF2-40B4-BE49-F238E27FC236}">
-                <a16:creationId xmlns:a16="http://schemas.microsoft.com/office/drawing/2014/main" id="{EE6F632A-7FF2-1D3F-B191-EFC2C54CC862}"/>
-              </a:ext>
-            </a:extLst>
-          </p:cNvPr>
-          <p:cNvSpPr>
-            <a:spLocks noGrp="1"/>
-          </p:cNvSpPr>
-          <p:nvPr>
-            <p:ph idx="1"/>
-          </p:nvPr>
-        </p:nvSpPr>
-        <p:spPr/>
-        <p:txBody>
-          <a:bodyPr/>
-          <a:lstStyle/>
-          <a:p>
-            <a:endParaRPr lang="en-CH"/>
-          </a:p>
-        </p:txBody>
-      </p:sp>
-      <p:sp>
-        <p:nvSpPr>
-          <p:cNvPr id="6" name="Date Placeholder 5">
-            <a:extLst>
-              <a:ext uri="{FF2B5EF4-FFF2-40B4-BE49-F238E27FC236}">
-                <a16:creationId xmlns:a16="http://schemas.microsoft.com/office/drawing/2014/main" id="{ED7FF01F-8B28-79AD-06B8-F4B89AB1250C}"/>
-              </a:ext>
-            </a:extLst>
-          </p:cNvPr>
-          <p:cNvSpPr>
-            <a:spLocks noGrp="1"/>
-          </p:cNvSpPr>
-          <p:nvPr>
-            <p:ph type="dt" sz="half" idx="18"/>
-          </p:nvPr>
-        </p:nvSpPr>
-        <p:spPr/>
-        <p:txBody>
-          <a:bodyPr/>
-          <a:lstStyle/>
-          <a:p>
-            <a:fld id="{74C11F21-6096-4A64-B487-7ED934E37665}" type="datetime1">
-              <a:rPr lang="de-CH" smtClean="0"/>
-              <a:t>10.10.2022</a:t>
-            </a:fld>
-            <a:endParaRPr lang="de-CH"/>
-          </a:p>
-        </p:txBody>
-      </p:sp>
-      <p:sp>
-        <p:nvSpPr>
-          <p:cNvPr id="7" name="Footer Placeholder 6">
-            <a:extLst>
-              <a:ext uri="{FF2B5EF4-FFF2-40B4-BE49-F238E27FC236}">
-                <a16:creationId xmlns:a16="http://schemas.microsoft.com/office/drawing/2014/main" id="{38D2D447-27A1-8236-6CBF-8EC2F359346D}"/>
-              </a:ext>
-            </a:extLst>
-          </p:cNvPr>
-          <p:cNvSpPr>
-            <a:spLocks noGrp="1"/>
-          </p:cNvSpPr>
-          <p:nvPr>
-            <p:ph type="ftr" sz="quarter" idx="19"/>
-          </p:nvPr>
-        </p:nvSpPr>
-        <p:spPr/>
-        <p:txBody>
-          <a:bodyPr/>
-          <a:lstStyle/>
-          <a:p>
-            <a:endParaRPr lang="de-CH"/>
-          </a:p>
-        </p:txBody>
-      </p:sp>
-      <p:sp>
-        <p:nvSpPr>
-          <p:cNvPr id="8" name="Slide Number Placeholder 7">
-            <a:extLst>
-              <a:ext uri="{FF2B5EF4-FFF2-40B4-BE49-F238E27FC236}">
-                <a16:creationId xmlns:a16="http://schemas.microsoft.com/office/drawing/2014/main" id="{09763D14-C208-0CA0-8842-6D2AB13DF9D3}"/>
-              </a:ext>
-            </a:extLst>
-          </p:cNvPr>
-          <p:cNvSpPr>
-            <a:spLocks noGrp="1"/>
-          </p:cNvSpPr>
-          <p:nvPr>
-            <p:ph type="sldNum" sz="quarter" idx="20"/>
-          </p:nvPr>
-        </p:nvSpPr>
-        <p:spPr/>
-        <p:txBody>
-          <a:bodyPr/>
-          <a:lstStyle/>
-          <a:p>
-            <a:r>
-              <a:rPr lang="de-CH"/>
-              <a:t>| </a:t>
-            </a:r>
-            <a:fld id="{8CF9DE7D-F270-4E16-BA04-5BCA8969A2EA}" type="slidenum">
-              <a:rPr lang="de-CH" smtClean="0"/>
-              <a:pPr/>
-              <a:t>20</a:t>
-            </a:fld>
-            <a:endParaRPr lang="de-CH" dirty="0"/>
-          </a:p>
-        </p:txBody>
-      </p:sp>
-      <p:sp>
-        <p:nvSpPr>
-          <p:cNvPr id="9" name="Rectangle 8">
-            <a:extLst>
-              <a:ext uri="{FF2B5EF4-FFF2-40B4-BE49-F238E27FC236}">
-                <a16:creationId xmlns:a16="http://schemas.microsoft.com/office/drawing/2014/main" id="{D9CCB5FA-C444-60A6-C605-F9EEF4526CA8}"/>
-              </a:ext>
-            </a:extLst>
-          </p:cNvPr>
-          <p:cNvSpPr/>
-          <p:nvPr/>
-        </p:nvSpPr>
-        <p:spPr bwMode="gray">
-          <a:xfrm>
-            <a:off x="3827748" y="2528900"/>
-            <a:ext cx="4536504" cy="1800200"/>
-          </a:xfrm>
-          <a:prstGeom prst="rect">
-            <a:avLst/>
-          </a:prstGeom>
-          <a:solidFill>
-            <a:schemeClr val="accent1"/>
-          </a:solidFill>
-          <a:ln w="6350">
-            <a:noFill/>
-          </a:ln>
-        </p:spPr>
-        <p:style>
-          <a:lnRef idx="2">
-            <a:schemeClr val="accent1">
-              <a:shade val="50000"/>
-            </a:schemeClr>
-          </a:lnRef>
-          <a:fillRef idx="1">
-            <a:schemeClr val="accent1"/>
-          </a:fillRef>
-          <a:effectRef idx="0">
-            <a:schemeClr val="accent1"/>
-          </a:effectRef>
-          <a:fontRef idx="minor">
-            <a:schemeClr val="lt1"/>
-          </a:fontRef>
-        </p:style>
-        <p:txBody>
-          <a:bodyPr lIns="0" tIns="0" rIns="0" bIns="0" rtlCol="0" anchor="ctr"/>
-          <a:lstStyle/>
-          <a:p>
-            <a:pPr algn="ctr">
-              <a:lnSpc>
-                <a:spcPct val="120000"/>
-              </a:lnSpc>
-            </a:pPr>
-            <a:r>
-              <a:rPr lang="en-US" sz="1600" spc="20" dirty="0">
-                <a:solidFill>
-                  <a:schemeClr val="bg1"/>
-                </a:solidFill>
-              </a:rPr>
-              <a:t>TODO: Basics, </a:t>
-            </a:r>
-            <a:r>
-              <a:rPr lang="en-US" sz="1600" spc="20" dirty="0" err="1">
-                <a:solidFill>
-                  <a:schemeClr val="bg1"/>
-                </a:solidFill>
-              </a:rPr>
-              <a:t>Abläufe</a:t>
-            </a:r>
-            <a:r>
-              <a:rPr lang="en-US" sz="1600" spc="20" dirty="0">
-                <a:solidFill>
-                  <a:schemeClr val="bg1"/>
-                </a:solidFill>
-              </a:rPr>
-              <a:t>, </a:t>
-            </a:r>
-            <a:r>
-              <a:rPr lang="en-US" sz="1600" spc="20" dirty="0" err="1">
-                <a:solidFill>
-                  <a:schemeClr val="bg1"/>
-                </a:solidFill>
-              </a:rPr>
-              <a:t>Vor</a:t>
-            </a:r>
-            <a:r>
-              <a:rPr lang="en-US" sz="1600" spc="20" dirty="0">
-                <a:solidFill>
-                  <a:schemeClr val="bg1"/>
-                </a:solidFill>
-              </a:rPr>
-              <a:t>/ </a:t>
-            </a:r>
-            <a:r>
-              <a:rPr lang="en-US" sz="1600" spc="20" dirty="0" err="1">
-                <a:solidFill>
-                  <a:schemeClr val="bg1"/>
-                </a:solidFill>
-              </a:rPr>
-              <a:t>Nachteile</a:t>
-            </a:r>
-            <a:endParaRPr lang="en-CH" sz="1600" spc="20" dirty="0" err="1">
-              <a:solidFill>
-                <a:schemeClr val="bg1"/>
-              </a:solidFill>
-            </a:endParaRPr>
-          </a:p>
-        </p:txBody>
-      </p:sp>
-    </p:spTree>
-    <p:extLst>
-      <p:ext uri="{BB962C8B-B14F-4D97-AF65-F5344CB8AC3E}">
-        <p14:creationId xmlns:p14="http://schemas.microsoft.com/office/powerpoint/2010/main" val="150674024"/>
-      </p:ext>
-    </p:extLst>
-  </p:cSld>
-  <p:clrMapOvr>
-    <a:masterClrMapping/>
-  </p:clrMapOvr>
-</p:sld>
-</file>
-
 <file path=ppt/slides/slide3.xml><?xml version="1.0" encoding="utf-8"?>
 <p:sld xmlns:a="http://schemas.openxmlformats.org/drawingml/2006/main" xmlns:r="http://schemas.openxmlformats.org/officeDocument/2006/relationships" xmlns:p="http://schemas.openxmlformats.org/presentationml/2006/main">
   <p:cSld>
@@ -29659,7 +31547,7 @@
             <a:fld id="{BA7EA141-437D-4A52-9D02-B8389417FCF0}" type="datetime1">
               <a:rPr lang="de-CH" smtClean="0"/>
               <a:pPr/>
-              <a:t>10.10.2022</a:t>
+              <a:t>17.10.2022</a:t>
             </a:fld>
             <a:endParaRPr lang="de-CH" dirty="0"/>
           </a:p>
@@ -30281,7 +32169,7 @@
           <a:p>
             <a:fld id="{E4038B7D-D3BD-4DFC-BDEC-30624E53CF02}" type="datetime1">
               <a:rPr lang="de-DE" smtClean="0"/>
-              <a:t>10.10.2022</a:t>
+              <a:t>17.10.2022</a:t>
             </a:fld>
             <a:endParaRPr lang="de-CH" dirty="0"/>
           </a:p>
@@ -39165,7 +41053,7 @@
           <a:p>
             <a:fld id="{74C11F21-6096-4A64-B487-7ED934E37665}" type="datetime1">
               <a:rPr lang="de-CH" smtClean="0"/>
-              <a:t>10.10.2022</a:t>
+              <a:t>17.10.2022</a:t>
             </a:fld>
             <a:endParaRPr lang="de-CH"/>
           </a:p>
@@ -39431,7 +41319,7 @@
           <a:p>
             <a:fld id="{74C11F21-6096-4A64-B487-7ED934E37665}" type="datetime1">
               <a:rPr lang="de-CH" smtClean="0"/>
-              <a:t>10.10.2022</a:t>
+              <a:t>17.10.2022</a:t>
             </a:fld>
             <a:endParaRPr lang="de-CH"/>
           </a:p>
@@ -39628,7 +41516,7 @@
           <a:p>
             <a:fld id="{74C11F21-6096-4A64-B487-7ED934E37665}" type="datetime1">
               <a:rPr lang="de-CH" smtClean="0"/>
-              <a:t>10.10.2022</a:t>
+              <a:t>17.10.2022</a:t>
             </a:fld>
             <a:endParaRPr lang="de-CH"/>
           </a:p>
@@ -39966,7 +41854,7 @@
           <a:p>
             <a:fld id="{74C11F21-6096-4A64-B487-7ED934E37665}" type="datetime1">
               <a:rPr lang="de-CH" smtClean="0"/>
-              <a:t>10.10.2022</a:t>
+              <a:t>17.10.2022</a:t>
             </a:fld>
             <a:endParaRPr lang="de-CH"/>
           </a:p>
@@ -40475,7 +42363,7 @@
           <a:p>
             <a:fld id="{74C11F21-6096-4A64-B487-7ED934E37665}" type="datetime1">
               <a:rPr lang="de-CH" smtClean="0"/>
-              <a:t>10.10.2022</a:t>
+              <a:t>17.10.2022</a:t>
             </a:fld>
             <a:endParaRPr lang="de-CH"/>
           </a:p>
@@ -41496,6 +43384,26 @@
 </file>
 
 <file path=customXml/item10.xml><?xml version="1.0" encoding="utf-8"?>
+<TemplafySlideFormConfiguration><![CDATA[{"formFields":[],"formDataEntries":[]}]]></TemplafySlideFormConfiguration>
+</file>
+
+<file path=customXml/item11.xml><?xml version="1.0" encoding="utf-8"?>
+<TemplafySlideTemplateConfiguration><![CDATA[{"slideVersion":1,"isValidatorEnabled":false,"isLocked":false,"elementsMetadata":[],"slideId":"637903650435356294","enableDocumentContentUpdater":false,"version":"2.0"}]]></TemplafySlideTemplateConfiguration>
+</file>
+
+<file path=customXml/item2.xml><?xml version="1.0" encoding="utf-8"?>
+<TemplafySlideTemplateConfiguration><![CDATA[{"slideVersion":1,"isValidatorEnabled":false,"isLocked":false,"elementsMetadata":[],"slideId":"637940848047132023","enableDocumentContentUpdater":false,"version":"2.0"}]]></TemplafySlideTemplateConfiguration>
+</file>
+
+<file path=customXml/item3.xml><?xml version="1.0" encoding="utf-8"?>
+<TemplafyTemplateConfiguration><![CDATA[{"elementsMetadata":[{"elementConfiguration":{"disableUpdates":false,"type":"text"},"type":"shape","id":"cb2f802d-cea7-469e-a2fc-39ae069b23af"},{"elementConfiguration":{"binding":"{{FormatDateTime(Form.Date,Translate(\"Format_CustomD\",UserProfile.DocumentLanguage.Language.Language),UserProfile.DocumentLanguage.Language.Language)}}","disableUpdates":false,"type":"text"},"type":"shape","id":"d44f3bb7-4338-4f93-8724-c7ebc69a6007"},{"elementConfiguration":{"binding":"{{UserProfile.Name}}","disableUpdates":false,"type":"text"},"type":"shape","id":"01725e5b-17ba-46b5-a89d-9fe4bb16aabb"},{"elementConfiguration":{"binding":"{{Form.Title}}","disableUpdates":false,"type":"text"},"type":"shape","id":"62323ae5-3b13-4615-99bf-b8c2b064cd51"},{"elementConfiguration":{"binding":"{{FormatDateTime(Form.Date,Translate(\"Format_CustomB\",UserProfile.DocumentLanguage.Language.Language),UserProfile.DocumentLanguage.Language.Language)}}","disableUpdates":false,"type":"text"},"type":"shape","id":"b79a476b-bdba-46e9-975d-aa688c97a046"},{"elementConfiguration":{"visibility":"{{IfElse(Equals(Form.Privacy_Information.Name, \"Strictly Confidential\"), VisibilityType.Visible, VisibilityType.Hidden)}}","disableUpdates":false,"type":"text"},"type":"shape","id":"dacf1a03-4b1b-45a6-b06b-a2591e3a7f0c"},{"elementConfiguration":{"visibility":"{{IfElse(Equals(Form.Privacy_Information.Name, \"Restricted\"), VisibilityType.Visible, VisibilityType.Hidden)}}","disableUpdates":false,"type":"text"},"type":"shape","id":"66392279-7bec-4253-84f2-7f6807e6e476"},{"elementConfiguration":{"visibility":"{{IfElse(Equals(Form.Privacy_Information.Name, \"Confidential\"), VisibilityType.Visible, VisibilityType.Hidden)}}","disableUpdates":false,"type":"text"},"type":"shape","id":"985b3e8c-7f26-442c-bdad-59f5e4db69fa"},{"elementConfiguration":{"visibility":"{{IfElse(Equals(Form.Privacy_Information.Name, \"Public\"), VisibilityType.Visible, VisibilityType.Hidden)}}","disableUpdates":false,"type":"text"},"type":"shape","id":"38c58ec9-95e5-4f82-b602-f2ef3ac727c6"},{"elementConfiguration":{"binding":"{{Form.Title}}","disableUpdates":false,"type":"text"},"type":"shape","id":"20a3f25d-48a9-42ed-89fe-024e6b54a13a"},{"elementConfiguration":{"binding":"{{Form.Subline}}","disableUpdates":false,"type":"text"},"type":"shape","id":"f750e883-fd73-4206-ac08-8433fec602db"},{"elementConfiguration":{"visibility":"{{IfElse(Equals(Form.Privacy_Information.Name, \"Strictly Confidential\"), VisibilityType.Visible, VisibilityType.Hidden)}}","disableUpdates":false,"type":"text"},"type":"shape","id":"e92a9162-da88-47f4-9f93-f085db4b2687"},{"elementConfiguration":{"visibility":"{{IfElse(Equals(Form.Privacy_Information.Name, \"Restricted\"), VisibilityType.Visible, VisibilityType.Hidden)}}","disableUpdates":false,"type":"text"},"type":"shape","id":"19b2a432-05a1-4450-a2a1-f4e129c63252"},{"elementConfiguration":{"visibility":"{{IfElse(Equals(Form.Privacy_Information.Name, \"Confidential\"), VisibilityType.Visible, VisibilityType.Hidden)}}","disableUpdates":false,"type":"text"},"type":"shape","id":"72ef224f-6656-4ef4-82e4-431164b54f22"},{"elementConfiguration":{"visibility":"{{IfElse(Equals(Form.Privacy_Information.Name, \"Public\"), VisibilityType.Visible, VisibilityType.Hidden)}}","disableUpdates":false,"type":"text"},"type":"shape","id":"78e0f95e-193b-447f-ab51-58eec91216c7"},{"elementConfiguration":{"visibility":"{{IfElse(Equals(Form.Privacy_Information.Name, \"Strictly Confidential\"), VisibilityType.Visible, VisibilityType.Hidden)}}","disableUpdates":false,"type":"text"},"type":"shape","id":"740ec0ba-a5b9-46eb-acb4-95fbc9f170e1"},{"elementConfiguration":{"visibility":"{{IfElse(Equals(Form.Privacy_Information.Name, \"Restricted\"), VisibilityType.Visible, VisibilityType.Hidden)}}","disableUpdates":false,"type":"text"},"type":"shape","id":"4195a84f-82dc-44e5-bd43-2e053bb2d2ab"},{"elementConfiguration":{"visibility":"{{IfElse(Equals(Form.Privacy_Information.Name, \"Confidential\"), VisibilityType.Visible, VisibilityType.Hidden)}}","disableUpdates":false,"type":"text"},"type":"shape","id":"99e837f9-06c3-411d-a4e6-b9142eca53d2"},{"elementConfiguration":{"visibility":"{{IfElse(Equals(Form.Privacy_Information.Name, \"Public\"), VisibilityType.Visible, VisibilityType.Hidden)}}","disableUpdates":false,"type":"text"},"type":"shape","id":"e811716a-55ae-4ecb-9d2d-90a7ab919265"},{"elementConfiguration":{"disableUpdates":false,"type":"text"},"type":"shape","id":"72d86f09-5db9-4b8b-8928-fa47adac94ce"},{"elementConfiguration":{"binding":"{{FormatDateTime(Form.Date,Translate(\"Format_CustomD\",UserProfile.DocumentLanguage.Language.Language),UserProfile.DocumentLanguage.Language.Language)}}","disableUpdates":false,"type":"text"},"type":"shape","id":"74350099-ec20-468c-a31f-9ff6918b4ada"},{"elementConfiguration":{"binding":"{{Form.Title}}","disableUpdates":false,"type":"text"},"type":"shape","id":"dad55900-d583-4ad8-8ab2-c052870ff0ac"},{"elementConfiguration":{"binding":"{{FormatDateTime(Form.Date,Translate(\"Format_CustomB\",UserProfile.DocumentLanguage.Language.Language),UserProfile.DocumentLanguage.Language.Language)}}","disableUpdates":false,"type":"text"},"type":"shape","id":"bfefba76-ae15-4813-867b-c4fde1787074"},{"elementConfiguration":{"binding":"{{UserProfile.Name}}","disableUpdates":false,"type":"text"},"type":"shape","id":"26f49a33-1e38-408a-9e18-3087c0198a89"},{"elementConfiguration":{"disableUpdates":false,"type":"text"},"type":"shape","id":"1f9a3f8a-637d-444f-80ca-883b7bb51641"},{"elementConfiguration":{"disableUpdates":false,"type":"text"},"type":"shape","id":"91b16e27-bf65-4be8-8851-0c581e2c9253"},{"elementConfiguration":{"binding":"{{FormatDateTime(Form.Date,Translate(\"Format_CustomD\",UserProfile.DocumentLanguage.Language.Language),UserProfile.DocumentLanguage.Language.Language)}}","disableUpdates":false,"type":"text"},"type":"shape","id":"137d11e6-7151-4986-a2e9-18f984bd4ece"},{"elementConfiguration":{"disableUpdates":false,"type":"text"},"type":"shape","id":"a6c35849-69a2-4f9e-83ce-ebf83731e19e"},{"elementConfiguration":{"binding":"{{FormatDateTime(Form.Date,Translate(\"Format_CustomD\",UserProfile.DocumentLanguage.Language.Language),UserProfile.DocumentLanguage.Language.Language)}}","disableUpdates":false,"type":"text"},"type":"shape","id":"ca54c70a-5924-498e-91cb-618706535af8"},{"elementConfiguration":{"binding":"{{Form.Title}}","disableUpdates":false,"type":"text"},"type":"shape","id":"7d324ffc-2a10-45be-8897-71278dc4b98e"},{"elementConfiguration":{"binding":"{{FormatDateTime(Form.Date,Translate(\"Format_CustomB\",UserProfile.DocumentLanguage.Language.Language),UserProfile.DocumentLanguage.Language.Language)}}","disableUpdates":false,"type":"text"},"type":"shape","id":"db3fe9e5-0e31-4e1d-bb2e-c5feebff687e"},{"elementConfiguration":{"binding":"{{Form.Title}}","disableUpdates":false,"type":"text"},"type":"shape","id":"ae16680a-ad3f-4857-865f-5de7cc8dd42d"},{"elementConfiguration":{"binding":"{{Form.Subline}}","disableUpdates":false,"type":"text"},"type":"shape","id":"cd98cee6-33a4-4fc1-b060-b970f1112162"},{"elementConfiguration":{"visibility":"{{IfElse(Equals(Form.Privacy_Information.Name, \"Strictly Confidential\"), VisibilityType.Visible, VisibilityType.Hidden)}}","disableUpdates":false,"type":"text"},"type":"shape","id":"921a2e29-f455-45c3-9751-739cff5665e0"},{"elementConfiguration":{"visibility":"{{IfElse(Equals(Form.Privacy_Information.Name, \"Restricted\"), VisibilityType.Visible, VisibilityType.Hidden)}}","disableUpdates":false,"type":"text"},"type":"shape","id":"5d541a6a-4580-4799-83b8-1927bd12f7ea"},{"elementConfiguration":{"visibility":"{{IfElse(Equals(Form.Privacy_Information.Name, \"Confidential\"), VisibilityType.Visible, VisibilityType.Hidden)}}","disableUpdates":false,"type":"text"},"type":"shape","id":"555c1a49-cc4b-41da-ba36-17d890dd41c2"},{"elementConfiguration":{"visibility":"{{IfElse(Equals(Form.Privacy_Information.Name, \"Public\"), VisibilityType.Visible, VisibilityType.Hidden)}}","disableUpdates":false,"type":"text"},"type":"shape","id":"889786bc-a2fb-4fb2-88db-09b4d2355793"},{"elementConfiguration":{"disableUpdates":false,"type":"text"},"type":"shape","id":"837e29f0-88fd-4cb5-a614-4a21a69fb6bc"},{"elementConfiguration":{"binding":"{{FormatDateTime(Form.Date,Translate(\"Format_CustomD\",UserProfile.DocumentLanguage.Language.Language),UserProfile.DocumentLanguage.Language.Language)}}","disableUpdates":false,"type":"text"},"type":"shape","id":"4122f672-6db7-4391-acbf-6dc59ff586ff"},{"elementConfiguration":{"binding":"{{Form.Title}}","disableUpdates":false,"type":"text"},"type":"shape","id":"d39782ff-f4f6-4330-8a1c-f0a8ba4d0686"},{"elementConfiguration":{"binding":"{{FormatDateTime(Form.Date,Translate(\"Format_CustomB\",UserProfile.DocumentLanguage.Language.Language),UserProfile.DocumentLanguage.Language.Language)}}","disableUpdates":false,"type":"text"},"type":"shape","id":"6c633351-97b7-48ed-8fd7-6d324b4360f1"},{"elementConfiguration":{"visibility":"{{IfElse(Equals(Form.Privacy_Information.Name, \"Strictly Confidential\"), VisibilityType.Visible, VisibilityType.Hidden)}}","disableUpdates":false,"type":"text"},"type":"shape","id":"91d3a083-11c5-4ffe-aafd-d5ee5208d544"},{"elementConfiguration":{"visibility":"{{IfElse(Equals(Form.Privacy_Information.Name, \"Restricted\"), VisibilityType.Visible, VisibilityType.Hidden)}}","disableUpdates":false,"type":"text"},"type":"shape","id":"2b290c73-132d-4077-ba57-679554632817"},{"elementConfiguration":{"visibility":"{{IfElse(Equals(Form.Privacy_Information.Name, \"Confidential\"), VisibilityType.Visible, VisibilityType.Hidden)}}","disableUpdates":false,"type":"text"},"type":"shape","id":"3973319f-14a6-452f-9170-652eec3eadd5"},{"elementConfiguration":{"visibility":"{{IfElse(Equals(Form.Privacy_Information.Name, \"Public\"), VisibilityType.Visible, VisibilityType.Hidden)}}","disableUpdates":false,"type":"text"},"type":"shape","id":"4befcc4b-89e1-4f75-ad8f-1bc2963e6339"}],"transformationConfigurations":[{"language":"{{UserProfile.DocumentLanguage.Language.Language}}","disableUpdates":false,"type":"proofingLanguage"}],"templateName":"zuehlke_blank","templateDescription":"","enableDocumentContentUpdater":true,"version":"2.0"}]]></TemplafyTemplateConfiguration>
+</file>
+
+<file path=customXml/item4.xml><?xml version="1.0" encoding="utf-8"?>
+<TemplafySlideFormConfiguration><![CDATA[{"formFields":[],"formDataEntries":[]}]]></TemplafySlideFormConfiguration>
+</file>
+
+<file path=customXml/item5.xml><?xml version="1.0" encoding="utf-8"?>
 <?mso-contentType ?>
 <FormTemplates xmlns="http://schemas.microsoft.com/sharepoint/v3/contenttype/forms">
   <Display>DocumentLibraryForm</Display>
@@ -41504,15 +43412,28 @@
 </FormTemplates>
 </file>
 
-<file path=customXml/item11.xml><?xml version="1.0" encoding="utf-8"?>
-<TemplafyTemplateConfiguration><![CDATA[{"elementsMetadata":[{"elementConfiguration":{"disableUpdates":false,"type":"text"},"type":"shape","id":"cb2f802d-cea7-469e-a2fc-39ae069b23af"},{"elementConfiguration":{"binding":"{{FormatDateTime(Form.Date,Translate(\"Format_CustomD\",UserProfile.DocumentLanguage.Language.Language),UserProfile.DocumentLanguage.Language.Language)}}","disableUpdates":false,"type":"text"},"type":"shape","id":"d44f3bb7-4338-4f93-8724-c7ebc69a6007"},{"elementConfiguration":{"binding":"{{UserProfile.Name}}","disableUpdates":false,"type":"text"},"type":"shape","id":"01725e5b-17ba-46b5-a89d-9fe4bb16aabb"},{"elementConfiguration":{"binding":"{{Form.Title}}","disableUpdates":false,"type":"text"},"type":"shape","id":"62323ae5-3b13-4615-99bf-b8c2b064cd51"},{"elementConfiguration":{"binding":"{{FormatDateTime(Form.Date,Translate(\"Format_CustomB\",UserProfile.DocumentLanguage.Language.Language),UserProfile.DocumentLanguage.Language.Language)}}","disableUpdates":false,"type":"text"},"type":"shape","id":"b79a476b-bdba-46e9-975d-aa688c97a046"},{"elementConfiguration":{"visibility":"{{IfElse(Equals(Form.Privacy_Information.Name, \"Strictly Confidential\"), VisibilityType.Visible, VisibilityType.Hidden)}}","disableUpdates":false,"type":"text"},"type":"shape","id":"dacf1a03-4b1b-45a6-b06b-a2591e3a7f0c"},{"elementConfiguration":{"visibility":"{{IfElse(Equals(Form.Privacy_Information.Name, \"Restricted\"), VisibilityType.Visible, VisibilityType.Hidden)}}","disableUpdates":false,"type":"text"},"type":"shape","id":"66392279-7bec-4253-84f2-7f6807e6e476"},{"elementConfiguration":{"visibility":"{{IfElse(Equals(Form.Privacy_Information.Name, \"Confidential\"), VisibilityType.Visible, VisibilityType.Hidden)}}","disableUpdates":false,"type":"text"},"type":"shape","id":"985b3e8c-7f26-442c-bdad-59f5e4db69fa"},{"elementConfiguration":{"visibility":"{{IfElse(Equals(Form.Privacy_Information.Name, \"Public\"), VisibilityType.Visible, VisibilityType.Hidden)}}","disableUpdates":false,"type":"text"},"type":"shape","id":"38c58ec9-95e5-4f82-b602-f2ef3ac727c6"},{"elementConfiguration":{"binding":"{{Form.Title}}","disableUpdates":false,"type":"text"},"type":"shape","id":"20a3f25d-48a9-42ed-89fe-024e6b54a13a"},{"elementConfiguration":{"binding":"{{Form.Subline}}","disableUpdates":false,"type":"text"},"type":"shape","id":"f750e883-fd73-4206-ac08-8433fec602db"},{"elementConfiguration":{"visibility":"{{IfElse(Equals(Form.Privacy_Information.Name, \"Strictly Confidential\"), VisibilityType.Visible, VisibilityType.Hidden)}}","disableUpdates":false,"type":"text"},"type":"shape","id":"e92a9162-da88-47f4-9f93-f085db4b2687"},{"elementConfiguration":{"visibility":"{{IfElse(Equals(Form.Privacy_Information.Name, \"Restricted\"), VisibilityType.Visible, VisibilityType.Hidden)}}","disableUpdates":false,"type":"text"},"type":"shape","id":"19b2a432-05a1-4450-a2a1-f4e129c63252"},{"elementConfiguration":{"visibility":"{{IfElse(Equals(Form.Privacy_Information.Name, \"Confidential\"), VisibilityType.Visible, VisibilityType.Hidden)}}","disableUpdates":false,"type":"text"},"type":"shape","id":"72ef224f-6656-4ef4-82e4-431164b54f22"},{"elementConfiguration":{"visibility":"{{IfElse(Equals(Form.Privacy_Information.Name, \"Public\"), VisibilityType.Visible, VisibilityType.Hidden)}}","disableUpdates":false,"type":"text"},"type":"shape","id":"78e0f95e-193b-447f-ab51-58eec91216c7"},{"elementConfiguration":{"visibility":"{{IfElse(Equals(Form.Privacy_Information.Name, \"Strictly Confidential\"), VisibilityType.Visible, VisibilityType.Hidden)}}","disableUpdates":false,"type":"text"},"type":"shape","id":"740ec0ba-a5b9-46eb-acb4-95fbc9f170e1"},{"elementConfiguration":{"visibility":"{{IfElse(Equals(Form.Privacy_Information.Name, \"Restricted\"), VisibilityType.Visible, VisibilityType.Hidden)}}","disableUpdates":false,"type":"text"},"type":"shape","id":"4195a84f-82dc-44e5-bd43-2e053bb2d2ab"},{"elementConfiguration":{"visibility":"{{IfElse(Equals(Form.Privacy_Information.Name, \"Confidential\"), VisibilityType.Visible, VisibilityType.Hidden)}}","disableUpdates":false,"type":"text"},"type":"shape","id":"99e837f9-06c3-411d-a4e6-b9142eca53d2"},{"elementConfiguration":{"visibility":"{{IfElse(Equals(Form.Privacy_Information.Name, \"Public\"), VisibilityType.Visible, VisibilityType.Hidden)}}","disableUpdates":false,"type":"text"},"type":"shape","id":"e811716a-55ae-4ecb-9d2d-90a7ab919265"},{"elementConfiguration":{"disableUpdates":false,"type":"text"},"type":"shape","id":"72d86f09-5db9-4b8b-8928-fa47adac94ce"},{"elementConfiguration":{"binding":"{{FormatDateTime(Form.Date,Translate(\"Format_CustomD\",UserProfile.DocumentLanguage.Language.Language),UserProfile.DocumentLanguage.Language.Language)}}","disableUpdates":false,"type":"text"},"type":"shape","id":"74350099-ec20-468c-a31f-9ff6918b4ada"},{"elementConfiguration":{"binding":"{{Form.Title}}","disableUpdates":false,"type":"text"},"type":"shape","id":"dad55900-d583-4ad8-8ab2-c052870ff0ac"},{"elementConfiguration":{"binding":"{{FormatDateTime(Form.Date,Translate(\"Format_CustomB\",UserProfile.DocumentLanguage.Language.Language),UserProfile.DocumentLanguage.Language.Language)}}","disableUpdates":false,"type":"text"},"type":"shape","id":"bfefba76-ae15-4813-867b-c4fde1787074"},{"elementConfiguration":{"binding":"{{UserProfile.Name}}","disableUpdates":false,"type":"text"},"type":"shape","id":"26f49a33-1e38-408a-9e18-3087c0198a89"},{"elementConfiguration":{"disableUpdates":false,"type":"text"},"type":"shape","id":"1f9a3f8a-637d-444f-80ca-883b7bb51641"},{"elementConfiguration":{"disableUpdates":false,"type":"text"},"type":"shape","id":"91b16e27-bf65-4be8-8851-0c581e2c9253"},{"elementConfiguration":{"binding":"{{FormatDateTime(Form.Date,Translate(\"Format_CustomD\",UserProfile.DocumentLanguage.Language.Language),UserProfile.DocumentLanguage.Language.Language)}}","disableUpdates":false,"type":"text"},"type":"shape","id":"137d11e6-7151-4986-a2e9-18f984bd4ece"},{"elementConfiguration":{"disableUpdates":false,"type":"text"},"type":"shape","id":"a6c35849-69a2-4f9e-83ce-ebf83731e19e"},{"elementConfiguration":{"binding":"{{FormatDateTime(Form.Date,Translate(\"Format_CustomD\",UserProfile.DocumentLanguage.Language.Language),UserProfile.DocumentLanguage.Language.Language)}}","disableUpdates":false,"type":"text"},"type":"shape","id":"ca54c70a-5924-498e-91cb-618706535af8"},{"elementConfiguration":{"binding":"{{Form.Title}}","disableUpdates":false,"type":"text"},"type":"shape","id":"7d324ffc-2a10-45be-8897-71278dc4b98e"},{"elementConfiguration":{"binding":"{{FormatDateTime(Form.Date,Translate(\"Format_CustomB\",UserProfile.DocumentLanguage.Language.Language),UserProfile.DocumentLanguage.Language.Language)}}","disableUpdates":false,"type":"text"},"type":"shape","id":"db3fe9e5-0e31-4e1d-bb2e-c5feebff687e"},{"elementConfiguration":{"binding":"{{Form.Title}}","disableUpdates":false,"type":"text"},"type":"shape","id":"ae16680a-ad3f-4857-865f-5de7cc8dd42d"},{"elementConfiguration":{"binding":"{{Form.Subline}}","disableUpdates":false,"type":"text"},"type":"shape","id":"cd98cee6-33a4-4fc1-b060-b970f1112162"},{"elementConfiguration":{"visibility":"{{IfElse(Equals(Form.Privacy_Information.Name, \"Strictly Confidential\"), VisibilityType.Visible, VisibilityType.Hidden)}}","disableUpdates":false,"type":"text"},"type":"shape","id":"921a2e29-f455-45c3-9751-739cff5665e0"},{"elementConfiguration":{"visibility":"{{IfElse(Equals(Form.Privacy_Information.Name, \"Restricted\"), VisibilityType.Visible, VisibilityType.Hidden)}}","disableUpdates":false,"type":"text"},"type":"shape","id":"5d541a6a-4580-4799-83b8-1927bd12f7ea"},{"elementConfiguration":{"visibility":"{{IfElse(Equals(Form.Privacy_Information.Name, \"Confidential\"), VisibilityType.Visible, VisibilityType.Hidden)}}","disableUpdates":false,"type":"text"},"type":"shape","id":"555c1a49-cc4b-41da-ba36-17d890dd41c2"},{"elementConfiguration":{"visibility":"{{IfElse(Equals(Form.Privacy_Information.Name, \"Public\"), VisibilityType.Visible, VisibilityType.Hidden)}}","disableUpdates":false,"type":"text"},"type":"shape","id":"889786bc-a2fb-4fb2-88db-09b4d2355793"},{"elementConfiguration":{"disableUpdates":false,"type":"text"},"type":"shape","id":"837e29f0-88fd-4cb5-a614-4a21a69fb6bc"},{"elementConfiguration":{"binding":"{{FormatDateTime(Form.Date,Translate(\"Format_CustomD\",UserProfile.DocumentLanguage.Language.Language),UserProfile.DocumentLanguage.Language.Language)}}","disableUpdates":false,"type":"text"},"type":"shape","id":"4122f672-6db7-4391-acbf-6dc59ff586ff"},{"elementConfiguration":{"binding":"{{Form.Title}}","disableUpdates":false,"type":"text"},"type":"shape","id":"d39782ff-f4f6-4330-8a1c-f0a8ba4d0686"},{"elementConfiguration":{"binding":"{{FormatDateTime(Form.Date,Translate(\"Format_CustomB\",UserProfile.DocumentLanguage.Language.Language),UserProfile.DocumentLanguage.Language.Language)}}","disableUpdates":false,"type":"text"},"type":"shape","id":"6c633351-97b7-48ed-8fd7-6d324b4360f1"},{"elementConfiguration":{"visibility":"{{IfElse(Equals(Form.Privacy_Information.Name, \"Strictly Confidential\"), VisibilityType.Visible, VisibilityType.Hidden)}}","disableUpdates":false,"type":"text"},"type":"shape","id":"91d3a083-11c5-4ffe-aafd-d5ee5208d544"},{"elementConfiguration":{"visibility":"{{IfElse(Equals(Form.Privacy_Information.Name, \"Restricted\"), VisibilityType.Visible, VisibilityType.Hidden)}}","disableUpdates":false,"type":"text"},"type":"shape","id":"2b290c73-132d-4077-ba57-679554632817"},{"elementConfiguration":{"visibility":"{{IfElse(Equals(Form.Privacy_Information.Name, \"Confidential\"), VisibilityType.Visible, VisibilityType.Hidden)}}","disableUpdates":false,"type":"text"},"type":"shape","id":"3973319f-14a6-452f-9170-652eec3eadd5"},{"elementConfiguration":{"visibility":"{{IfElse(Equals(Form.Privacy_Information.Name, \"Public\"), VisibilityType.Visible, VisibilityType.Hidden)}}","disableUpdates":false,"type":"text"},"type":"shape","id":"4befcc4b-89e1-4f75-ad8f-1bc2963e6339"}],"transformationConfigurations":[{"language":"{{UserProfile.DocumentLanguage.Language.Language}}","disableUpdates":false,"type":"proofingLanguage"}],"templateName":"zuehlke_blank","templateDescription":"","enableDocumentContentUpdater":true,"version":"2.0"}]]></TemplafyTemplateConfiguration>
+<file path=customXml/item6.xml><?xml version="1.0" encoding="utf-8"?>
+<p:properties xmlns:p="http://schemas.microsoft.com/office/2006/metadata/properties" xmlns:xsi="http://www.w3.org/2001/XMLSchema-instance" xmlns:pc="http://schemas.microsoft.com/office/infopath/2007/PartnerControls">
+  <documentManagement>
+    <_ip_UnifiedCompliancePolicyUIAction xmlns="http://schemas.microsoft.com/sharepoint/v3" xsi:nil="true"/>
+    <TaxCatchAll xmlns="22a3f1e7-1ad8-4567-967d-700183da1d1b" xsi:nil="true"/>
+    <lcf76f155ced4ddcb4097134ff3c332f xmlns="aacb7df8-672f-46f2-977f-893ce5cef86b">
+      <Terms xmlns="http://schemas.microsoft.com/office/infopath/2007/PartnerControls"/>
+    </lcf76f155ced4ddcb4097134ff3c332f>
+    <_ip_UnifiedCompliancePolicyProperties xmlns="http://schemas.microsoft.com/sharepoint/v3" xsi:nil="true"/>
+  </documentManagement>
+</p:properties>
 </file>
 
-<file path=customXml/item2.xml><?xml version="1.0" encoding="utf-8"?>
-<TemplafySlideTemplateConfiguration><![CDATA[{"slideVersion":1,"isValidatorEnabled":false,"isLocked":false,"elementsMetadata":[],"slideId":"637903650435356294","enableDocumentContentUpdater":false,"version":"2.0"}]]></TemplafySlideTemplateConfiguration>
+<file path=customXml/item7.xml><?xml version="1.0" encoding="utf-8"?>
+<TemplafySlideFormConfiguration><![CDATA[{"formFields":[],"formDataEntries":[]}]]></TemplafySlideFormConfiguration>
 </file>
 
-<file path=customXml/item3.xml><?xml version="1.0" encoding="utf-8"?>
+<file path=customXml/item8.xml><?xml version="1.0" encoding="utf-8"?>
+<TemplafySlideTemplateConfiguration><![CDATA[{"slideVersion":1,"isValidatorEnabled":false,"isLocked":false,"elementsMetadata":[],"slideId":"637940848047151033","enableDocumentContentUpdater":false,"version":"2.0"}]]></TemplafySlideTemplateConfiguration>
+</file>
+
+<file path=customXml/item9.xml><?xml version="1.0" encoding="utf-8"?>
 <ct:contentTypeSchema xmlns:ct="http://schemas.microsoft.com/office/2006/metadata/contentType" xmlns:ma="http://schemas.microsoft.com/office/2006/metadata/properties/metaAttributes" ct:_="" ma:_="" ma:contentTypeName="Document" ma:contentTypeID="0x0101009C3CCF29AC71D4428C978BA42A6A441C" ma:contentTypeVersion="34" ma:contentTypeDescription="Een nieuw document maken." ma:contentTypeScope="" ma:versionID="7d158b9b3fd3ec60989cb2b3e32d5771">
   <xsd:schema xmlns:xsd="http://www.w3.org/2001/XMLSchema" xmlns:xs="http://www.w3.org/2001/XMLSchema" xmlns:p="http://schemas.microsoft.com/office/2006/metadata/properties" xmlns:ns1="http://schemas.microsoft.com/sharepoint/v3" xmlns:ns2="aacb7df8-672f-46f2-977f-893ce5cef86b" xmlns:ns3="22a3f1e7-1ad8-4567-967d-700183da1d1b" targetNamespace="http://schemas.microsoft.com/office/2006/metadata/properties" ma:root="true" ma:fieldsID="b2ea9b1e2fb62c990773d12b5caa2323" ns1:_="" ns2:_="" ns3:_="">
     <xsd:import namespace="http://schemas.microsoft.com/sharepoint/v3"/>
@@ -41772,39 +43693,6 @@
 </ct:contentTypeSchema>
 </file>
 
-<file path=customXml/item4.xml><?xml version="1.0" encoding="utf-8"?>
-<p:properties xmlns:p="http://schemas.microsoft.com/office/2006/metadata/properties" xmlns:xsi="http://www.w3.org/2001/XMLSchema-instance" xmlns:pc="http://schemas.microsoft.com/office/infopath/2007/PartnerControls">
-  <documentManagement>
-    <_ip_UnifiedCompliancePolicyUIAction xmlns="http://schemas.microsoft.com/sharepoint/v3" xsi:nil="true"/>
-    <TaxCatchAll xmlns="22a3f1e7-1ad8-4567-967d-700183da1d1b" xsi:nil="true"/>
-    <lcf76f155ced4ddcb4097134ff3c332f xmlns="aacb7df8-672f-46f2-977f-893ce5cef86b">
-      <Terms xmlns="http://schemas.microsoft.com/office/infopath/2007/PartnerControls"/>
-    </lcf76f155ced4ddcb4097134ff3c332f>
-    <_ip_UnifiedCompliancePolicyProperties xmlns="http://schemas.microsoft.com/sharepoint/v3" xsi:nil="true"/>
-  </documentManagement>
-</p:properties>
-</file>
-
-<file path=customXml/item5.xml><?xml version="1.0" encoding="utf-8"?>
-<TemplafySlideFormConfiguration><![CDATA[{"formFields":[],"formDataEntries":[]}]]></TemplafySlideFormConfiguration>
-</file>
-
-<file path=customXml/item6.xml><?xml version="1.0" encoding="utf-8"?>
-<TemplafySlideTemplateConfiguration><![CDATA[{"slideVersion":1,"isValidatorEnabled":false,"isLocked":false,"elementsMetadata":[],"slideId":"637940848047132023","enableDocumentContentUpdater":false,"version":"2.0"}]]></TemplafySlideTemplateConfiguration>
-</file>
-
-<file path=customXml/item7.xml><?xml version="1.0" encoding="utf-8"?>
-<TemplafySlideFormConfiguration><![CDATA[{"formFields":[],"formDataEntries":[]}]]></TemplafySlideFormConfiguration>
-</file>
-
-<file path=customXml/item8.xml><?xml version="1.0" encoding="utf-8"?>
-<TemplafySlideTemplateConfiguration><![CDATA[{"slideVersion":1,"isValidatorEnabled":false,"isLocked":false,"elementsMetadata":[],"slideId":"637940848047151033","enableDocumentContentUpdater":false,"version":"2.0"}]]></TemplafySlideTemplateConfiguration>
-</file>
-
-<file path=customXml/item9.xml><?xml version="1.0" encoding="utf-8"?>
-<TemplafySlideFormConfiguration><![CDATA[{"formFields":[],"formDataEntries":[]}]]></TemplafySlideFormConfiguration>
-</file>
-
 <file path=customXml/itemProps1.xml><?xml version="1.0" encoding="utf-8"?>
 <ds:datastoreItem xmlns:ds="http://schemas.openxmlformats.org/officeDocument/2006/customXml" ds:itemID="{A0CB3283-4520-48D0-9091-1EFB3339413D}">
   <ds:schemaRefs/>
@@ -41812,6 +43700,36 @@
 </file>
 
 <file path=customXml/itemProps10.xml><?xml version="1.0" encoding="utf-8"?>
+<ds:datastoreItem xmlns:ds="http://schemas.openxmlformats.org/officeDocument/2006/customXml" ds:itemID="{017A12E0-983F-4DAE-82EE-741B16DB8A80}">
+  <ds:schemaRefs/>
+</ds:datastoreItem>
+</file>
+
+<file path=customXml/itemProps11.xml><?xml version="1.0" encoding="utf-8"?>
+<ds:datastoreItem xmlns:ds="http://schemas.openxmlformats.org/officeDocument/2006/customXml" ds:itemID="{EDF8D6CC-1994-43D5-BBB0-4ED9370E50DB}">
+  <ds:schemaRefs/>
+</ds:datastoreItem>
+</file>
+
+<file path=customXml/itemProps2.xml><?xml version="1.0" encoding="utf-8"?>
+<ds:datastoreItem xmlns:ds="http://schemas.openxmlformats.org/officeDocument/2006/customXml" ds:itemID="{B1DD9B5E-AC32-464D-B1F4-82A602101B6C}">
+  <ds:schemaRefs/>
+</ds:datastoreItem>
+</file>
+
+<file path=customXml/itemProps3.xml><?xml version="1.0" encoding="utf-8"?>
+<ds:datastoreItem xmlns:ds="http://schemas.openxmlformats.org/officeDocument/2006/customXml" ds:itemID="{28C85CB8-C4E2-42B6-9E95-8E3EDB1A7CC4}">
+  <ds:schemaRefs/>
+</ds:datastoreItem>
+</file>
+
+<file path=customXml/itemProps4.xml><?xml version="1.0" encoding="utf-8"?>
+<ds:datastoreItem xmlns:ds="http://schemas.openxmlformats.org/officeDocument/2006/customXml" ds:itemID="{9FB1AEE5-DC0D-4156-8EEE-9B4B73CE1536}">
+  <ds:schemaRefs/>
+</ds:datastoreItem>
+</file>
+
+<file path=customXml/itemProps5.xml><?xml version="1.0" encoding="utf-8"?>
 <ds:datastoreItem xmlns:ds="http://schemas.openxmlformats.org/officeDocument/2006/customXml" ds:itemID="{D76696FF-6F99-4BF8-BD28-5EEAF2578D78}">
   <ds:schemaRefs>
     <ds:schemaRef ds:uri="http://schemas.microsoft.com/sharepoint/v3/contenttype/forms"/>
@@ -41819,19 +43737,31 @@
 </ds:datastoreItem>
 </file>
 
-<file path=customXml/itemProps11.xml><?xml version="1.0" encoding="utf-8"?>
-<ds:datastoreItem xmlns:ds="http://schemas.openxmlformats.org/officeDocument/2006/customXml" ds:itemID="{28C85CB8-C4E2-42B6-9E95-8E3EDB1A7CC4}">
+<file path=customXml/itemProps6.xml><?xml version="1.0" encoding="utf-8"?>
+<ds:datastoreItem xmlns:ds="http://schemas.openxmlformats.org/officeDocument/2006/customXml" ds:itemID="{D19BEC73-69CB-414A-A7BE-653B795EEE32}">
+  <ds:schemaRefs>
+    <ds:schemaRef ds:uri="http://schemas.microsoft.com/office/2006/metadata/properties"/>
+    <ds:schemaRef ds:uri="http://schemas.microsoft.com/office/infopath/2007/PartnerControls"/>
+    <ds:schemaRef ds:uri="http://schemas.microsoft.com/sharepoint/v3"/>
+    <ds:schemaRef ds:uri="22a3f1e7-1ad8-4567-967d-700183da1d1b"/>
+    <ds:schemaRef ds:uri="aacb7df8-672f-46f2-977f-893ce5cef86b"/>
+  </ds:schemaRefs>
+</ds:datastoreItem>
+</file>
+
+<file path=customXml/itemProps7.xml><?xml version="1.0" encoding="utf-8"?>
+<ds:datastoreItem xmlns:ds="http://schemas.openxmlformats.org/officeDocument/2006/customXml" ds:itemID="{BC21ECD9-2739-4EB4-9B40-F09BDC026420}">
   <ds:schemaRefs/>
 </ds:datastoreItem>
 </file>
 
-<file path=customXml/itemProps2.xml><?xml version="1.0" encoding="utf-8"?>
-<ds:datastoreItem xmlns:ds="http://schemas.openxmlformats.org/officeDocument/2006/customXml" ds:itemID="{EDF8D6CC-1994-43D5-BBB0-4ED9370E50DB}">
+<file path=customXml/itemProps8.xml><?xml version="1.0" encoding="utf-8"?>
+<ds:datastoreItem xmlns:ds="http://schemas.openxmlformats.org/officeDocument/2006/customXml" ds:itemID="{5822B366-D741-4E0F-86C5-011A7765F96B}">
   <ds:schemaRefs/>
 </ds:datastoreItem>
 </file>
 
-<file path=customXml/itemProps3.xml><?xml version="1.0" encoding="utf-8"?>
+<file path=customXml/itemProps9.xml><?xml version="1.0" encoding="utf-8"?>
 <ds:datastoreItem xmlns:ds="http://schemas.openxmlformats.org/officeDocument/2006/customXml" ds:itemID="{D248F8DB-9E28-4225-8775-E011E29A2C0E}">
   <ds:schemaRefs>
     <ds:schemaRef ds:uri="http://schemas.microsoft.com/office/2006/metadata/contentType"/>
@@ -41849,46 +43779,4 @@
     <ds:schemaRef ds:uri="http://schemas.microsoft.com/internal/obd"/>
   </ds:schemaRefs>
 </ds:datastoreItem>
-</file>
-
-<file path=customXml/itemProps4.xml><?xml version="1.0" encoding="utf-8"?>
-<ds:datastoreItem xmlns:ds="http://schemas.openxmlformats.org/officeDocument/2006/customXml" ds:itemID="{D19BEC73-69CB-414A-A7BE-653B795EEE32}">
-  <ds:schemaRefs>
-    <ds:schemaRef ds:uri="http://schemas.microsoft.com/office/2006/metadata/properties"/>
-    <ds:schemaRef ds:uri="http://schemas.microsoft.com/office/infopath/2007/PartnerControls"/>
-    <ds:schemaRef ds:uri="http://schemas.microsoft.com/sharepoint/v3"/>
-    <ds:schemaRef ds:uri="22a3f1e7-1ad8-4567-967d-700183da1d1b"/>
-    <ds:schemaRef ds:uri="aacb7df8-672f-46f2-977f-893ce5cef86b"/>
-  </ds:schemaRefs>
-</ds:datastoreItem>
-</file>
-
-<file path=customXml/itemProps5.xml><?xml version="1.0" encoding="utf-8"?>
-<ds:datastoreItem xmlns:ds="http://schemas.openxmlformats.org/officeDocument/2006/customXml" ds:itemID="{9FB1AEE5-DC0D-4156-8EEE-9B4B73CE1536}">
-  <ds:schemaRefs/>
-</ds:datastoreItem>
-</file>
-
-<file path=customXml/itemProps6.xml><?xml version="1.0" encoding="utf-8"?>
-<ds:datastoreItem xmlns:ds="http://schemas.openxmlformats.org/officeDocument/2006/customXml" ds:itemID="{B1DD9B5E-AC32-464D-B1F4-82A602101B6C}">
-  <ds:schemaRefs/>
-</ds:datastoreItem>
-</file>
-
-<file path=customXml/itemProps7.xml><?xml version="1.0" encoding="utf-8"?>
-<ds:datastoreItem xmlns:ds="http://schemas.openxmlformats.org/officeDocument/2006/customXml" ds:itemID="{017A12E0-983F-4DAE-82EE-741B16DB8A80}">
-  <ds:schemaRefs/>
-</ds:datastoreItem>
-</file>
-
-<file path=customXml/itemProps8.xml><?xml version="1.0" encoding="utf-8"?>
-<ds:datastoreItem xmlns:ds="http://schemas.openxmlformats.org/officeDocument/2006/customXml" ds:itemID="{5822B366-D741-4E0F-86C5-011A7765F96B}">
-  <ds:schemaRefs/>
-</ds:datastoreItem>
-</file>
-
-<file path=customXml/itemProps9.xml><?xml version="1.0" encoding="utf-8"?>
-<ds:datastoreItem xmlns:ds="http://schemas.openxmlformats.org/officeDocument/2006/customXml" ds:itemID="{BC21ECD9-2739-4EB4-9B40-F09BDC026420}">
-  <ds:schemaRefs/>
-</ds:datastoreItem>
 </file>
--- a/SpringSecurity BaselOne.pptx
+++ b/SpringSecurity BaselOne.pptx
@@ -225,7 +225,7 @@
               <a:rPr lang="de-DE" sz="800" smtClean="0">
                 <a:latin typeface="AA Zuehlke" panose="02000503060000020004" pitchFamily="2" charset="0"/>
               </a:rPr>
-              <a:t>17.10.2022</a:t>
+              <a:t>20.10.2022</a:t>
             </a:fld>
             <a:endParaRPr lang="de-DE" sz="800" dirty="0">
               <a:latin typeface="AA Zuehlke" panose="02000503060000020004" pitchFamily="2" charset="0"/>
@@ -539,7 +539,7 @@
             <a:fld id="{5320D358-F853-4E66-A71E-3A9A01236113}" type="datetimeFigureOut">
               <a:rPr lang="de-DE" smtClean="0"/>
               <a:pPr/>
-              <a:t>17.10.2022</a:t>
+              <a:t>20.10.2022</a:t>
             </a:fld>
             <a:endParaRPr lang="de-DE" dirty="0"/>
           </a:p>
@@ -4157,7 +4157,7 @@
             <a:fld id="{F5AF8155-3039-49A4-930E-EDBA4ED207DB}" type="datetime1">
               <a:rPr lang="de-CH" smtClean="0"/>
               <a:pPr/>
-              <a:t>17.10.2022</a:t>
+              <a:t>20.10.2022</a:t>
             </a:fld>
             <a:r>
               <a:rPr lang="de-CH" dirty="0"/>
@@ -5130,7 +5130,7 @@
           <a:p>
             <a:fld id="{4AD2CB6A-76A7-4388-B029-4B2D0D794F3F}" type="datetime1">
               <a:rPr lang="de-CH" smtClean="0"/>
-              <a:t>17.10.2022</a:t>
+              <a:t>20.10.2022</a:t>
             </a:fld>
             <a:endParaRPr lang="de-CH"/>
           </a:p>
@@ -5837,7 +5837,7 @@
           <a:p>
             <a:fld id="{FE38E3FA-3808-499B-97C9-3B578306123F}" type="datetime1">
               <a:rPr lang="de-CH" smtClean="0"/>
-              <a:t>17.10.2022</a:t>
+              <a:t>20.10.2022</a:t>
             </a:fld>
             <a:endParaRPr lang="de-CH"/>
           </a:p>
@@ -6750,7 +6750,7 @@
           <a:p>
             <a:fld id="{B3BB7989-415D-4FB3-830E-9C0C6D18965B}" type="datetime1">
               <a:rPr lang="de-CH" smtClean="0"/>
-              <a:t>17.10.2022</a:t>
+              <a:t>20.10.2022</a:t>
             </a:fld>
             <a:endParaRPr lang="de-CH"/>
           </a:p>
@@ -7546,7 +7546,7 @@
           <a:p>
             <a:fld id="{2682061F-750C-4A14-9093-5356E4EE424E}" type="datetime1">
               <a:rPr lang="de-CH" smtClean="0"/>
-              <a:t>17.10.2022</a:t>
+              <a:t>20.10.2022</a:t>
             </a:fld>
             <a:endParaRPr lang="de-CH"/>
           </a:p>
@@ -8243,7 +8243,7 @@
           <a:p>
             <a:fld id="{DA9F6F28-C085-4334-BF73-3322389433C2}" type="datetime1">
               <a:rPr lang="de-CH" smtClean="0"/>
-              <a:t>17.10.2022</a:t>
+              <a:t>20.10.2022</a:t>
             </a:fld>
             <a:endParaRPr lang="de-CH"/>
           </a:p>
@@ -9246,7 +9246,7 @@
           <a:p>
             <a:fld id="{A863A40B-7AB6-4686-914D-2DA365AD613B}" type="datetime1">
               <a:rPr lang="de-CH" smtClean="0"/>
-              <a:t>17.10.2022</a:t>
+              <a:t>20.10.2022</a:t>
             </a:fld>
             <a:endParaRPr lang="de-CH"/>
           </a:p>
@@ -9940,7 +9940,7 @@
           <a:p>
             <a:fld id="{7CD64DD4-5661-4C48-BECC-E11753962CD6}" type="datetime1">
               <a:rPr lang="de-CH" smtClean="0"/>
-              <a:t>17.10.2022</a:t>
+              <a:t>20.10.2022</a:t>
             </a:fld>
             <a:endParaRPr lang="de-CH"/>
           </a:p>
@@ -10509,7 +10509,7 @@
           <a:p>
             <a:fld id="{F330D1EC-0554-40AF-B4E0-5AAA868B91B3}" type="datetime1">
               <a:rPr lang="de-CH" smtClean="0"/>
-              <a:t>17.10.2022</a:t>
+              <a:t>20.10.2022</a:t>
             </a:fld>
             <a:endParaRPr lang="de-CH"/>
           </a:p>
@@ -11070,7 +11070,7 @@
           <a:p>
             <a:fld id="{05E4EF4D-FCF1-4A22-A98E-342774EE5279}" type="datetime1">
               <a:rPr lang="de-CH" smtClean="0"/>
-              <a:t>17.10.2022</a:t>
+              <a:t>20.10.2022</a:t>
             </a:fld>
             <a:endParaRPr lang="de-CH"/>
           </a:p>
@@ -11604,7 +11604,7 @@
           <a:p>
             <a:fld id="{3E1644BE-265C-4875-A62D-DECE5766704C}" type="datetime1">
               <a:rPr lang="de-CH" smtClean="0"/>
-              <a:t>17.10.2022</a:t>
+              <a:t>20.10.2022</a:t>
             </a:fld>
             <a:endParaRPr lang="de-CH"/>
           </a:p>
@@ -12603,7 +12603,7 @@
           <a:p>
             <a:fld id="{3C531DEE-7039-4DDE-B44B-885BEE83EB8D}" type="datetime1">
               <a:rPr lang="de-CH" smtClean="0"/>
-              <a:t>17.10.2022</a:t>
+              <a:t>20.10.2022</a:t>
             </a:fld>
             <a:endParaRPr lang="de-CH"/>
           </a:p>
@@ -12747,7 +12747,7 @@
           <a:p>
             <a:fld id="{673379A2-3F01-412E-A9F3-3938FBC44BEA}" type="datetime1">
               <a:rPr lang="de-CH" smtClean="0"/>
-              <a:t>17.10.2022</a:t>
+              <a:t>20.10.2022</a:t>
             </a:fld>
             <a:endParaRPr lang="de-CH"/>
           </a:p>
@@ -14101,7 +14101,7 @@
           <a:p>
             <a:fld id="{674AAF8B-7C50-429A-B675-ED803D9B63CE}" type="datetime1">
               <a:rPr lang="de-CH" smtClean="0"/>
-              <a:t>17.10.2022</a:t>
+              <a:t>20.10.2022</a:t>
             </a:fld>
             <a:endParaRPr lang="de-CH"/>
           </a:p>
@@ -15320,7 +15320,7 @@
           <a:p>
             <a:fld id="{55567B56-7C66-49F7-9006-8C19649F08FA}" type="datetime1">
               <a:rPr lang="de-CH" smtClean="0"/>
-              <a:t>17.10.2022</a:t>
+              <a:t>20.10.2022</a:t>
             </a:fld>
             <a:endParaRPr lang="de-CH"/>
           </a:p>
@@ -16053,7 +16053,7 @@
           <a:p>
             <a:fld id="{7FA2049C-2CBB-4FBB-97AD-7AAE45FC2912}" type="datetime1">
               <a:rPr lang="de-CH" smtClean="0"/>
-              <a:t>17.10.2022</a:t>
+              <a:t>20.10.2022</a:t>
             </a:fld>
             <a:endParaRPr lang="de-CH"/>
           </a:p>
@@ -17144,7 +17144,7 @@
           <a:p>
             <a:fld id="{E0DB3DAD-DD0E-4CC4-929D-703E06D39F9D}" type="datetime1">
               <a:rPr lang="de-CH" smtClean="0"/>
-              <a:t>17.10.2022</a:t>
+              <a:t>20.10.2022</a:t>
             </a:fld>
             <a:endParaRPr lang="de-CH"/>
           </a:p>
@@ -18181,7 +18181,7 @@
           <a:p>
             <a:fld id="{B39A1271-19FD-475A-B3B4-BA92018FD132}" type="datetime1">
               <a:rPr lang="de-CH" smtClean="0"/>
-              <a:t>17.10.2022</a:t>
+              <a:t>20.10.2022</a:t>
             </a:fld>
             <a:endParaRPr lang="de-CH"/>
           </a:p>
@@ -19236,7 +19236,7 @@
           <a:p>
             <a:fld id="{B585C50B-0B78-42FB-A51D-B419185071D4}" type="datetime1">
               <a:rPr lang="de-CH" smtClean="0"/>
-              <a:t>17.10.2022</a:t>
+              <a:t>20.10.2022</a:t>
             </a:fld>
             <a:endParaRPr lang="de-CH"/>
           </a:p>
@@ -20154,7 +20154,7 @@
           <a:p>
             <a:fld id="{0EDFE9A9-703F-4954-8606-0CA852E2E4C7}" type="datetime1">
               <a:rPr lang="de-CH" smtClean="0"/>
-              <a:t>17.10.2022</a:t>
+              <a:t>20.10.2022</a:t>
             </a:fld>
             <a:endParaRPr lang="de-CH"/>
           </a:p>
@@ -20873,7 +20873,7 @@
           <a:p>
             <a:fld id="{74C11F21-6096-4A64-B487-7ED934E37665}" type="datetime1">
               <a:rPr lang="de-CH" smtClean="0"/>
-              <a:t>17.10.2022</a:t>
+              <a:t>20.10.2022</a:t>
             </a:fld>
             <a:endParaRPr lang="de-CH"/>
           </a:p>
@@ -21602,7 +21602,7 @@
           <a:p>
             <a:fld id="{FC898A56-491B-49D0-9BEA-BA50BE717309}" type="datetime1">
               <a:rPr lang="de-CH" smtClean="0"/>
-              <a:t>17.10.2022</a:t>
+              <a:t>20.10.2022</a:t>
             </a:fld>
             <a:endParaRPr lang="de-CH"/>
           </a:p>
@@ -22336,7 +22336,7 @@
           <a:p>
             <a:fld id="{B4233E95-3011-4C51-8009-29BB7ED4FEA5}" type="datetime1">
               <a:rPr lang="de-CH" smtClean="0"/>
-              <a:t>17.10.2022</a:t>
+              <a:t>20.10.2022</a:t>
             </a:fld>
             <a:endParaRPr lang="de-CH"/>
           </a:p>
@@ -23165,7 +23165,7 @@
           <a:p>
             <a:fld id="{639778C9-6C7C-417F-A310-065DA76928D1}" type="datetime1">
               <a:rPr lang="de-CH" smtClean="0"/>
-              <a:t>17.10.2022</a:t>
+              <a:t>20.10.2022</a:t>
             </a:fld>
             <a:endParaRPr lang="de-CH"/>
           </a:p>
@@ -26145,7 +26145,7 @@
             <a:fld id="{F7589BDE-D275-48E5-9926-0260C2129B60}" type="datetime1">
               <a:rPr lang="de-CH" smtClean="0"/>
               <a:pPr/>
-              <a:t>17.10.2022</a:t>
+              <a:t>20.10.2022</a:t>
             </a:fld>
             <a:endParaRPr lang="de-CH"/>
           </a:p>
@@ -26583,7 +26583,7 @@
             <a:fld id="{23A38026-B889-4D2B-87ED-95514B502A91}" type="datetime1">
               <a:rPr lang="de-CH" smtClean="0"/>
               <a:pPr/>
-              <a:t>17.10.2022</a:t>
+              <a:t>20.10.2022</a:t>
             </a:fld>
             <a:endParaRPr lang="de-CH"/>
           </a:p>
@@ -26750,7 +26750,7 @@
           <a:p>
             <a:fld id="{74C11F21-6096-4A64-B487-7ED934E37665}" type="datetime1">
               <a:rPr lang="de-CH" smtClean="0"/>
-              <a:t>17.10.2022</a:t>
+              <a:t>20.10.2022</a:t>
             </a:fld>
             <a:endParaRPr lang="de-CH"/>
           </a:p>
@@ -27037,7 +27037,7 @@
           <a:p>
             <a:fld id="{74C11F21-6096-4A64-B487-7ED934E37665}" type="datetime1">
               <a:rPr lang="de-CH" smtClean="0"/>
-              <a:t>17.10.2022</a:t>
+              <a:t>20.10.2022</a:t>
             </a:fld>
             <a:endParaRPr lang="de-CH"/>
           </a:p>
@@ -27262,7 +27262,7 @@
           <a:p>
             <a:fld id="{74C11F21-6096-4A64-B487-7ED934E37665}" type="datetime1">
               <a:rPr lang="de-CH" smtClean="0"/>
-              <a:t>17.10.2022</a:t>
+              <a:t>20.10.2022</a:t>
             </a:fld>
             <a:endParaRPr lang="de-CH"/>
           </a:p>
@@ -27489,7 +27489,7 @@
           <a:p>
             <a:fld id="{74C11F21-6096-4A64-B487-7ED934E37665}" type="datetime1">
               <a:rPr lang="de-CH" smtClean="0"/>
-              <a:t>17.10.2022</a:t>
+              <a:t>20.10.2022</a:t>
             </a:fld>
             <a:endParaRPr lang="de-CH"/>
           </a:p>
@@ -27783,7 +27783,7 @@
           <a:p>
             <a:fld id="{74C11F21-6096-4A64-B487-7ED934E37665}" type="datetime1">
               <a:rPr lang="de-CH" smtClean="0"/>
-              <a:t>17.10.2022</a:t>
+              <a:t>20.10.2022</a:t>
             </a:fld>
             <a:endParaRPr lang="de-CH"/>
           </a:p>
@@ -27980,7 +27980,7 @@
           <a:p>
             <a:fld id="{74C11F21-6096-4A64-B487-7ED934E37665}" type="datetime1">
               <a:rPr lang="de-CH" smtClean="0"/>
-              <a:t>17.10.2022</a:t>
+              <a:t>20.10.2022</a:t>
             </a:fld>
             <a:endParaRPr lang="de-CH"/>
           </a:p>
@@ -28372,7 +28372,7 @@
           <a:p>
             <a:fld id="{74C11F21-6096-4A64-B487-7ED934E37665}" type="datetime1">
               <a:rPr lang="de-CH" smtClean="0"/>
-              <a:t>17.10.2022</a:t>
+              <a:t>20.10.2022</a:t>
             </a:fld>
             <a:endParaRPr lang="de-CH"/>
           </a:p>
@@ -28717,7 +28717,7 @@
           <a:p>
             <a:fld id="{74C11F21-6096-4A64-B487-7ED934E37665}" type="datetime1">
               <a:rPr lang="de-CH" smtClean="0"/>
-              <a:t>17.10.2022</a:t>
+              <a:t>20.10.2022</a:t>
             </a:fld>
             <a:endParaRPr lang="de-CH"/>
           </a:p>
@@ -28952,7 +28952,7 @@
           <a:p>
             <a:fld id="{74C11F21-6096-4A64-B487-7ED934E37665}" type="datetime1">
               <a:rPr lang="de-CH" smtClean="0"/>
-              <a:t>17.10.2022</a:t>
+              <a:t>20.10.2022</a:t>
             </a:fld>
             <a:endParaRPr lang="de-CH"/>
           </a:p>
@@ -30182,7 +30182,7 @@
           <a:p>
             <a:fld id="{74C11F21-6096-4A64-B487-7ED934E37665}" type="datetime1">
               <a:rPr lang="de-CH" smtClean="0"/>
-              <a:t>17.10.2022</a:t>
+              <a:t>20.10.2022</a:t>
             </a:fld>
             <a:endParaRPr lang="de-CH"/>
           </a:p>
@@ -31334,7 +31334,7 @@
           <a:p>
             <a:fld id="{B39A1271-19FD-475A-B3B4-BA92018FD132}" type="datetime1">
               <a:rPr lang="de-CH" smtClean="0"/>
-              <a:t>17.10.2022</a:t>
+              <a:t>20.10.2022</a:t>
             </a:fld>
             <a:endParaRPr lang="de-CH"/>
           </a:p>
@@ -31547,7 +31547,7 @@
             <a:fld id="{BA7EA141-437D-4A52-9D02-B8389417FCF0}" type="datetime1">
               <a:rPr lang="de-CH" smtClean="0"/>
               <a:pPr/>
-              <a:t>17.10.2022</a:t>
+              <a:t>20.10.2022</a:t>
             </a:fld>
             <a:endParaRPr lang="de-CH" dirty="0"/>
           </a:p>
@@ -31857,10 +31857,10 @@
       </p:pic>
       <p:pic>
         <p:nvPicPr>
-          <p:cNvPr id="1036" name="Picture 12" descr="Schwimmen Nahrungsergänzung kaufen | Sponser">
+          <p:cNvPr id="1026" name="Picture 2">
             <a:extLst>
               <a:ext uri="{FF2B5EF4-FFF2-40B4-BE49-F238E27FC236}">
-                <a16:creationId xmlns:a16="http://schemas.microsoft.com/office/drawing/2014/main" id="{588D16B6-7DDF-3A87-B894-FFA0DFA2A0EC}"/>
+                <a16:creationId xmlns:a16="http://schemas.microsoft.com/office/drawing/2014/main" id="{B459CF70-4B2F-7EEE-9BC5-6512C0A3506E}"/>
               </a:ext>
             </a:extLst>
           </p:cNvPr>
@@ -31884,8 +31884,8 @@
         </p:blipFill>
         <p:spPr bwMode="auto">
           <a:xfrm>
-            <a:off x="8400256" y="4437112"/>
-            <a:ext cx="2857500" cy="1600200"/>
+            <a:off x="7320136" y="5161587"/>
+            <a:ext cx="4439816" cy="740547"/>
           </a:xfrm>
           <a:prstGeom prst="rect">
             <a:avLst/>
@@ -32169,7 +32169,7 @@
           <a:p>
             <a:fld id="{E4038B7D-D3BD-4DFC-BDEC-30624E53CF02}" type="datetime1">
               <a:rPr lang="de-DE" smtClean="0"/>
-              <a:t>17.10.2022</a:t>
+              <a:t>20.10.2022</a:t>
             </a:fld>
             <a:endParaRPr lang="de-CH" dirty="0"/>
           </a:p>
@@ -41053,7 +41053,7 @@
           <a:p>
             <a:fld id="{74C11F21-6096-4A64-B487-7ED934E37665}" type="datetime1">
               <a:rPr lang="de-CH" smtClean="0"/>
-              <a:t>17.10.2022</a:t>
+              <a:t>20.10.2022</a:t>
             </a:fld>
             <a:endParaRPr lang="de-CH"/>
           </a:p>
@@ -41292,6 +41292,35 @@
             </a:r>
           </a:p>
           <a:p>
+            <a:pPr marL="285750" indent="-285750">
+              <a:buFont typeface="Arial" panose="020B0604020202020204" pitchFamily="34" charset="0"/>
+              <a:buChar char="•"/>
+            </a:pPr>
+            <a:endParaRPr lang="en-US" dirty="0"/>
+          </a:p>
+          <a:p>
+            <a:r>
+              <a:rPr lang="en-US" dirty="0"/>
+              <a:t>Pause </a:t>
+            </a:r>
+            <a:r>
+              <a:rPr lang="en-US" dirty="0" err="1"/>
+              <a:t>nach</a:t>
+            </a:r>
+            <a:r>
+              <a:rPr lang="en-US" dirty="0"/>
+              <a:t> ca. 90 </a:t>
+            </a:r>
+            <a:r>
+              <a:rPr lang="en-US" dirty="0" err="1"/>
+              <a:t>Minuten</a:t>
+            </a:r>
+            <a:r>
+              <a:rPr lang="en-US" dirty="0"/>
+              <a:t>?</a:t>
+            </a:r>
+          </a:p>
+          <a:p>
             <a:endParaRPr lang="en-CH" dirty="0"/>
           </a:p>
         </p:txBody>
@@ -41319,7 +41348,7 @@
           <a:p>
             <a:fld id="{74C11F21-6096-4A64-B487-7ED934E37665}" type="datetime1">
               <a:rPr lang="de-CH" smtClean="0"/>
-              <a:t>17.10.2022</a:t>
+              <a:t>20.10.2022</a:t>
             </a:fld>
             <a:endParaRPr lang="de-CH"/>
           </a:p>
@@ -41381,6 +41410,77 @@
               <a:t>6</a:t>
             </a:fld>
             <a:endParaRPr lang="de-CH" dirty="0"/>
+          </a:p>
+        </p:txBody>
+      </p:sp>
+      <p:pic>
+        <p:nvPicPr>
+          <p:cNvPr id="10" name="Picture 9" descr="Qr code&#10;&#10;Description automatically generated">
+            <a:extLst>
+              <a:ext uri="{FF2B5EF4-FFF2-40B4-BE49-F238E27FC236}">
+                <a16:creationId xmlns:a16="http://schemas.microsoft.com/office/drawing/2014/main" id="{6B5FB20A-ADF2-20F5-E67A-CCA916425AD8}"/>
+              </a:ext>
+            </a:extLst>
+          </p:cNvPr>
+          <p:cNvPicPr>
+            <a:picLocks noChangeAspect="1"/>
+          </p:cNvPicPr>
+          <p:nvPr/>
+        </p:nvPicPr>
+        <p:blipFill>
+          <a:blip r:embed="rId2">
+            <a:extLst>
+              <a:ext uri="{28A0092B-C50C-407E-A947-70E740481C1C}">
+                <a14:useLocalDpi xmlns:a14="http://schemas.microsoft.com/office/drawing/2010/main" val="0"/>
+              </a:ext>
+            </a:extLst>
+          </a:blip>
+          <a:stretch>
+            <a:fillRect/>
+          </a:stretch>
+        </p:blipFill>
+        <p:spPr>
+          <a:xfrm>
+            <a:off x="6456040" y="1628800"/>
+            <a:ext cx="3865612" cy="3865612"/>
+          </a:xfrm>
+          <a:prstGeom prst="rect">
+            <a:avLst/>
+          </a:prstGeom>
+        </p:spPr>
+      </p:pic>
+      <p:sp>
+        <p:nvSpPr>
+          <p:cNvPr id="12" name="TextBox 11">
+            <a:extLst>
+              <a:ext uri="{FF2B5EF4-FFF2-40B4-BE49-F238E27FC236}">
+                <a16:creationId xmlns:a16="http://schemas.microsoft.com/office/drawing/2014/main" id="{E700EBE3-510B-998E-D668-3C8B8FEF3360}"/>
+              </a:ext>
+            </a:extLst>
+          </p:cNvPr>
+          <p:cNvSpPr txBox="1"/>
+          <p:nvPr/>
+        </p:nvSpPr>
+        <p:spPr bwMode="gray">
+          <a:xfrm>
+            <a:off x="5663952" y="5386789"/>
+            <a:ext cx="6179670" cy="369332"/>
+          </a:xfrm>
+          <a:prstGeom prst="rect">
+            <a:avLst/>
+          </a:prstGeom>
+          <a:noFill/>
+        </p:spPr>
+        <p:txBody>
+          <a:bodyPr wrap="square">
+            <a:spAutoFit/>
+          </a:bodyPr>
+          <a:lstStyle/>
+          <a:p>
+            <a:r>
+              <a:rPr lang="de-CH" dirty="0"/>
+              <a:t>https://github.com/lizzyTheLizard/basel-one-spring-security</a:t>
+            </a:r>
           </a:p>
         </p:txBody>
       </p:sp>
@@ -41516,7 +41616,7 @@
           <a:p>
             <a:fld id="{74C11F21-6096-4A64-B487-7ED934E37665}" type="datetime1">
               <a:rPr lang="de-CH" smtClean="0"/>
-              <a:t>17.10.2022</a:t>
+              <a:t>20.10.2022</a:t>
             </a:fld>
             <a:endParaRPr lang="de-CH"/>
           </a:p>
@@ -41854,7 +41954,7 @@
           <a:p>
             <a:fld id="{74C11F21-6096-4A64-B487-7ED934E37665}" type="datetime1">
               <a:rPr lang="de-CH" smtClean="0"/>
-              <a:t>17.10.2022</a:t>
+              <a:t>20.10.2022</a:t>
             </a:fld>
             <a:endParaRPr lang="de-CH"/>
           </a:p>
@@ -42363,7 +42463,7 @@
           <a:p>
             <a:fld id="{74C11F21-6096-4A64-B487-7ED934E37665}" type="datetime1">
               <a:rPr lang="de-CH" smtClean="0"/>
-              <a:t>17.10.2022</a:t>
+              <a:t>20.10.2022</a:t>
             </a:fld>
             <a:endParaRPr lang="de-CH"/>
           </a:p>
@@ -43388,31 +43488,10 @@
 </file>
 
 <file path=customXml/item11.xml><?xml version="1.0" encoding="utf-8"?>
-<TemplafySlideTemplateConfiguration><![CDATA[{"slideVersion":1,"isValidatorEnabled":false,"isLocked":false,"elementsMetadata":[],"slideId":"637903650435356294","enableDocumentContentUpdater":false,"version":"2.0"}]]></TemplafySlideTemplateConfiguration>
+<TemplafySlideTemplateConfiguration><![CDATA[{"slideVersion":1,"isValidatorEnabled":false,"isLocked":false,"elementsMetadata":[],"slideId":"637940848047132023","enableDocumentContentUpdater":false,"version":"2.0"}]]></TemplafySlideTemplateConfiguration>
 </file>
 
 <file path=customXml/item2.xml><?xml version="1.0" encoding="utf-8"?>
-<TemplafySlideTemplateConfiguration><![CDATA[{"slideVersion":1,"isValidatorEnabled":false,"isLocked":false,"elementsMetadata":[],"slideId":"637940848047132023","enableDocumentContentUpdater":false,"version":"2.0"}]]></TemplafySlideTemplateConfiguration>
-</file>
-
-<file path=customXml/item3.xml><?xml version="1.0" encoding="utf-8"?>
-<TemplafyTemplateConfiguration><![CDATA[{"elementsMetadata":[{"elementConfiguration":{"disableUpdates":false,"type":"text"},"type":"shape","id":"cb2f802d-cea7-469e-a2fc-39ae069b23af"},{"elementConfiguration":{"binding":"{{FormatDateTime(Form.Date,Translate(\"Format_CustomD\",UserProfile.DocumentLanguage.Language.Language),UserProfile.DocumentLanguage.Language.Language)}}","disableUpdates":false,"type":"text"},"type":"shape","id":"d44f3bb7-4338-4f93-8724-c7ebc69a6007"},{"elementConfiguration":{"binding":"{{UserProfile.Name}}","disableUpdates":false,"type":"text"},"type":"shape","id":"01725e5b-17ba-46b5-a89d-9fe4bb16aabb"},{"elementConfiguration":{"binding":"{{Form.Title}}","disableUpdates":false,"type":"text"},"type":"shape","id":"62323ae5-3b13-4615-99bf-b8c2b064cd51"},{"elementConfiguration":{"binding":"{{FormatDateTime(Form.Date,Translate(\"Format_CustomB\",UserProfile.DocumentLanguage.Language.Language),UserProfile.DocumentLanguage.Language.Language)}}","disableUpdates":false,"type":"text"},"type":"shape","id":"b79a476b-bdba-46e9-975d-aa688c97a046"},{"elementConfiguration":{"visibility":"{{IfElse(Equals(Form.Privacy_Information.Name, \"Strictly Confidential\"), VisibilityType.Visible, VisibilityType.Hidden)}}","disableUpdates":false,"type":"text"},"type":"shape","id":"dacf1a03-4b1b-45a6-b06b-a2591e3a7f0c"},{"elementConfiguration":{"visibility":"{{IfElse(Equals(Form.Privacy_Information.Name, \"Restricted\"), VisibilityType.Visible, VisibilityType.Hidden)}}","disableUpdates":false,"type":"text"},"type":"shape","id":"66392279-7bec-4253-84f2-7f6807e6e476"},{"elementConfiguration":{"visibility":"{{IfElse(Equals(Form.Privacy_Information.Name, \"Confidential\"), VisibilityType.Visible, VisibilityType.Hidden)}}","disableUpdates":false,"type":"text"},"type":"shape","id":"985b3e8c-7f26-442c-bdad-59f5e4db69fa"},{"elementConfiguration":{"visibility":"{{IfElse(Equals(Form.Privacy_Information.Name, \"Public\"), VisibilityType.Visible, VisibilityType.Hidden)}}","disableUpdates":false,"type":"text"},"type":"shape","id":"38c58ec9-95e5-4f82-b602-f2ef3ac727c6"},{"elementConfiguration":{"binding":"{{Form.Title}}","disableUpdates":false,"type":"text"},"type":"shape","id":"20a3f25d-48a9-42ed-89fe-024e6b54a13a"},{"elementConfiguration":{"binding":"{{Form.Subline}}","disableUpdates":false,"type":"text"},"type":"shape","id":"f750e883-fd73-4206-ac08-8433fec602db"},{"elementConfiguration":{"visibility":"{{IfElse(Equals(Form.Privacy_Information.Name, \"Strictly Confidential\"), VisibilityType.Visible, VisibilityType.Hidden)}}","disableUpdates":false,"type":"text"},"type":"shape","id":"e92a9162-da88-47f4-9f93-f085db4b2687"},{"elementConfiguration":{"visibility":"{{IfElse(Equals(Form.Privacy_Information.Name, \"Restricted\"), VisibilityType.Visible, VisibilityType.Hidden)}}","disableUpdates":false,"type":"text"},"type":"shape","id":"19b2a432-05a1-4450-a2a1-f4e129c63252"},{"elementConfiguration":{"visibility":"{{IfElse(Equals(Form.Privacy_Information.Name, \"Confidential\"), VisibilityType.Visible, VisibilityType.Hidden)}}","disableUpdates":false,"type":"text"},"type":"shape","id":"72ef224f-6656-4ef4-82e4-431164b54f22"},{"elementConfiguration":{"visibility":"{{IfElse(Equals(Form.Privacy_Information.Name, \"Public\"), VisibilityType.Visible, VisibilityType.Hidden)}}","disableUpdates":false,"type":"text"},"type":"shape","id":"78e0f95e-193b-447f-ab51-58eec91216c7"},{"elementConfiguration":{"visibility":"{{IfElse(Equals(Form.Privacy_Information.Name, \"Strictly Confidential\"), VisibilityType.Visible, VisibilityType.Hidden)}}","disableUpdates":false,"type":"text"},"type":"shape","id":"740ec0ba-a5b9-46eb-acb4-95fbc9f170e1"},{"elementConfiguration":{"visibility":"{{IfElse(Equals(Form.Privacy_Information.Name, \"Restricted\"), VisibilityType.Visible, VisibilityType.Hidden)}}","disableUpdates":false,"type":"text"},"type":"shape","id":"4195a84f-82dc-44e5-bd43-2e053bb2d2ab"},{"elementConfiguration":{"visibility":"{{IfElse(Equals(Form.Privacy_Information.Name, \"Confidential\"), VisibilityType.Visible, VisibilityType.Hidden)}}","disableUpdates":false,"type":"text"},"type":"shape","id":"99e837f9-06c3-411d-a4e6-b9142eca53d2"},{"elementConfiguration":{"visibility":"{{IfElse(Equals(Form.Privacy_Information.Name, \"Public\"), VisibilityType.Visible, VisibilityType.Hidden)}}","disableUpdates":false,"type":"text"},"type":"shape","id":"e811716a-55ae-4ecb-9d2d-90a7ab919265"},{"elementConfiguration":{"disableUpdates":false,"type":"text"},"type":"shape","id":"72d86f09-5db9-4b8b-8928-fa47adac94ce"},{"elementConfiguration":{"binding":"{{FormatDateTime(Form.Date,Translate(\"Format_CustomD\",UserProfile.DocumentLanguage.Language.Language),UserProfile.DocumentLanguage.Language.Language)}}","disableUpdates":false,"type":"text"},"type":"shape","id":"74350099-ec20-468c-a31f-9ff6918b4ada"},{"elementConfiguration":{"binding":"{{Form.Title}}","disableUpdates":false,"type":"text"},"type":"shape","id":"dad55900-d583-4ad8-8ab2-c052870ff0ac"},{"elementConfiguration":{"binding":"{{FormatDateTime(Form.Date,Translate(\"Format_CustomB\",UserProfile.DocumentLanguage.Language.Language),UserProfile.DocumentLanguage.Language.Language)}}","disableUpdates":false,"type":"text"},"type":"shape","id":"bfefba76-ae15-4813-867b-c4fde1787074"},{"elementConfiguration":{"binding":"{{UserProfile.Name}}","disableUpdates":false,"type":"text"},"type":"shape","id":"26f49a33-1e38-408a-9e18-3087c0198a89"},{"elementConfiguration":{"disableUpdates":false,"type":"text"},"type":"shape","id":"1f9a3f8a-637d-444f-80ca-883b7bb51641"},{"elementConfiguration":{"disableUpdates":false,"type":"text"},"type":"shape","id":"91b16e27-bf65-4be8-8851-0c581e2c9253"},{"elementConfiguration":{"binding":"{{FormatDateTime(Form.Date,Translate(\"Format_CustomD\",UserProfile.DocumentLanguage.Language.Language),UserProfile.DocumentLanguage.Language.Language)}}","disableUpdates":false,"type":"text"},"type":"shape","id":"137d11e6-7151-4986-a2e9-18f984bd4ece"},{"elementConfiguration":{"disableUpdates":false,"type":"text"},"type":"shape","id":"a6c35849-69a2-4f9e-83ce-ebf83731e19e"},{"elementConfiguration":{"binding":"{{FormatDateTime(Form.Date,Translate(\"Format_CustomD\",UserProfile.DocumentLanguage.Language.Language),UserProfile.DocumentLanguage.Language.Language)}}","disableUpdates":false,"type":"text"},"type":"shape","id":"ca54c70a-5924-498e-91cb-618706535af8"},{"elementConfiguration":{"binding":"{{Form.Title}}","disableUpdates":false,"type":"text"},"type":"shape","id":"7d324ffc-2a10-45be-8897-71278dc4b98e"},{"elementConfiguration":{"binding":"{{FormatDateTime(Form.Date,Translate(\"Format_CustomB\",UserProfile.DocumentLanguage.Language.Language),UserProfile.DocumentLanguage.Language.Language)}}","disableUpdates":false,"type":"text"},"type":"shape","id":"db3fe9e5-0e31-4e1d-bb2e-c5feebff687e"},{"elementConfiguration":{"binding":"{{Form.Title}}","disableUpdates":false,"type":"text"},"type":"shape","id":"ae16680a-ad3f-4857-865f-5de7cc8dd42d"},{"elementConfiguration":{"binding":"{{Form.Subline}}","disableUpdates":false,"type":"text"},"type":"shape","id":"cd98cee6-33a4-4fc1-b060-b970f1112162"},{"elementConfiguration":{"visibility":"{{IfElse(Equals(Form.Privacy_Information.Name, \"Strictly Confidential\"), VisibilityType.Visible, VisibilityType.Hidden)}}","disableUpdates":false,"type":"text"},"type":"shape","id":"921a2e29-f455-45c3-9751-739cff5665e0"},{"elementConfiguration":{"visibility":"{{IfElse(Equals(Form.Privacy_Information.Name, \"Restricted\"), VisibilityType.Visible, VisibilityType.Hidden)}}","disableUpdates":false,"type":"text"},"type":"shape","id":"5d541a6a-4580-4799-83b8-1927bd12f7ea"},{"elementConfiguration":{"visibility":"{{IfElse(Equals(Form.Privacy_Information.Name, \"Confidential\"), VisibilityType.Visible, VisibilityType.Hidden)}}","disableUpdates":false,"type":"text"},"type":"shape","id":"555c1a49-cc4b-41da-ba36-17d890dd41c2"},{"elementConfiguration":{"visibility":"{{IfElse(Equals(Form.Privacy_Information.Name, \"Public\"), VisibilityType.Visible, VisibilityType.Hidden)}}","disableUpdates":false,"type":"text"},"type":"shape","id":"889786bc-a2fb-4fb2-88db-09b4d2355793"},{"elementConfiguration":{"disableUpdates":false,"type":"text"},"type":"shape","id":"837e29f0-88fd-4cb5-a614-4a21a69fb6bc"},{"elementConfiguration":{"binding":"{{FormatDateTime(Form.Date,Translate(\"Format_CustomD\",UserProfile.DocumentLanguage.Language.Language),UserProfile.DocumentLanguage.Language.Language)}}","disableUpdates":false,"type":"text"},"type":"shape","id":"4122f672-6db7-4391-acbf-6dc59ff586ff"},{"elementConfiguration":{"binding":"{{Form.Title}}","disableUpdates":false,"type":"text"},"type":"shape","id":"d39782ff-f4f6-4330-8a1c-f0a8ba4d0686"},{"elementConfiguration":{"binding":"{{FormatDateTime(Form.Date,Translate(\"Format_CustomB\",UserProfile.DocumentLanguage.Language.Language),UserProfile.DocumentLanguage.Language.Language)}}","disableUpdates":false,"type":"text"},"type":"shape","id":"6c633351-97b7-48ed-8fd7-6d324b4360f1"},{"elementConfiguration":{"visibility":"{{IfElse(Equals(Form.Privacy_Information.Name, \"Strictly Confidential\"), VisibilityType.Visible, VisibilityType.Hidden)}}","disableUpdates":false,"type":"text"},"type":"shape","id":"91d3a083-11c5-4ffe-aafd-d5ee5208d544"},{"elementConfiguration":{"visibility":"{{IfElse(Equals(Form.Privacy_Information.Name, \"Restricted\"), VisibilityType.Visible, VisibilityType.Hidden)}}","disableUpdates":false,"type":"text"},"type":"shape","id":"2b290c73-132d-4077-ba57-679554632817"},{"elementConfiguration":{"visibility":"{{IfElse(Equals(Form.Privacy_Information.Name, \"Confidential\"), VisibilityType.Visible, VisibilityType.Hidden)}}","disableUpdates":false,"type":"text"},"type":"shape","id":"3973319f-14a6-452f-9170-652eec3eadd5"},{"elementConfiguration":{"visibility":"{{IfElse(Equals(Form.Privacy_Information.Name, \"Public\"), VisibilityType.Visible, VisibilityType.Hidden)}}","disableUpdates":false,"type":"text"},"type":"shape","id":"4befcc4b-89e1-4f75-ad8f-1bc2963e6339"}],"transformationConfigurations":[{"language":"{{UserProfile.DocumentLanguage.Language.Language}}","disableUpdates":false,"type":"proofingLanguage"}],"templateName":"zuehlke_blank","templateDescription":"","enableDocumentContentUpdater":true,"version":"2.0"}]]></TemplafyTemplateConfiguration>
-</file>
-
-<file path=customXml/item4.xml><?xml version="1.0" encoding="utf-8"?>
-<TemplafySlideFormConfiguration><![CDATA[{"formFields":[],"formDataEntries":[]}]]></TemplafySlideFormConfiguration>
-</file>
-
-<file path=customXml/item5.xml><?xml version="1.0" encoding="utf-8"?>
-<?mso-contentType ?>
-<FormTemplates xmlns="http://schemas.microsoft.com/sharepoint/v3/contenttype/forms">
-  <Display>DocumentLibraryForm</Display>
-  <Edit>DocumentLibraryForm</Edit>
-  <New>DocumentLibraryForm</New>
-</FormTemplates>
-</file>
-
-<file path=customXml/item6.xml><?xml version="1.0" encoding="utf-8"?>
 <p:properties xmlns:p="http://schemas.microsoft.com/office/2006/metadata/properties" xmlns:xsi="http://www.w3.org/2001/XMLSchema-instance" xmlns:pc="http://schemas.microsoft.com/office/infopath/2007/PartnerControls">
   <documentManagement>
     <_ip_UnifiedCompliancePolicyUIAction xmlns="http://schemas.microsoft.com/sharepoint/v3" xsi:nil="true"/>
@@ -43425,15 +43504,28 @@
 </p:properties>
 </file>
 
-<file path=customXml/item7.xml><?xml version="1.0" encoding="utf-8"?>
+<file path=customXml/item3.xml><?xml version="1.0" encoding="utf-8"?>
+<TemplafySlideTemplateConfiguration><![CDATA[{"slideVersion":1,"isValidatorEnabled":false,"isLocked":false,"elementsMetadata":[],"slideId":"637903650435356294","enableDocumentContentUpdater":false,"version":"2.0"}]]></TemplafySlideTemplateConfiguration>
+</file>
+
+<file path=customXml/item4.xml><?xml version="1.0" encoding="utf-8"?>
+<?mso-contentType ?>
+<FormTemplates xmlns="http://schemas.microsoft.com/sharepoint/v3/contenttype/forms">
+  <Display>DocumentLibraryForm</Display>
+  <Edit>DocumentLibraryForm</Edit>
+  <New>DocumentLibraryForm</New>
+</FormTemplates>
+</file>
+
+<file path=customXml/item5.xml><?xml version="1.0" encoding="utf-8"?>
 <TemplafySlideFormConfiguration><![CDATA[{"formFields":[],"formDataEntries":[]}]]></TemplafySlideFormConfiguration>
 </file>
 
-<file path=customXml/item8.xml><?xml version="1.0" encoding="utf-8"?>
-<TemplafySlideTemplateConfiguration><![CDATA[{"slideVersion":1,"isValidatorEnabled":false,"isLocked":false,"elementsMetadata":[],"slideId":"637940848047151033","enableDocumentContentUpdater":false,"version":"2.0"}]]></TemplafySlideTemplateConfiguration>
+<file path=customXml/item6.xml><?xml version="1.0" encoding="utf-8"?>
+<TemplafySlideFormConfiguration><![CDATA[{"formFields":[],"formDataEntries":[]}]]></TemplafySlideFormConfiguration>
 </file>
 
-<file path=customXml/item9.xml><?xml version="1.0" encoding="utf-8"?>
+<file path=customXml/item7.xml><?xml version="1.0" encoding="utf-8"?>
 <ct:contentTypeSchema xmlns:ct="http://schemas.microsoft.com/office/2006/metadata/contentType" xmlns:ma="http://schemas.microsoft.com/office/2006/metadata/properties/metaAttributes" ct:_="" ma:_="" ma:contentTypeName="Document" ma:contentTypeID="0x0101009C3CCF29AC71D4428C978BA42A6A441C" ma:contentTypeVersion="34" ma:contentTypeDescription="Een nieuw document maken." ma:contentTypeScope="" ma:versionID="7d158b9b3fd3ec60989cb2b3e32d5771">
   <xsd:schema xmlns:xsd="http://www.w3.org/2001/XMLSchema" xmlns:xs="http://www.w3.org/2001/XMLSchema" xmlns:p="http://schemas.microsoft.com/office/2006/metadata/properties" xmlns:ns1="http://schemas.microsoft.com/sharepoint/v3" xmlns:ns2="aacb7df8-672f-46f2-977f-893ce5cef86b" xmlns:ns3="22a3f1e7-1ad8-4567-967d-700183da1d1b" targetNamespace="http://schemas.microsoft.com/office/2006/metadata/properties" ma:root="true" ma:fieldsID="b2ea9b1e2fb62c990773d12b5caa2323" ns1:_="" ns2:_="" ns3:_="">
     <xsd:import namespace="http://schemas.microsoft.com/sharepoint/v3"/>
@@ -43693,6 +43785,14 @@
 </ct:contentTypeSchema>
 </file>
 
+<file path=customXml/item8.xml><?xml version="1.0" encoding="utf-8"?>
+<TemplafySlideTemplateConfiguration><![CDATA[{"slideVersion":1,"isValidatorEnabled":false,"isLocked":false,"elementsMetadata":[],"slideId":"637940848047151033","enableDocumentContentUpdater":false,"version":"2.0"}]]></TemplafySlideTemplateConfiguration>
+</file>
+
+<file path=customXml/item9.xml><?xml version="1.0" encoding="utf-8"?>
+<TemplafyTemplateConfiguration><![CDATA[{"elementsMetadata":[{"elementConfiguration":{"disableUpdates":false,"type":"text"},"type":"shape","id":"cb2f802d-cea7-469e-a2fc-39ae069b23af"},{"elementConfiguration":{"binding":"{{FormatDateTime(Form.Date,Translate(\"Format_CustomD\",UserProfile.DocumentLanguage.Language.Language),UserProfile.DocumentLanguage.Language.Language)}}","disableUpdates":false,"type":"text"},"type":"shape","id":"d44f3bb7-4338-4f93-8724-c7ebc69a6007"},{"elementConfiguration":{"binding":"{{UserProfile.Name}}","disableUpdates":false,"type":"text"},"type":"shape","id":"01725e5b-17ba-46b5-a89d-9fe4bb16aabb"},{"elementConfiguration":{"binding":"{{Form.Title}}","disableUpdates":false,"type":"text"},"type":"shape","id":"62323ae5-3b13-4615-99bf-b8c2b064cd51"},{"elementConfiguration":{"binding":"{{FormatDateTime(Form.Date,Translate(\"Format_CustomB\",UserProfile.DocumentLanguage.Language.Language),UserProfile.DocumentLanguage.Language.Language)}}","disableUpdates":false,"type":"text"},"type":"shape","id":"b79a476b-bdba-46e9-975d-aa688c97a046"},{"elementConfiguration":{"visibility":"{{IfElse(Equals(Form.Privacy_Information.Name, \"Strictly Confidential\"), VisibilityType.Visible, VisibilityType.Hidden)}}","disableUpdates":false,"type":"text"},"type":"shape","id":"dacf1a03-4b1b-45a6-b06b-a2591e3a7f0c"},{"elementConfiguration":{"visibility":"{{IfElse(Equals(Form.Privacy_Information.Name, \"Restricted\"), VisibilityType.Visible, VisibilityType.Hidden)}}","disableUpdates":false,"type":"text"},"type":"shape","id":"66392279-7bec-4253-84f2-7f6807e6e476"},{"elementConfiguration":{"visibility":"{{IfElse(Equals(Form.Privacy_Information.Name, \"Confidential\"), VisibilityType.Visible, VisibilityType.Hidden)}}","disableUpdates":false,"type":"text"},"type":"shape","id":"985b3e8c-7f26-442c-bdad-59f5e4db69fa"},{"elementConfiguration":{"visibility":"{{IfElse(Equals(Form.Privacy_Information.Name, \"Public\"), VisibilityType.Visible, VisibilityType.Hidden)}}","disableUpdates":false,"type":"text"},"type":"shape","id":"38c58ec9-95e5-4f82-b602-f2ef3ac727c6"},{"elementConfiguration":{"binding":"{{Form.Title}}","disableUpdates":false,"type":"text"},"type":"shape","id":"20a3f25d-48a9-42ed-89fe-024e6b54a13a"},{"elementConfiguration":{"binding":"{{Form.Subline}}","disableUpdates":false,"type":"text"},"type":"shape","id":"f750e883-fd73-4206-ac08-8433fec602db"},{"elementConfiguration":{"visibility":"{{IfElse(Equals(Form.Privacy_Information.Name, \"Strictly Confidential\"), VisibilityType.Visible, VisibilityType.Hidden)}}","disableUpdates":false,"type":"text"},"type":"shape","id":"e92a9162-da88-47f4-9f93-f085db4b2687"},{"elementConfiguration":{"visibility":"{{IfElse(Equals(Form.Privacy_Information.Name, \"Restricted\"), VisibilityType.Visible, VisibilityType.Hidden)}}","disableUpdates":false,"type":"text"},"type":"shape","id":"19b2a432-05a1-4450-a2a1-f4e129c63252"},{"elementConfiguration":{"visibility":"{{IfElse(Equals(Form.Privacy_Information.Name, \"Confidential\"), VisibilityType.Visible, VisibilityType.Hidden)}}","disableUpdates":false,"type":"text"},"type":"shape","id":"72ef224f-6656-4ef4-82e4-431164b54f22"},{"elementConfiguration":{"visibility":"{{IfElse(Equals(Form.Privacy_Information.Name, \"Public\"), VisibilityType.Visible, VisibilityType.Hidden)}}","disableUpdates":false,"type":"text"},"type":"shape","id":"78e0f95e-193b-447f-ab51-58eec91216c7"},{"elementConfiguration":{"visibility":"{{IfElse(Equals(Form.Privacy_Information.Name, \"Strictly Confidential\"), VisibilityType.Visible, VisibilityType.Hidden)}}","disableUpdates":false,"type":"text"},"type":"shape","id":"740ec0ba-a5b9-46eb-acb4-95fbc9f170e1"},{"elementConfiguration":{"visibility":"{{IfElse(Equals(Form.Privacy_Information.Name, \"Restricted\"), VisibilityType.Visible, VisibilityType.Hidden)}}","disableUpdates":false,"type":"text"},"type":"shape","id":"4195a84f-82dc-44e5-bd43-2e053bb2d2ab"},{"elementConfiguration":{"visibility":"{{IfElse(Equals(Form.Privacy_Information.Name, \"Confidential\"), VisibilityType.Visible, VisibilityType.Hidden)}}","disableUpdates":false,"type":"text"},"type":"shape","id":"99e837f9-06c3-411d-a4e6-b9142eca53d2"},{"elementConfiguration":{"visibility":"{{IfElse(Equals(Form.Privacy_Information.Name, \"Public\"), VisibilityType.Visible, VisibilityType.Hidden)}}","disableUpdates":false,"type":"text"},"type":"shape","id":"e811716a-55ae-4ecb-9d2d-90a7ab919265"},{"elementConfiguration":{"disableUpdates":false,"type":"text"},"type":"shape","id":"72d86f09-5db9-4b8b-8928-fa47adac94ce"},{"elementConfiguration":{"binding":"{{FormatDateTime(Form.Date,Translate(\"Format_CustomD\",UserProfile.DocumentLanguage.Language.Language),UserProfile.DocumentLanguage.Language.Language)}}","disableUpdates":false,"type":"text"},"type":"shape","id":"74350099-ec20-468c-a31f-9ff6918b4ada"},{"elementConfiguration":{"binding":"{{Form.Title}}","disableUpdates":false,"type":"text"},"type":"shape","id":"dad55900-d583-4ad8-8ab2-c052870ff0ac"},{"elementConfiguration":{"binding":"{{FormatDateTime(Form.Date,Translate(\"Format_CustomB\",UserProfile.DocumentLanguage.Language.Language),UserProfile.DocumentLanguage.Language.Language)}}","disableUpdates":false,"type":"text"},"type":"shape","id":"bfefba76-ae15-4813-867b-c4fde1787074"},{"elementConfiguration":{"binding":"{{UserProfile.Name}}","disableUpdates":false,"type":"text"},"type":"shape","id":"26f49a33-1e38-408a-9e18-3087c0198a89"},{"elementConfiguration":{"disableUpdates":false,"type":"text"},"type":"shape","id":"1f9a3f8a-637d-444f-80ca-883b7bb51641"},{"elementConfiguration":{"disableUpdates":false,"type":"text"},"type":"shape","id":"91b16e27-bf65-4be8-8851-0c581e2c9253"},{"elementConfiguration":{"binding":"{{FormatDateTime(Form.Date,Translate(\"Format_CustomD\",UserProfile.DocumentLanguage.Language.Language),UserProfile.DocumentLanguage.Language.Language)}}","disableUpdates":false,"type":"text"},"type":"shape","id":"137d11e6-7151-4986-a2e9-18f984bd4ece"},{"elementConfiguration":{"disableUpdates":false,"type":"text"},"type":"shape","id":"a6c35849-69a2-4f9e-83ce-ebf83731e19e"},{"elementConfiguration":{"binding":"{{FormatDateTime(Form.Date,Translate(\"Format_CustomD\",UserProfile.DocumentLanguage.Language.Language),UserProfile.DocumentLanguage.Language.Language)}}","disableUpdates":false,"type":"text"},"type":"shape","id":"ca54c70a-5924-498e-91cb-618706535af8"},{"elementConfiguration":{"binding":"{{Form.Title}}","disableUpdates":false,"type":"text"},"type":"shape","id":"7d324ffc-2a10-45be-8897-71278dc4b98e"},{"elementConfiguration":{"binding":"{{FormatDateTime(Form.Date,Translate(\"Format_CustomB\",UserProfile.DocumentLanguage.Language.Language),UserProfile.DocumentLanguage.Language.Language)}}","disableUpdates":false,"type":"text"},"type":"shape","id":"db3fe9e5-0e31-4e1d-bb2e-c5feebff687e"},{"elementConfiguration":{"binding":"{{Form.Title}}","disableUpdates":false,"type":"text"},"type":"shape","id":"ae16680a-ad3f-4857-865f-5de7cc8dd42d"},{"elementConfiguration":{"binding":"{{Form.Subline}}","disableUpdates":false,"type":"text"},"type":"shape","id":"cd98cee6-33a4-4fc1-b060-b970f1112162"},{"elementConfiguration":{"visibility":"{{IfElse(Equals(Form.Privacy_Information.Name, \"Strictly Confidential\"), VisibilityType.Visible, VisibilityType.Hidden)}}","disableUpdates":false,"type":"text"},"type":"shape","id":"921a2e29-f455-45c3-9751-739cff5665e0"},{"elementConfiguration":{"visibility":"{{IfElse(Equals(Form.Privacy_Information.Name, \"Restricted\"), VisibilityType.Visible, VisibilityType.Hidden)}}","disableUpdates":false,"type":"text"},"type":"shape","id":"5d541a6a-4580-4799-83b8-1927bd12f7ea"},{"elementConfiguration":{"visibility":"{{IfElse(Equals(Form.Privacy_Information.Name, \"Confidential\"), VisibilityType.Visible, VisibilityType.Hidden)}}","disableUpdates":false,"type":"text"},"type":"shape","id":"555c1a49-cc4b-41da-ba36-17d890dd41c2"},{"elementConfiguration":{"visibility":"{{IfElse(Equals(Form.Privacy_Information.Name, \"Public\"), VisibilityType.Visible, VisibilityType.Hidden)}}","disableUpdates":false,"type":"text"},"type":"shape","id":"889786bc-a2fb-4fb2-88db-09b4d2355793"},{"elementConfiguration":{"disableUpdates":false,"type":"text"},"type":"shape","id":"837e29f0-88fd-4cb5-a614-4a21a69fb6bc"},{"elementConfiguration":{"binding":"{{FormatDateTime(Form.Date,Translate(\"Format_CustomD\",UserProfile.DocumentLanguage.Language.Language),UserProfile.DocumentLanguage.Language.Language)}}","disableUpdates":false,"type":"text"},"type":"shape","id":"4122f672-6db7-4391-acbf-6dc59ff586ff"},{"elementConfiguration":{"binding":"{{Form.Title}}","disableUpdates":false,"type":"text"},"type":"shape","id":"d39782ff-f4f6-4330-8a1c-f0a8ba4d0686"},{"elementConfiguration":{"binding":"{{FormatDateTime(Form.Date,Translate(\"Format_CustomB\",UserProfile.DocumentLanguage.Language.Language),UserProfile.DocumentLanguage.Language.Language)}}","disableUpdates":false,"type":"text"},"type":"shape","id":"6c633351-97b7-48ed-8fd7-6d324b4360f1"},{"elementConfiguration":{"visibility":"{{IfElse(Equals(Form.Privacy_Information.Name, \"Strictly Confidential\"), VisibilityType.Visible, VisibilityType.Hidden)}}","disableUpdates":false,"type":"text"},"type":"shape","id":"91d3a083-11c5-4ffe-aafd-d5ee5208d544"},{"elementConfiguration":{"visibility":"{{IfElse(Equals(Form.Privacy_Information.Name, \"Restricted\"), VisibilityType.Visible, VisibilityType.Hidden)}}","disableUpdates":false,"type":"text"},"type":"shape","id":"2b290c73-132d-4077-ba57-679554632817"},{"elementConfiguration":{"visibility":"{{IfElse(Equals(Form.Privacy_Information.Name, \"Confidential\"), VisibilityType.Visible, VisibilityType.Hidden)}}","disableUpdates":false,"type":"text"},"type":"shape","id":"3973319f-14a6-452f-9170-652eec3eadd5"},{"elementConfiguration":{"visibility":"{{IfElse(Equals(Form.Privacy_Information.Name, \"Public\"), VisibilityType.Visible, VisibilityType.Hidden)}}","disableUpdates":false,"type":"text"},"type":"shape","id":"4befcc4b-89e1-4f75-ad8f-1bc2963e6339"}],"transformationConfigurations":[{"language":"{{UserProfile.DocumentLanguage.Language.Language}}","disableUpdates":false,"type":"proofingLanguage"}],"templateName":"zuehlke_blank","templateDescription":"","enableDocumentContentUpdater":true,"version":"2.0"}]]></TemplafyTemplateConfiguration>
+</file>
+
 <file path=customXml/itemProps1.xml><?xml version="1.0" encoding="utf-8"?>
 <ds:datastoreItem xmlns:ds="http://schemas.openxmlformats.org/officeDocument/2006/customXml" ds:itemID="{A0CB3283-4520-48D0-9091-1EFB3339413D}">
   <ds:schemaRefs/>
@@ -43700,44 +43800,18 @@
 </file>
 
 <file path=customXml/itemProps10.xml><?xml version="1.0" encoding="utf-8"?>
-<ds:datastoreItem xmlns:ds="http://schemas.openxmlformats.org/officeDocument/2006/customXml" ds:itemID="{017A12E0-983F-4DAE-82EE-741B16DB8A80}">
+<ds:datastoreItem xmlns:ds="http://schemas.openxmlformats.org/officeDocument/2006/customXml" ds:itemID="{BC21ECD9-2739-4EB4-9B40-F09BDC026420}">
   <ds:schemaRefs/>
 </ds:datastoreItem>
 </file>
 
 <file path=customXml/itemProps11.xml><?xml version="1.0" encoding="utf-8"?>
-<ds:datastoreItem xmlns:ds="http://schemas.openxmlformats.org/officeDocument/2006/customXml" ds:itemID="{EDF8D6CC-1994-43D5-BBB0-4ED9370E50DB}">
+<ds:datastoreItem xmlns:ds="http://schemas.openxmlformats.org/officeDocument/2006/customXml" ds:itemID="{B1DD9B5E-AC32-464D-B1F4-82A602101B6C}">
   <ds:schemaRefs/>
 </ds:datastoreItem>
 </file>
 
 <file path=customXml/itemProps2.xml><?xml version="1.0" encoding="utf-8"?>
-<ds:datastoreItem xmlns:ds="http://schemas.openxmlformats.org/officeDocument/2006/customXml" ds:itemID="{B1DD9B5E-AC32-464D-B1F4-82A602101B6C}">
-  <ds:schemaRefs/>
-</ds:datastoreItem>
-</file>
-
-<file path=customXml/itemProps3.xml><?xml version="1.0" encoding="utf-8"?>
-<ds:datastoreItem xmlns:ds="http://schemas.openxmlformats.org/officeDocument/2006/customXml" ds:itemID="{28C85CB8-C4E2-42B6-9E95-8E3EDB1A7CC4}">
-  <ds:schemaRefs/>
-</ds:datastoreItem>
-</file>
-
-<file path=customXml/itemProps4.xml><?xml version="1.0" encoding="utf-8"?>
-<ds:datastoreItem xmlns:ds="http://schemas.openxmlformats.org/officeDocument/2006/customXml" ds:itemID="{9FB1AEE5-DC0D-4156-8EEE-9B4B73CE1536}">
-  <ds:schemaRefs/>
-</ds:datastoreItem>
-</file>
-
-<file path=customXml/itemProps5.xml><?xml version="1.0" encoding="utf-8"?>
-<ds:datastoreItem xmlns:ds="http://schemas.openxmlformats.org/officeDocument/2006/customXml" ds:itemID="{D76696FF-6F99-4BF8-BD28-5EEAF2578D78}">
-  <ds:schemaRefs>
-    <ds:schemaRef ds:uri="http://schemas.microsoft.com/sharepoint/v3/contenttype/forms"/>
-  </ds:schemaRefs>
-</ds:datastoreItem>
-</file>
-
-<file path=customXml/itemProps6.xml><?xml version="1.0" encoding="utf-8"?>
 <ds:datastoreItem xmlns:ds="http://schemas.openxmlformats.org/officeDocument/2006/customXml" ds:itemID="{D19BEC73-69CB-414A-A7BE-653B795EEE32}">
   <ds:schemaRefs>
     <ds:schemaRef ds:uri="http://schemas.microsoft.com/office/2006/metadata/properties"/>
@@ -43749,19 +43823,33 @@
 </ds:datastoreItem>
 </file>
 
-<file path=customXml/itemProps7.xml><?xml version="1.0" encoding="utf-8"?>
-<ds:datastoreItem xmlns:ds="http://schemas.openxmlformats.org/officeDocument/2006/customXml" ds:itemID="{BC21ECD9-2739-4EB4-9B40-F09BDC026420}">
+<file path=customXml/itemProps3.xml><?xml version="1.0" encoding="utf-8"?>
+<ds:datastoreItem xmlns:ds="http://schemas.openxmlformats.org/officeDocument/2006/customXml" ds:itemID="{EDF8D6CC-1994-43D5-BBB0-4ED9370E50DB}">
   <ds:schemaRefs/>
 </ds:datastoreItem>
 </file>
 
-<file path=customXml/itemProps8.xml><?xml version="1.0" encoding="utf-8"?>
-<ds:datastoreItem xmlns:ds="http://schemas.openxmlformats.org/officeDocument/2006/customXml" ds:itemID="{5822B366-D741-4E0F-86C5-011A7765F96B}">
+<file path=customXml/itemProps4.xml><?xml version="1.0" encoding="utf-8"?>
+<ds:datastoreItem xmlns:ds="http://schemas.openxmlformats.org/officeDocument/2006/customXml" ds:itemID="{D76696FF-6F99-4BF8-BD28-5EEAF2578D78}">
+  <ds:schemaRefs>
+    <ds:schemaRef ds:uri="http://schemas.microsoft.com/sharepoint/v3/contenttype/forms"/>
+  </ds:schemaRefs>
+</ds:datastoreItem>
+</file>
+
+<file path=customXml/itemProps5.xml><?xml version="1.0" encoding="utf-8"?>
+<ds:datastoreItem xmlns:ds="http://schemas.openxmlformats.org/officeDocument/2006/customXml" ds:itemID="{017A12E0-983F-4DAE-82EE-741B16DB8A80}">
   <ds:schemaRefs/>
 </ds:datastoreItem>
 </file>
 
-<file path=customXml/itemProps9.xml><?xml version="1.0" encoding="utf-8"?>
+<file path=customXml/itemProps6.xml><?xml version="1.0" encoding="utf-8"?>
+<ds:datastoreItem xmlns:ds="http://schemas.openxmlformats.org/officeDocument/2006/customXml" ds:itemID="{9FB1AEE5-DC0D-4156-8EEE-9B4B73CE1536}">
+  <ds:schemaRefs/>
+</ds:datastoreItem>
+</file>
+
+<file path=customXml/itemProps7.xml><?xml version="1.0" encoding="utf-8"?>
 <ds:datastoreItem xmlns:ds="http://schemas.openxmlformats.org/officeDocument/2006/customXml" ds:itemID="{D248F8DB-9E28-4225-8775-E011E29A2C0E}">
   <ds:schemaRefs>
     <ds:schemaRef ds:uri="http://schemas.microsoft.com/office/2006/metadata/contentType"/>
@@ -43779,4 +43867,16 @@
     <ds:schemaRef ds:uri="http://schemas.microsoft.com/internal/obd"/>
   </ds:schemaRefs>
 </ds:datastoreItem>
+</file>
+
+<file path=customXml/itemProps8.xml><?xml version="1.0" encoding="utf-8"?>
+<ds:datastoreItem xmlns:ds="http://schemas.openxmlformats.org/officeDocument/2006/customXml" ds:itemID="{5822B366-D741-4E0F-86C5-011A7765F96B}">
+  <ds:schemaRefs/>
+</ds:datastoreItem>
+</file>
+
+<file path=customXml/itemProps9.xml><?xml version="1.0" encoding="utf-8"?>
+<ds:datastoreItem xmlns:ds="http://schemas.openxmlformats.org/officeDocument/2006/customXml" ds:itemID="{28C85CB8-C4E2-42B6-9E95-8E3EDB1A7CC4}">
+  <ds:schemaRefs/>
+</ds:datastoreItem>
 </file>